--- a/docs/Day 2 Slides.pptx
+++ b/docs/Day 2 Slides.pptx
@@ -202,7 +202,7 @@
           <a:p>
             <a:fld id="{C1BA31B9-3973-47BB-A769-C9355840A371}" type="datetimeFigureOut">
               <a:rPr lang="en-US" smtClean="0"/>
-              <a:t>7/11/17</a:t>
+              <a:t>7/13/17</a:t>
             </a:fld>
             <a:endParaRPr lang="en-US"/>
           </a:p>
@@ -666,7 +666,7 @@
           <a:p>
             <a:fld id="{90187E87-00B9-445A-8D49-C5EA21AFF997}" type="datetime1">
               <a:rPr lang="en-US" smtClean="0"/>
-              <a:t>7/11/17</a:t>
+              <a:t>7/13/17</a:t>
             </a:fld>
             <a:endParaRPr lang="en-US"/>
           </a:p>
@@ -887,7 +887,7 @@
           <a:p>
             <a:fld id="{096F9D19-0B27-4869-88F9-365098868A7F}" type="datetime1">
               <a:rPr lang="en-US" smtClean="0"/>
-              <a:t>7/11/17</a:t>
+              <a:t>7/13/17</a:t>
             </a:fld>
             <a:endParaRPr lang="en-US"/>
           </a:p>
@@ -1067,7 +1067,7 @@
           <a:p>
             <a:fld id="{AD3B7F37-9439-40A1-AEEF-AD67BB0D4AAC}" type="datetime1">
               <a:rPr lang="en-US" smtClean="0"/>
-              <a:t>7/11/17</a:t>
+              <a:t>7/13/17</a:t>
             </a:fld>
             <a:endParaRPr lang="en-US"/>
           </a:p>
@@ -1316,7 +1316,7 @@
             </a:pPr>
             <a:fld id="{68164054-3012-482D-9EB5-FE9FE872DCFE}" type="datetime1">
               <a:rPr lang="en-US" smtClean="0"/>
-              <a:t>7/11/17</a:t>
+              <a:t>7/13/17</a:t>
             </a:fld>
             <a:endParaRPr lang="en-US"/>
           </a:p>
@@ -1513,7 +1513,7 @@
           <a:p>
             <a:fld id="{6186BA2A-CEBF-4FAC-A01D-170852E3EB13}" type="datetime1">
               <a:rPr lang="en-US" smtClean="0"/>
-              <a:t>7/11/17</a:t>
+              <a:t>7/13/17</a:t>
             </a:fld>
             <a:endParaRPr lang="en-US"/>
           </a:p>
@@ -1771,7 +1771,7 @@
           <a:p>
             <a:fld id="{B5212E68-AB57-4F56-9514-81BEE86EE853}" type="datetime1">
               <a:rPr lang="en-US" smtClean="0"/>
-              <a:t>7/11/17</a:t>
+              <a:t>7/13/17</a:t>
             </a:fld>
             <a:endParaRPr lang="en-US"/>
           </a:p>
@@ -2094,7 +2094,7 @@
           <a:p>
             <a:fld id="{E41FD155-039D-4424-A31E-3636442F6E36}" type="datetime1">
               <a:rPr lang="en-US" smtClean="0"/>
-              <a:t>7/11/17</a:t>
+              <a:t>7/13/17</a:t>
             </a:fld>
             <a:endParaRPr lang="en-US"/>
           </a:p>
@@ -2518,7 +2518,7 @@
           <a:p>
             <a:fld id="{64126646-2279-486A-B40D-6145D7D6D51B}" type="datetime1">
               <a:rPr lang="en-US" smtClean="0"/>
-              <a:t>7/11/17</a:t>
+              <a:t>7/13/17</a:t>
             </a:fld>
             <a:endParaRPr lang="en-US"/>
           </a:p>
@@ -2636,7 +2636,7 @@
           <a:p>
             <a:fld id="{EB0B8D8C-4F8E-4FB9-992A-BE6AEAF72144}" type="datetime1">
               <a:rPr lang="en-US" smtClean="0"/>
-              <a:t>7/11/17</a:t>
+              <a:t>7/13/17</a:t>
             </a:fld>
             <a:endParaRPr lang="en-US"/>
           </a:p>
@@ -2731,7 +2731,7 @@
           <a:p>
             <a:fld id="{535ABF41-E07B-4A76-B381-06013911A931}" type="datetime1">
               <a:rPr lang="en-US" smtClean="0"/>
-              <a:t>7/11/17</a:t>
+              <a:t>7/13/17</a:t>
             </a:fld>
             <a:endParaRPr lang="en-US"/>
           </a:p>
@@ -3021,7 +3021,7 @@
           <a:p>
             <a:fld id="{6FC7F623-53E3-4FED-9930-39EA7732EA27}" type="datetime1">
               <a:rPr lang="en-US" smtClean="0"/>
-              <a:t>7/11/17</a:t>
+              <a:t>7/13/17</a:t>
             </a:fld>
             <a:endParaRPr lang="en-US"/>
           </a:p>
@@ -3293,7 +3293,7 @@
           <a:p>
             <a:fld id="{FA00CAC2-29F8-40CA-B143-AB13DA75749C}" type="datetime1">
               <a:rPr lang="en-US" smtClean="0"/>
-              <a:t>7/11/17</a:t>
+              <a:t>7/13/17</a:t>
             </a:fld>
             <a:endParaRPr lang="en-US"/>
           </a:p>
@@ -3547,7 +3547,7 @@
           <a:p>
             <a:fld id="{2E5D7971-9A78-471E-B993-894E22B9485D}" type="datetime1">
               <a:rPr lang="en-US" smtClean="0"/>
-              <a:t>7/11/17</a:t>
+              <a:t>7/13/17</a:t>
             </a:fld>
             <a:endParaRPr lang="en-US"/>
           </a:p>
@@ -4161,11 +4161,7 @@
           <a:p>
             <a:r>
               <a:rPr lang="en-US" dirty="0" smtClean="0"/>
-              <a:t>Day </a:t>
-            </a:r>
-            <a:r>
-              <a:rPr lang="en-US" dirty="0" smtClean="0"/>
-              <a:t>2</a:t>
+              <a:t>Day 2</a:t>
             </a:r>
             <a:endParaRPr lang="en-US" dirty="0"/>
           </a:p>
@@ -4250,7 +4246,6 @@
               <a:rPr lang="en-US" dirty="0" smtClean="0"/>
               <a:t>Path Analysis and SEM</a:t>
             </a:r>
-            <a:endParaRPr lang="en-US" dirty="0" smtClean="0"/>
           </a:p>
         </p:txBody>
       </p:sp>
@@ -4403,20 +4398,20 @@
       </p:sp>
       <p:sp>
         <p:nvSpPr>
-          <p:cNvPr id="3" name="Content Placeholder 2"/>
-          <p:cNvSpPr>
-            <a:spLocks noGrp="1"/>
-          </p:cNvSpPr>
-          <p:nvPr>
-            <p:ph idx="1"/>
-          </p:nvPr>
-        </p:nvSpPr>
-        <p:spPr/>
-        <p:txBody>
-          <a:bodyPr/>
-          <a:lstStyle/>
-          <a:p>
-            <a:endParaRPr lang="en-US" dirty="0"/>
+          <p:cNvPr id="4" name="Text Placeholder 3"/>
+          <p:cNvSpPr>
+            <a:spLocks noGrp="1"/>
+          </p:cNvSpPr>
+          <p:nvPr>
+            <p:ph type="body" idx="1"/>
+          </p:nvPr>
+        </p:nvSpPr>
+        <p:spPr/>
+        <p:txBody>
+          <a:bodyPr/>
+          <a:lstStyle/>
+          <a:p>
+            <a:endParaRPr lang="en-US"/>
           </a:p>
         </p:txBody>
       </p:sp>

--- a/docs/Day 2 Slides.pptx
+++ b/docs/Day 2 Slides.pptx
@@ -5,15 +5,26 @@
     <p:sldMasterId id="2147483672" r:id="rId1"/>
   </p:sldMasterIdLst>
   <p:notesMasterIdLst>
-    <p:notesMasterId r:id="rId8"/>
+    <p:notesMasterId r:id="rId19"/>
   </p:notesMasterIdLst>
   <p:sldIdLst>
     <p:sldId id="256" r:id="rId2"/>
     <p:sldId id="380" r:id="rId3"/>
     <p:sldId id="381" r:id="rId4"/>
-    <p:sldId id="382" r:id="rId5"/>
-    <p:sldId id="383" r:id="rId6"/>
-    <p:sldId id="384" r:id="rId7"/>
+    <p:sldId id="386" r:id="rId5"/>
+    <p:sldId id="385" r:id="rId6"/>
+    <p:sldId id="387" r:id="rId7"/>
+    <p:sldId id="382" r:id="rId8"/>
+    <p:sldId id="389" r:id="rId9"/>
+    <p:sldId id="383" r:id="rId10"/>
+    <p:sldId id="390" r:id="rId11"/>
+    <p:sldId id="391" r:id="rId12"/>
+    <p:sldId id="392" r:id="rId13"/>
+    <p:sldId id="393" r:id="rId14"/>
+    <p:sldId id="394" r:id="rId15"/>
+    <p:sldId id="395" r:id="rId16"/>
+    <p:sldId id="384" r:id="rId17"/>
+    <p:sldId id="396" r:id="rId18"/>
   </p:sldIdLst>
   <p:sldSz cx="12192000" cy="6858000"/>
   <p:notesSz cx="6858000" cy="9144000"/>
@@ -202,7 +213,7 @@
           <a:p>
             <a:fld id="{C1BA31B9-3973-47BB-A769-C9355840A371}" type="datetimeFigureOut">
               <a:rPr lang="en-US" smtClean="0"/>
-              <a:t>7/13/17</a:t>
+              <a:t>7/15/17</a:t>
             </a:fld>
             <a:endParaRPr lang="en-US"/>
           </a:p>
@@ -666,7 +677,7 @@
           <a:p>
             <a:fld id="{90187E87-00B9-445A-8D49-C5EA21AFF997}" type="datetime1">
               <a:rPr lang="en-US" smtClean="0"/>
-              <a:t>7/13/17</a:t>
+              <a:t>7/15/17</a:t>
             </a:fld>
             <a:endParaRPr lang="en-US"/>
           </a:p>
@@ -887,7 +898,7 @@
           <a:p>
             <a:fld id="{096F9D19-0B27-4869-88F9-365098868A7F}" type="datetime1">
               <a:rPr lang="en-US" smtClean="0"/>
-              <a:t>7/13/17</a:t>
+              <a:t>7/15/17</a:t>
             </a:fld>
             <a:endParaRPr lang="en-US"/>
           </a:p>
@@ -1067,7 +1078,7 @@
           <a:p>
             <a:fld id="{AD3B7F37-9439-40A1-AEEF-AD67BB0D4AAC}" type="datetime1">
               <a:rPr lang="en-US" smtClean="0"/>
-              <a:t>7/13/17</a:t>
+              <a:t>7/15/17</a:t>
             </a:fld>
             <a:endParaRPr lang="en-US"/>
           </a:p>
@@ -1316,7 +1327,7 @@
             </a:pPr>
             <a:fld id="{68164054-3012-482D-9EB5-FE9FE872DCFE}" type="datetime1">
               <a:rPr lang="en-US" smtClean="0"/>
-              <a:t>7/13/17</a:t>
+              <a:t>7/15/17</a:t>
             </a:fld>
             <a:endParaRPr lang="en-US"/>
           </a:p>
@@ -1513,7 +1524,7 @@
           <a:p>
             <a:fld id="{6186BA2A-CEBF-4FAC-A01D-170852E3EB13}" type="datetime1">
               <a:rPr lang="en-US" smtClean="0"/>
-              <a:t>7/13/17</a:t>
+              <a:t>7/15/17</a:t>
             </a:fld>
             <a:endParaRPr lang="en-US"/>
           </a:p>
@@ -1771,7 +1782,7 @@
           <a:p>
             <a:fld id="{B5212E68-AB57-4F56-9514-81BEE86EE853}" type="datetime1">
               <a:rPr lang="en-US" smtClean="0"/>
-              <a:t>7/13/17</a:t>
+              <a:t>7/15/17</a:t>
             </a:fld>
             <a:endParaRPr lang="en-US"/>
           </a:p>
@@ -2094,7 +2105,7 @@
           <a:p>
             <a:fld id="{E41FD155-039D-4424-A31E-3636442F6E36}" type="datetime1">
               <a:rPr lang="en-US" smtClean="0"/>
-              <a:t>7/13/17</a:t>
+              <a:t>7/15/17</a:t>
             </a:fld>
             <a:endParaRPr lang="en-US"/>
           </a:p>
@@ -2518,7 +2529,7 @@
           <a:p>
             <a:fld id="{64126646-2279-486A-B40D-6145D7D6D51B}" type="datetime1">
               <a:rPr lang="en-US" smtClean="0"/>
-              <a:t>7/13/17</a:t>
+              <a:t>7/15/17</a:t>
             </a:fld>
             <a:endParaRPr lang="en-US"/>
           </a:p>
@@ -2636,7 +2647,7 @@
           <a:p>
             <a:fld id="{EB0B8D8C-4F8E-4FB9-992A-BE6AEAF72144}" type="datetime1">
               <a:rPr lang="en-US" smtClean="0"/>
-              <a:t>7/13/17</a:t>
+              <a:t>7/15/17</a:t>
             </a:fld>
             <a:endParaRPr lang="en-US"/>
           </a:p>
@@ -2731,7 +2742,7 @@
           <a:p>
             <a:fld id="{535ABF41-E07B-4A76-B381-06013911A931}" type="datetime1">
               <a:rPr lang="en-US" smtClean="0"/>
-              <a:t>7/13/17</a:t>
+              <a:t>7/15/17</a:t>
             </a:fld>
             <a:endParaRPr lang="en-US"/>
           </a:p>
@@ -3021,7 +3032,7 @@
           <a:p>
             <a:fld id="{6FC7F623-53E3-4FED-9930-39EA7732EA27}" type="datetime1">
               <a:rPr lang="en-US" smtClean="0"/>
-              <a:t>7/13/17</a:t>
+              <a:t>7/15/17</a:t>
             </a:fld>
             <a:endParaRPr lang="en-US"/>
           </a:p>
@@ -3293,7 +3304,7 @@
           <a:p>
             <a:fld id="{FA00CAC2-29F8-40CA-B143-AB13DA75749C}" type="datetime1">
               <a:rPr lang="en-US" smtClean="0"/>
-              <a:t>7/13/17</a:t>
+              <a:t>7/15/17</a:t>
             </a:fld>
             <a:endParaRPr lang="en-US"/>
           </a:p>
@@ -3547,7 +3558,7 @@
           <a:p>
             <a:fld id="{2E5D7971-9A78-471E-B993-894E22B9485D}" type="datetime1">
               <a:rPr lang="en-US" smtClean="0"/>
-              <a:t>7/13/17</a:t>
+              <a:t>7/15/17</a:t>
             </a:fld>
             <a:endParaRPr lang="en-US"/>
           </a:p>
@@ -4127,6 +4138,1248 @@
 </p:sld>
 </file>
 
+<file path=ppt/slides/slide10.xml><?xml version="1.0" encoding="utf-8"?>
+<p:sld xmlns:a="http://schemas.openxmlformats.org/drawingml/2006/main" xmlns:r="http://schemas.openxmlformats.org/officeDocument/2006/relationships" xmlns:p="http://schemas.openxmlformats.org/presentationml/2006/main">
+  <p:cSld>
+    <p:spTree>
+      <p:nvGrpSpPr>
+        <p:cNvPr id="1" name=""/>
+        <p:cNvGrpSpPr/>
+        <p:nvPr/>
+      </p:nvGrpSpPr>
+      <p:grpSpPr>
+        <a:xfrm>
+          <a:off x="0" y="0"/>
+          <a:ext cx="0" cy="0"/>
+          <a:chOff x="0" y="0"/>
+          <a:chExt cx="0" cy="0"/>
+        </a:xfrm>
+      </p:grpSpPr>
+      <p:sp>
+        <p:nvSpPr>
+          <p:cNvPr id="2" name="Title 1"/>
+          <p:cNvSpPr>
+            <a:spLocks noGrp="1"/>
+          </p:cNvSpPr>
+          <p:nvPr>
+            <p:ph type="title"/>
+          </p:nvPr>
+        </p:nvSpPr>
+        <p:spPr/>
+        <p:txBody>
+          <a:bodyPr/>
+          <a:lstStyle/>
+          <a:p>
+            <a:r>
+              <a:rPr lang="en-US" dirty="0" smtClean="0"/>
+              <a:t>Confirmatory Factor Analysis (CFA)</a:t>
+            </a:r>
+            <a:endParaRPr lang="en-US" dirty="0"/>
+          </a:p>
+        </p:txBody>
+      </p:sp>
+      <p:sp>
+        <p:nvSpPr>
+          <p:cNvPr id="3" name="Content Placeholder 2"/>
+          <p:cNvSpPr>
+            <a:spLocks noGrp="1"/>
+          </p:cNvSpPr>
+          <p:nvPr>
+            <p:ph idx="1"/>
+          </p:nvPr>
+        </p:nvSpPr>
+        <p:spPr/>
+        <p:txBody>
+          <a:bodyPr>
+            <a:normAutofit/>
+          </a:bodyPr>
+          <a:lstStyle/>
+          <a:p>
+            <a:pPr marL="45720" indent="0" algn="ctr">
+              <a:buNone/>
+            </a:pPr>
+            <a:r>
+              <a:rPr lang="en-US" b="1" dirty="0"/>
+              <a:t>d</a:t>
+            </a:r>
+            <a:r>
+              <a:rPr lang="en-US" b="1" dirty="0" smtClean="0"/>
+              <a:t>ata(HolzingerSwineford1939)</a:t>
+            </a:r>
+          </a:p>
+          <a:p>
+            <a:pPr marL="45720" indent="0" algn="ctr">
+              <a:buNone/>
+            </a:pPr>
+            <a:endParaRPr lang="en-US" b="1" dirty="0" smtClean="0"/>
+          </a:p>
+          <a:p>
+            <a:r>
+              <a:rPr lang="en-US" dirty="0" smtClean="0"/>
+              <a:t>Mental ability test score from 7</a:t>
+            </a:r>
+            <a:r>
+              <a:rPr lang="en-US" baseline="30000" dirty="0" smtClean="0"/>
+              <a:t>th</a:t>
+            </a:r>
+            <a:r>
+              <a:rPr lang="en-US" dirty="0" smtClean="0"/>
+              <a:t> and 8</a:t>
+            </a:r>
+            <a:r>
+              <a:rPr lang="en-US" baseline="30000" dirty="0" smtClean="0"/>
+              <a:t>th</a:t>
+            </a:r>
+            <a:r>
+              <a:rPr lang="en-US" dirty="0" smtClean="0"/>
+              <a:t> grade children from two schools</a:t>
+            </a:r>
+            <a:endParaRPr lang="en-US" dirty="0"/>
+          </a:p>
+          <a:p>
+            <a:pPr lvl="1" fontAlgn="base"/>
+            <a:r>
+              <a:rPr lang="en-US" dirty="0"/>
+              <a:t>A </a:t>
+            </a:r>
+            <a:r>
+              <a:rPr lang="en-US" i="1" dirty="0"/>
+              <a:t>visual</a:t>
+            </a:r>
+            <a:r>
+              <a:rPr lang="en-US" dirty="0"/>
+              <a:t> factor measured by 3 variables: x1, x2 and x3</a:t>
+            </a:r>
+          </a:p>
+          <a:p>
+            <a:pPr lvl="1" fontAlgn="base"/>
+            <a:r>
+              <a:rPr lang="en-US" dirty="0"/>
+              <a:t>A </a:t>
+            </a:r>
+            <a:r>
+              <a:rPr lang="en-US" i="1" dirty="0"/>
+              <a:t>textual</a:t>
+            </a:r>
+            <a:r>
+              <a:rPr lang="en-US" dirty="0"/>
+              <a:t> factor measured by 3 variables: x4, x5 and x6</a:t>
+            </a:r>
+          </a:p>
+          <a:p>
+            <a:pPr lvl="1" fontAlgn="base"/>
+            <a:r>
+              <a:rPr lang="en-US" dirty="0"/>
+              <a:t>A </a:t>
+            </a:r>
+            <a:r>
+              <a:rPr lang="en-US" i="1" dirty="0"/>
+              <a:t>speed</a:t>
+            </a:r>
+            <a:r>
+              <a:rPr lang="en-US" dirty="0"/>
+              <a:t> factor measured by 3 variables: x7, x8 and </a:t>
+            </a:r>
+            <a:r>
+              <a:rPr lang="en-US" dirty="0" smtClean="0"/>
+              <a:t>x9</a:t>
+            </a:r>
+          </a:p>
+          <a:p>
+            <a:pPr lvl="1" fontAlgn="base"/>
+            <a:endParaRPr lang="en-US" dirty="0"/>
+          </a:p>
+          <a:p>
+            <a:r>
+              <a:rPr lang="en-US" dirty="0" smtClean="0"/>
+              <a:t>We want to test if indeed these measures fall on these three scales as we hypothesize.</a:t>
+            </a:r>
+            <a:endParaRPr lang="en-US" dirty="0"/>
+          </a:p>
+          <a:p>
+            <a:r>
+              <a:rPr lang="en-US" dirty="0" smtClean="0"/>
+              <a:t>We are </a:t>
+            </a:r>
+            <a:r>
+              <a:rPr lang="en-US" i="1" dirty="0" smtClean="0"/>
+              <a:t>confirming</a:t>
+            </a:r>
+            <a:r>
+              <a:rPr lang="en-US" dirty="0" smtClean="0"/>
+              <a:t> a hypothesized factor structure instead of exploring.</a:t>
+            </a:r>
+          </a:p>
+        </p:txBody>
+      </p:sp>
+    </p:spTree>
+    <p:extLst>
+      <p:ext uri="{BB962C8B-B14F-4D97-AF65-F5344CB8AC3E}">
+        <p14:creationId xmlns:p14="http://schemas.microsoft.com/office/powerpoint/2010/main" val="2004312323"/>
+      </p:ext>
+    </p:extLst>
+  </p:cSld>
+  <p:clrMapOvr>
+    <a:masterClrMapping/>
+  </p:clrMapOvr>
+</p:sld>
+</file>
+
+<file path=ppt/slides/slide11.xml><?xml version="1.0" encoding="utf-8"?>
+<p:sld xmlns:a="http://schemas.openxmlformats.org/drawingml/2006/main" xmlns:r="http://schemas.openxmlformats.org/officeDocument/2006/relationships" xmlns:p="http://schemas.openxmlformats.org/presentationml/2006/main">
+  <p:cSld>
+    <p:spTree>
+      <p:nvGrpSpPr>
+        <p:cNvPr id="1" name=""/>
+        <p:cNvGrpSpPr/>
+        <p:nvPr/>
+      </p:nvGrpSpPr>
+      <p:grpSpPr>
+        <a:xfrm>
+          <a:off x="0" y="0"/>
+          <a:ext cx="0" cy="0"/>
+          <a:chOff x="0" y="0"/>
+          <a:chExt cx="0" cy="0"/>
+        </a:xfrm>
+      </p:grpSpPr>
+      <p:pic>
+        <p:nvPicPr>
+          <p:cNvPr id="4" name="Picture 3"/>
+          <p:cNvPicPr>
+            <a:picLocks noChangeAspect="1"/>
+          </p:cNvPicPr>
+          <p:nvPr/>
+        </p:nvPicPr>
+        <p:blipFill>
+          <a:blip r:embed="rId2">
+            <a:extLst>
+              <a:ext uri="{28A0092B-C50C-407E-A947-70E740481C1C}">
+                <a14:useLocalDpi xmlns:a14="http://schemas.microsoft.com/office/drawing/2010/main" val="0"/>
+              </a:ext>
+            </a:extLst>
+          </a:blip>
+          <a:stretch>
+            <a:fillRect/>
+          </a:stretch>
+        </p:blipFill>
+        <p:spPr>
+          <a:xfrm>
+            <a:off x="6370320" y="456113"/>
+            <a:ext cx="4100786" cy="6117407"/>
+          </a:xfrm>
+          <a:prstGeom prst="rect">
+            <a:avLst/>
+          </a:prstGeom>
+        </p:spPr>
+      </p:pic>
+      <p:sp>
+        <p:nvSpPr>
+          <p:cNvPr id="6" name="Rectangle 5"/>
+          <p:cNvSpPr/>
+          <p:nvPr/>
+        </p:nvSpPr>
+        <p:spPr>
+          <a:xfrm>
+            <a:off x="914400" y="2237543"/>
+            <a:ext cx="5334000" cy="2554545"/>
+          </a:xfrm>
+          <a:prstGeom prst="rect">
+            <a:avLst/>
+          </a:prstGeom>
+        </p:spPr>
+        <p:txBody>
+          <a:bodyPr wrap="square">
+            <a:spAutoFit/>
+          </a:bodyPr>
+          <a:lstStyle/>
+          <a:p>
+            <a:pPr fontAlgn="base"/>
+            <a:r>
+              <a:rPr lang="en-US" sz="3200" dirty="0" smtClean="0">
+                <a:solidFill>
+                  <a:schemeClr val="accent1"/>
+                </a:solidFill>
+              </a:rPr>
+              <a:t>Visual</a:t>
+            </a:r>
+            <a:r>
+              <a:rPr lang="en-US" sz="3200" dirty="0">
+                <a:solidFill>
+                  <a:schemeClr val="accent1"/>
+                </a:solidFill>
+              </a:rPr>
+              <a:t> </a:t>
+            </a:r>
+            <a:r>
+              <a:rPr lang="en-US" sz="3200" dirty="0" smtClean="0">
+                <a:solidFill>
+                  <a:schemeClr val="accent1"/>
+                </a:solidFill>
+              </a:rPr>
+              <a:t>factor:</a:t>
+            </a:r>
+            <a:r>
+              <a:rPr lang="en-US" sz="3200" dirty="0">
+                <a:solidFill>
+                  <a:schemeClr val="accent1"/>
+                </a:solidFill>
+              </a:rPr>
+              <a:t> 	</a:t>
+            </a:r>
+            <a:r>
+              <a:rPr lang="en-US" sz="3200" dirty="0" smtClean="0">
+                <a:solidFill>
+                  <a:schemeClr val="accent1"/>
+                </a:solidFill>
+              </a:rPr>
+              <a:t>x1</a:t>
+            </a:r>
+            <a:r>
+              <a:rPr lang="en-US" sz="3200" dirty="0">
+                <a:solidFill>
+                  <a:schemeClr val="accent1"/>
+                </a:solidFill>
+              </a:rPr>
+              <a:t>, x2 and </a:t>
+            </a:r>
+            <a:r>
+              <a:rPr lang="en-US" sz="3200" dirty="0" smtClean="0">
+                <a:solidFill>
+                  <a:schemeClr val="accent1"/>
+                </a:solidFill>
+              </a:rPr>
+              <a:t>x3</a:t>
+            </a:r>
+          </a:p>
+          <a:p>
+            <a:pPr fontAlgn="base"/>
+            <a:endParaRPr lang="en-US" sz="3200" dirty="0">
+              <a:solidFill>
+                <a:schemeClr val="accent1"/>
+              </a:solidFill>
+            </a:endParaRPr>
+          </a:p>
+          <a:p>
+            <a:pPr fontAlgn="base"/>
+            <a:r>
+              <a:rPr lang="en-US" sz="3200" dirty="0" smtClean="0">
+                <a:solidFill>
+                  <a:schemeClr val="accent1"/>
+                </a:solidFill>
+              </a:rPr>
+              <a:t>Textual</a:t>
+            </a:r>
+            <a:r>
+              <a:rPr lang="en-US" sz="3200" dirty="0">
+                <a:solidFill>
+                  <a:schemeClr val="accent1"/>
+                </a:solidFill>
+              </a:rPr>
+              <a:t> </a:t>
+            </a:r>
+            <a:r>
+              <a:rPr lang="en-US" sz="3200" dirty="0" smtClean="0">
+                <a:solidFill>
+                  <a:schemeClr val="accent1"/>
+                </a:solidFill>
+              </a:rPr>
+              <a:t>factor:</a:t>
+            </a:r>
+            <a:r>
+              <a:rPr lang="en-US" sz="3200" dirty="0">
+                <a:solidFill>
+                  <a:schemeClr val="accent1"/>
+                </a:solidFill>
+              </a:rPr>
+              <a:t> 	</a:t>
+            </a:r>
+            <a:r>
+              <a:rPr lang="en-US" sz="3200" dirty="0" smtClean="0">
+                <a:solidFill>
+                  <a:schemeClr val="accent1"/>
+                </a:solidFill>
+              </a:rPr>
+              <a:t>x4</a:t>
+            </a:r>
+            <a:r>
+              <a:rPr lang="en-US" sz="3200" dirty="0">
+                <a:solidFill>
+                  <a:schemeClr val="accent1"/>
+                </a:solidFill>
+              </a:rPr>
+              <a:t>, x5 and </a:t>
+            </a:r>
+            <a:r>
+              <a:rPr lang="en-US" sz="3200" dirty="0" smtClean="0">
+                <a:solidFill>
+                  <a:schemeClr val="accent1"/>
+                </a:solidFill>
+              </a:rPr>
+              <a:t>x6</a:t>
+            </a:r>
+          </a:p>
+          <a:p>
+            <a:pPr fontAlgn="base"/>
+            <a:endParaRPr lang="en-US" sz="3200" dirty="0" smtClean="0">
+              <a:solidFill>
+                <a:schemeClr val="accent1"/>
+              </a:solidFill>
+            </a:endParaRPr>
+          </a:p>
+          <a:p>
+            <a:pPr fontAlgn="base"/>
+            <a:r>
+              <a:rPr lang="en-US" sz="3200" dirty="0" smtClean="0">
+                <a:solidFill>
+                  <a:schemeClr val="accent1"/>
+                </a:solidFill>
+              </a:rPr>
+              <a:t>Speed</a:t>
+            </a:r>
+            <a:r>
+              <a:rPr lang="en-US" sz="3200" dirty="0">
+                <a:solidFill>
+                  <a:schemeClr val="accent1"/>
+                </a:solidFill>
+              </a:rPr>
+              <a:t> </a:t>
+            </a:r>
+            <a:r>
+              <a:rPr lang="en-US" sz="3200" dirty="0" smtClean="0">
+                <a:solidFill>
+                  <a:schemeClr val="accent1"/>
+                </a:solidFill>
+              </a:rPr>
+              <a:t>factor:</a:t>
+            </a:r>
+            <a:r>
+              <a:rPr lang="en-US" sz="3200" dirty="0">
+                <a:solidFill>
+                  <a:schemeClr val="accent1"/>
+                </a:solidFill>
+              </a:rPr>
+              <a:t> 	</a:t>
+            </a:r>
+            <a:r>
+              <a:rPr lang="en-US" sz="3200" dirty="0" smtClean="0">
+                <a:solidFill>
+                  <a:schemeClr val="accent1"/>
+                </a:solidFill>
+              </a:rPr>
+              <a:t>x7</a:t>
+            </a:r>
+            <a:r>
+              <a:rPr lang="en-US" sz="3200" dirty="0">
+                <a:solidFill>
+                  <a:schemeClr val="accent1"/>
+                </a:solidFill>
+              </a:rPr>
+              <a:t>, x8 and x9</a:t>
+            </a:r>
+          </a:p>
+        </p:txBody>
+      </p:sp>
+    </p:spTree>
+    <p:extLst>
+      <p:ext uri="{BB962C8B-B14F-4D97-AF65-F5344CB8AC3E}">
+        <p14:creationId xmlns:p14="http://schemas.microsoft.com/office/powerpoint/2010/main" val="572238883"/>
+      </p:ext>
+    </p:extLst>
+  </p:cSld>
+  <p:clrMapOvr>
+    <a:masterClrMapping/>
+  </p:clrMapOvr>
+</p:sld>
+</file>
+
+<file path=ppt/slides/slide12.xml><?xml version="1.0" encoding="utf-8"?>
+<p:sld xmlns:a="http://schemas.openxmlformats.org/drawingml/2006/main" xmlns:r="http://schemas.openxmlformats.org/officeDocument/2006/relationships" xmlns:p="http://schemas.openxmlformats.org/presentationml/2006/main">
+  <p:cSld>
+    <p:spTree>
+      <p:nvGrpSpPr>
+        <p:cNvPr id="1" name=""/>
+        <p:cNvGrpSpPr/>
+        <p:nvPr/>
+      </p:nvGrpSpPr>
+      <p:grpSpPr>
+        <a:xfrm>
+          <a:off x="0" y="0"/>
+          <a:ext cx="0" cy="0"/>
+          <a:chOff x="0" y="0"/>
+          <a:chExt cx="0" cy="0"/>
+        </a:xfrm>
+      </p:grpSpPr>
+      <p:sp>
+        <p:nvSpPr>
+          <p:cNvPr id="2" name="Title 1"/>
+          <p:cNvSpPr>
+            <a:spLocks noGrp="1"/>
+          </p:cNvSpPr>
+          <p:nvPr>
+            <p:ph type="title"/>
+          </p:nvPr>
+        </p:nvSpPr>
+        <p:spPr/>
+        <p:txBody>
+          <a:bodyPr/>
+          <a:lstStyle/>
+          <a:p>
+            <a:r>
+              <a:rPr lang="en-US" dirty="0" smtClean="0"/>
+              <a:t>Confirmatory Factor Analysis (CFA)</a:t>
+            </a:r>
+            <a:endParaRPr lang="en-US" dirty="0"/>
+          </a:p>
+        </p:txBody>
+      </p:sp>
+      <p:sp>
+        <p:nvSpPr>
+          <p:cNvPr id="3" name="Content Placeholder 2"/>
+          <p:cNvSpPr>
+            <a:spLocks noGrp="1"/>
+          </p:cNvSpPr>
+          <p:nvPr>
+            <p:ph idx="1"/>
+          </p:nvPr>
+        </p:nvSpPr>
+        <p:spPr/>
+        <p:txBody>
+          <a:bodyPr>
+            <a:normAutofit/>
+          </a:bodyPr>
+          <a:lstStyle/>
+          <a:p>
+            <a:r>
+              <a:rPr lang="en-US" dirty="0" smtClean="0"/>
+              <a:t>We will use the R package </a:t>
+            </a:r>
+            <a:r>
+              <a:rPr lang="en-US" dirty="0" err="1" smtClean="0"/>
+              <a:t>lavaan</a:t>
+            </a:r>
+            <a:r>
+              <a:rPr lang="en-US" dirty="0" smtClean="0"/>
+              <a:t> to fit CFAs</a:t>
+            </a:r>
+          </a:p>
+          <a:p>
+            <a:pPr lvl="1"/>
+            <a:r>
+              <a:rPr lang="en-US" dirty="0" smtClean="0"/>
+              <a:t>most widely used </a:t>
+            </a:r>
+            <a:r>
+              <a:rPr lang="en-US" b="1" dirty="0" smtClean="0"/>
+              <a:t>Structural Equation Modeling (SEM) </a:t>
+            </a:r>
+            <a:r>
+              <a:rPr lang="en-US" dirty="0" smtClean="0"/>
+              <a:t>package in R.</a:t>
+            </a:r>
+          </a:p>
+          <a:p>
+            <a:pPr lvl="1"/>
+            <a:endParaRPr lang="en-US" dirty="0"/>
+          </a:p>
+          <a:p>
+            <a:r>
+              <a:rPr lang="en-US" b="1" dirty="0" smtClean="0"/>
+              <a:t>Step </a:t>
+            </a:r>
+            <a:r>
+              <a:rPr lang="en-US" b="1" dirty="0"/>
+              <a:t>1: </a:t>
+            </a:r>
+            <a:r>
+              <a:rPr lang="en-US" dirty="0"/>
+              <a:t>Specify the </a:t>
+            </a:r>
+            <a:r>
+              <a:rPr lang="en-US" dirty="0" smtClean="0"/>
+              <a:t>model</a:t>
+            </a:r>
+            <a:endParaRPr lang="en-US" dirty="0"/>
+          </a:p>
+          <a:p>
+            <a:r>
+              <a:rPr lang="en-US" b="1" dirty="0" smtClean="0"/>
+              <a:t>Step </a:t>
+            </a:r>
+            <a:r>
+              <a:rPr lang="en-US" b="1" dirty="0"/>
+              <a:t>2:</a:t>
+            </a:r>
+            <a:r>
+              <a:rPr lang="en-US" dirty="0"/>
+              <a:t> Fit the </a:t>
+            </a:r>
+            <a:r>
+              <a:rPr lang="en-US" dirty="0" smtClean="0"/>
+              <a:t>model</a:t>
+            </a:r>
+            <a:endParaRPr lang="en-US" dirty="0"/>
+          </a:p>
+          <a:p>
+            <a:r>
+              <a:rPr lang="en-US" b="1" dirty="0" smtClean="0"/>
+              <a:t>Step </a:t>
+            </a:r>
+            <a:r>
+              <a:rPr lang="en-US" b="1" dirty="0"/>
+              <a:t>3: </a:t>
+            </a:r>
+            <a:r>
+              <a:rPr lang="en-US" dirty="0"/>
+              <a:t>Ask for </a:t>
+            </a:r>
+            <a:r>
+              <a:rPr lang="en-US" dirty="0" smtClean="0"/>
+              <a:t>the output </a:t>
+            </a:r>
+            <a:r>
+              <a:rPr lang="en-US" dirty="0"/>
+              <a:t>you want</a:t>
+            </a:r>
+          </a:p>
+          <a:p>
+            <a:pPr lvl="1"/>
+            <a:endParaRPr lang="en-US" dirty="0" smtClean="0"/>
+          </a:p>
+        </p:txBody>
+      </p:sp>
+    </p:spTree>
+    <p:extLst>
+      <p:ext uri="{BB962C8B-B14F-4D97-AF65-F5344CB8AC3E}">
+        <p14:creationId xmlns:p14="http://schemas.microsoft.com/office/powerpoint/2010/main" val="622917797"/>
+      </p:ext>
+    </p:extLst>
+  </p:cSld>
+  <p:clrMapOvr>
+    <a:masterClrMapping/>
+  </p:clrMapOvr>
+</p:sld>
+</file>
+
+<file path=ppt/slides/slide13.xml><?xml version="1.0" encoding="utf-8"?>
+<p:sld xmlns:a="http://schemas.openxmlformats.org/drawingml/2006/main" xmlns:r="http://schemas.openxmlformats.org/officeDocument/2006/relationships" xmlns:p="http://schemas.openxmlformats.org/presentationml/2006/main">
+  <p:cSld>
+    <p:spTree>
+      <p:nvGrpSpPr>
+        <p:cNvPr id="1" name=""/>
+        <p:cNvGrpSpPr/>
+        <p:nvPr/>
+      </p:nvGrpSpPr>
+      <p:grpSpPr>
+        <a:xfrm>
+          <a:off x="0" y="0"/>
+          <a:ext cx="0" cy="0"/>
+          <a:chOff x="0" y="0"/>
+          <a:chExt cx="0" cy="0"/>
+        </a:xfrm>
+      </p:grpSpPr>
+      <p:pic>
+        <p:nvPicPr>
+          <p:cNvPr id="4" name="Picture 3"/>
+          <p:cNvPicPr>
+            <a:picLocks noChangeAspect="1"/>
+          </p:cNvPicPr>
+          <p:nvPr/>
+        </p:nvPicPr>
+        <p:blipFill>
+          <a:blip r:embed="rId2">
+            <a:extLst>
+              <a:ext uri="{28A0092B-C50C-407E-A947-70E740481C1C}">
+                <a14:useLocalDpi xmlns:a14="http://schemas.microsoft.com/office/drawing/2010/main" val="0"/>
+              </a:ext>
+            </a:extLst>
+          </a:blip>
+          <a:stretch>
+            <a:fillRect/>
+          </a:stretch>
+        </p:blipFill>
+        <p:spPr>
+          <a:xfrm>
+            <a:off x="6370320" y="456113"/>
+            <a:ext cx="4100786" cy="6117407"/>
+          </a:xfrm>
+          <a:prstGeom prst="rect">
+            <a:avLst/>
+          </a:prstGeom>
+        </p:spPr>
+      </p:pic>
+      <p:sp>
+        <p:nvSpPr>
+          <p:cNvPr id="2" name="Title 1"/>
+          <p:cNvSpPr>
+            <a:spLocks noGrp="1"/>
+          </p:cNvSpPr>
+          <p:nvPr>
+            <p:ph type="title"/>
+          </p:nvPr>
+        </p:nvSpPr>
+        <p:spPr/>
+        <p:txBody>
+          <a:bodyPr/>
+          <a:lstStyle/>
+          <a:p>
+            <a:r>
+              <a:rPr lang="en-US" dirty="0" smtClean="0"/>
+              <a:t>Step 1: </a:t>
+            </a:r>
+            <a:br>
+              <a:rPr lang="en-US" dirty="0" smtClean="0"/>
+            </a:br>
+            <a:r>
+              <a:rPr lang="en-US" dirty="0" smtClean="0"/>
+              <a:t>Specify the Model</a:t>
+            </a:r>
+            <a:endParaRPr lang="en-US" dirty="0"/>
+          </a:p>
+        </p:txBody>
+      </p:sp>
+      <p:pic>
+        <p:nvPicPr>
+          <p:cNvPr id="3" name="Picture 2"/>
+          <p:cNvPicPr>
+            <a:picLocks noChangeAspect="1"/>
+          </p:cNvPicPr>
+          <p:nvPr/>
+        </p:nvPicPr>
+        <p:blipFill>
+          <a:blip r:embed="rId3">
+            <a:extLst>
+              <a:ext uri="{28A0092B-C50C-407E-A947-70E740481C1C}">
+                <a14:useLocalDpi xmlns:a14="http://schemas.microsoft.com/office/drawing/2010/main" val="0"/>
+              </a:ext>
+            </a:extLst>
+          </a:blip>
+          <a:stretch>
+            <a:fillRect/>
+          </a:stretch>
+        </p:blipFill>
+        <p:spPr>
+          <a:xfrm>
+            <a:off x="1604010" y="3256280"/>
+            <a:ext cx="4305300" cy="901700"/>
+          </a:xfrm>
+          <a:prstGeom prst="rect">
+            <a:avLst/>
+          </a:prstGeom>
+        </p:spPr>
+      </p:pic>
+    </p:spTree>
+    <p:extLst>
+      <p:ext uri="{BB962C8B-B14F-4D97-AF65-F5344CB8AC3E}">
+        <p14:creationId xmlns:p14="http://schemas.microsoft.com/office/powerpoint/2010/main" val="415089955"/>
+      </p:ext>
+    </p:extLst>
+  </p:cSld>
+  <p:clrMapOvr>
+    <a:masterClrMapping/>
+  </p:clrMapOvr>
+</p:sld>
+</file>
+
+<file path=ppt/slides/slide14.xml><?xml version="1.0" encoding="utf-8"?>
+<p:sld xmlns:a="http://schemas.openxmlformats.org/drawingml/2006/main" xmlns:r="http://schemas.openxmlformats.org/officeDocument/2006/relationships" xmlns:p="http://schemas.openxmlformats.org/presentationml/2006/main">
+  <p:cSld>
+    <p:spTree>
+      <p:nvGrpSpPr>
+        <p:cNvPr id="1" name=""/>
+        <p:cNvGrpSpPr/>
+        <p:nvPr/>
+      </p:nvGrpSpPr>
+      <p:grpSpPr>
+        <a:xfrm>
+          <a:off x="0" y="0"/>
+          <a:ext cx="0" cy="0"/>
+          <a:chOff x="0" y="0"/>
+          <a:chExt cx="0" cy="0"/>
+        </a:xfrm>
+      </p:grpSpPr>
+      <p:pic>
+        <p:nvPicPr>
+          <p:cNvPr id="4" name="Picture 3"/>
+          <p:cNvPicPr>
+            <a:picLocks noChangeAspect="1"/>
+          </p:cNvPicPr>
+          <p:nvPr/>
+        </p:nvPicPr>
+        <p:blipFill>
+          <a:blip r:embed="rId2">
+            <a:extLst>
+              <a:ext uri="{28A0092B-C50C-407E-A947-70E740481C1C}">
+                <a14:useLocalDpi xmlns:a14="http://schemas.microsoft.com/office/drawing/2010/main" val="0"/>
+              </a:ext>
+            </a:extLst>
+          </a:blip>
+          <a:stretch>
+            <a:fillRect/>
+          </a:stretch>
+        </p:blipFill>
+        <p:spPr>
+          <a:xfrm>
+            <a:off x="6370320" y="456113"/>
+            <a:ext cx="4100786" cy="6117407"/>
+          </a:xfrm>
+          <a:prstGeom prst="rect">
+            <a:avLst/>
+          </a:prstGeom>
+        </p:spPr>
+      </p:pic>
+      <p:sp>
+        <p:nvSpPr>
+          <p:cNvPr id="2" name="Title 1"/>
+          <p:cNvSpPr>
+            <a:spLocks noGrp="1"/>
+          </p:cNvSpPr>
+          <p:nvPr>
+            <p:ph type="title"/>
+          </p:nvPr>
+        </p:nvSpPr>
+        <p:spPr/>
+        <p:txBody>
+          <a:bodyPr/>
+          <a:lstStyle/>
+          <a:p>
+            <a:r>
+              <a:rPr lang="en-US" dirty="0" smtClean="0"/>
+              <a:t>Step 2: </a:t>
+            </a:r>
+            <a:br>
+              <a:rPr lang="en-US" dirty="0" smtClean="0"/>
+            </a:br>
+            <a:r>
+              <a:rPr lang="en-US" dirty="0" smtClean="0"/>
+              <a:t>Fit the Model</a:t>
+            </a:r>
+            <a:endParaRPr lang="en-US" dirty="0"/>
+          </a:p>
+        </p:txBody>
+      </p:sp>
+      <p:pic>
+        <p:nvPicPr>
+          <p:cNvPr id="5" name="Picture 4"/>
+          <p:cNvPicPr>
+            <a:picLocks noChangeAspect="1"/>
+          </p:cNvPicPr>
+          <p:nvPr/>
+        </p:nvPicPr>
+        <p:blipFill>
+          <a:blip r:embed="rId3">
+            <a:extLst>
+              <a:ext uri="{28A0092B-C50C-407E-A947-70E740481C1C}">
+                <a14:useLocalDpi xmlns:a14="http://schemas.microsoft.com/office/drawing/2010/main" val="0"/>
+              </a:ext>
+            </a:extLst>
+          </a:blip>
+          <a:stretch>
+            <a:fillRect/>
+          </a:stretch>
+        </p:blipFill>
+        <p:spPr>
+          <a:xfrm>
+            <a:off x="896620" y="3514816"/>
+            <a:ext cx="5562600" cy="317500"/>
+          </a:xfrm>
+          <a:prstGeom prst="rect">
+            <a:avLst/>
+          </a:prstGeom>
+        </p:spPr>
+      </p:pic>
+    </p:spTree>
+    <p:extLst>
+      <p:ext uri="{BB962C8B-B14F-4D97-AF65-F5344CB8AC3E}">
+        <p14:creationId xmlns:p14="http://schemas.microsoft.com/office/powerpoint/2010/main" val="1799298683"/>
+      </p:ext>
+    </p:extLst>
+  </p:cSld>
+  <p:clrMapOvr>
+    <a:masterClrMapping/>
+  </p:clrMapOvr>
+</p:sld>
+</file>
+
+<file path=ppt/slides/slide15.xml><?xml version="1.0" encoding="utf-8"?>
+<p:sld xmlns:a="http://schemas.openxmlformats.org/drawingml/2006/main" xmlns:r="http://schemas.openxmlformats.org/officeDocument/2006/relationships" xmlns:p="http://schemas.openxmlformats.org/presentationml/2006/main">
+  <p:cSld>
+    <p:spTree>
+      <p:nvGrpSpPr>
+        <p:cNvPr id="1" name=""/>
+        <p:cNvGrpSpPr/>
+        <p:nvPr/>
+      </p:nvGrpSpPr>
+      <p:grpSpPr>
+        <a:xfrm>
+          <a:off x="0" y="0"/>
+          <a:ext cx="0" cy="0"/>
+          <a:chOff x="0" y="0"/>
+          <a:chExt cx="0" cy="0"/>
+        </a:xfrm>
+      </p:grpSpPr>
+      <p:pic>
+        <p:nvPicPr>
+          <p:cNvPr id="4" name="Picture 3"/>
+          <p:cNvPicPr>
+            <a:picLocks noChangeAspect="1"/>
+          </p:cNvPicPr>
+          <p:nvPr/>
+        </p:nvPicPr>
+        <p:blipFill>
+          <a:blip r:embed="rId2">
+            <a:extLst>
+              <a:ext uri="{28A0092B-C50C-407E-A947-70E740481C1C}">
+                <a14:useLocalDpi xmlns:a14="http://schemas.microsoft.com/office/drawing/2010/main" val="0"/>
+              </a:ext>
+            </a:extLst>
+          </a:blip>
+          <a:stretch>
+            <a:fillRect/>
+          </a:stretch>
+        </p:blipFill>
+        <p:spPr>
+          <a:xfrm>
+            <a:off x="6370320" y="456113"/>
+            <a:ext cx="4100786" cy="6117407"/>
+          </a:xfrm>
+          <a:prstGeom prst="rect">
+            <a:avLst/>
+          </a:prstGeom>
+        </p:spPr>
+      </p:pic>
+      <p:sp>
+        <p:nvSpPr>
+          <p:cNvPr id="2" name="Title 1"/>
+          <p:cNvSpPr>
+            <a:spLocks noGrp="1"/>
+          </p:cNvSpPr>
+          <p:nvPr>
+            <p:ph type="title"/>
+          </p:nvPr>
+        </p:nvSpPr>
+        <p:spPr>
+          <a:xfrm>
+            <a:off x="1143000" y="609600"/>
+            <a:ext cx="9875520" cy="2468880"/>
+          </a:xfrm>
+        </p:spPr>
+        <p:txBody>
+          <a:bodyPr anchor="t">
+            <a:normAutofit/>
+          </a:bodyPr>
+          <a:lstStyle/>
+          <a:p>
+            <a:r>
+              <a:rPr lang="en-US" dirty="0" smtClean="0"/>
+              <a:t>Step 3: </a:t>
+            </a:r>
+            <a:br>
+              <a:rPr lang="en-US" dirty="0" smtClean="0"/>
+            </a:br>
+            <a:r>
+              <a:rPr lang="en-US" dirty="0" smtClean="0"/>
+              <a:t>Ask for </a:t>
+            </a:r>
+            <a:r>
+              <a:rPr lang="en-US" smtClean="0"/>
+              <a:t>the output </a:t>
+            </a:r>
+            <a:br>
+              <a:rPr lang="en-US" smtClean="0"/>
+            </a:br>
+            <a:r>
+              <a:rPr lang="en-US" smtClean="0"/>
+              <a:t>you want</a:t>
+            </a:r>
+            <a:endParaRPr lang="en-US" dirty="0"/>
+          </a:p>
+        </p:txBody>
+      </p:sp>
+      <p:pic>
+        <p:nvPicPr>
+          <p:cNvPr id="3" name="Picture 2"/>
+          <p:cNvPicPr>
+            <a:picLocks noChangeAspect="1"/>
+          </p:cNvPicPr>
+          <p:nvPr/>
+        </p:nvPicPr>
+        <p:blipFill>
+          <a:blip r:embed="rId3">
+            <a:extLst>
+              <a:ext uri="{28A0092B-C50C-407E-A947-70E740481C1C}">
+                <a14:useLocalDpi xmlns:a14="http://schemas.microsoft.com/office/drawing/2010/main" val="0"/>
+              </a:ext>
+            </a:extLst>
+          </a:blip>
+          <a:stretch>
+            <a:fillRect/>
+          </a:stretch>
+        </p:blipFill>
+        <p:spPr>
+          <a:xfrm>
+            <a:off x="1640840" y="3078480"/>
+            <a:ext cx="3695700" cy="330200"/>
+          </a:xfrm>
+          <a:prstGeom prst="rect">
+            <a:avLst/>
+          </a:prstGeom>
+        </p:spPr>
+      </p:pic>
+      <p:pic>
+        <p:nvPicPr>
+          <p:cNvPr id="7" name="Picture 6"/>
+          <p:cNvPicPr>
+            <a:picLocks noChangeAspect="1"/>
+          </p:cNvPicPr>
+          <p:nvPr/>
+        </p:nvPicPr>
+        <p:blipFill>
+          <a:blip r:embed="rId4">
+            <a:extLst>
+              <a:ext uri="{28A0092B-C50C-407E-A947-70E740481C1C}">
+                <a14:useLocalDpi xmlns:a14="http://schemas.microsoft.com/office/drawing/2010/main" val="0"/>
+              </a:ext>
+            </a:extLst>
+          </a:blip>
+          <a:stretch>
+            <a:fillRect/>
+          </a:stretch>
+        </p:blipFill>
+        <p:spPr>
+          <a:xfrm>
+            <a:off x="1663700" y="3594100"/>
+            <a:ext cx="2578100" cy="292100"/>
+          </a:xfrm>
+          <a:prstGeom prst="rect">
+            <a:avLst/>
+          </a:prstGeom>
+        </p:spPr>
+      </p:pic>
+      <p:pic>
+        <p:nvPicPr>
+          <p:cNvPr id="11" name="Picture 10"/>
+          <p:cNvPicPr>
+            <a:picLocks noChangeAspect="1"/>
+          </p:cNvPicPr>
+          <p:nvPr/>
+        </p:nvPicPr>
+        <p:blipFill>
+          <a:blip r:embed="rId5">
+            <a:extLst>
+              <a:ext uri="{28A0092B-C50C-407E-A947-70E740481C1C}">
+                <a14:useLocalDpi xmlns:a14="http://schemas.microsoft.com/office/drawing/2010/main" val="0"/>
+              </a:ext>
+            </a:extLst>
+          </a:blip>
+          <a:stretch>
+            <a:fillRect/>
+          </a:stretch>
+        </p:blipFill>
+        <p:spPr>
+          <a:xfrm>
+            <a:off x="1663700" y="4071620"/>
+            <a:ext cx="1409700" cy="292100"/>
+          </a:xfrm>
+          <a:prstGeom prst="rect">
+            <a:avLst/>
+          </a:prstGeom>
+        </p:spPr>
+      </p:pic>
+      <p:pic>
+        <p:nvPicPr>
+          <p:cNvPr id="12" name="Picture 11"/>
+          <p:cNvPicPr>
+            <a:picLocks noChangeAspect="1"/>
+          </p:cNvPicPr>
+          <p:nvPr/>
+        </p:nvPicPr>
+        <p:blipFill>
+          <a:blip r:embed="rId6">
+            <a:extLst>
+              <a:ext uri="{28A0092B-C50C-407E-A947-70E740481C1C}">
+                <a14:useLocalDpi xmlns:a14="http://schemas.microsoft.com/office/drawing/2010/main" val="0"/>
+              </a:ext>
+            </a:extLst>
+          </a:blip>
+          <a:stretch>
+            <a:fillRect/>
+          </a:stretch>
+        </p:blipFill>
+        <p:spPr>
+          <a:xfrm>
+            <a:off x="1640840" y="4548596"/>
+            <a:ext cx="1739900" cy="292100"/>
+          </a:xfrm>
+          <a:prstGeom prst="rect">
+            <a:avLst/>
+          </a:prstGeom>
+        </p:spPr>
+      </p:pic>
+    </p:spTree>
+    <p:extLst>
+      <p:ext uri="{BB962C8B-B14F-4D97-AF65-F5344CB8AC3E}">
+        <p14:creationId xmlns:p14="http://schemas.microsoft.com/office/powerpoint/2010/main" val="2140966747"/>
+      </p:ext>
+    </p:extLst>
+  </p:cSld>
+  <p:clrMapOvr>
+    <a:masterClrMapping/>
+  </p:clrMapOvr>
+</p:sld>
+</file>
+
+<file path=ppt/slides/slide16.xml><?xml version="1.0" encoding="utf-8"?>
+<p:sld xmlns:a="http://schemas.openxmlformats.org/drawingml/2006/main" xmlns:r="http://schemas.openxmlformats.org/officeDocument/2006/relationships" xmlns:p="http://schemas.openxmlformats.org/presentationml/2006/main">
+  <p:cSld>
+    <p:spTree>
+      <p:nvGrpSpPr>
+        <p:cNvPr id="1" name=""/>
+        <p:cNvGrpSpPr/>
+        <p:nvPr/>
+      </p:nvGrpSpPr>
+      <p:grpSpPr>
+        <a:xfrm>
+          <a:off x="0" y="0"/>
+          <a:ext cx="0" cy="0"/>
+          <a:chOff x="0" y="0"/>
+          <a:chExt cx="0" cy="0"/>
+        </a:xfrm>
+      </p:grpSpPr>
+      <p:sp>
+        <p:nvSpPr>
+          <p:cNvPr id="2" name="Title 1"/>
+          <p:cNvSpPr>
+            <a:spLocks noGrp="1"/>
+          </p:cNvSpPr>
+          <p:nvPr>
+            <p:ph type="title"/>
+          </p:nvPr>
+        </p:nvSpPr>
+        <p:spPr/>
+        <p:txBody>
+          <a:bodyPr/>
+          <a:lstStyle/>
+          <a:p>
+            <a:r>
+              <a:rPr lang="en-US" dirty="0" smtClean="0"/>
+              <a:t>Path Analysis and SEM</a:t>
+            </a:r>
+            <a:endParaRPr lang="en-US" dirty="0"/>
+          </a:p>
+        </p:txBody>
+      </p:sp>
+      <p:sp>
+        <p:nvSpPr>
+          <p:cNvPr id="3" name="Content Placeholder 2"/>
+          <p:cNvSpPr>
+            <a:spLocks noGrp="1"/>
+          </p:cNvSpPr>
+          <p:nvPr>
+            <p:ph idx="1"/>
+          </p:nvPr>
+        </p:nvSpPr>
+        <p:spPr/>
+        <p:txBody>
+          <a:bodyPr/>
+          <a:lstStyle/>
+          <a:p>
+            <a:endParaRPr lang="en-US"/>
+          </a:p>
+        </p:txBody>
+      </p:sp>
+    </p:spTree>
+    <p:extLst>
+      <p:ext uri="{BB962C8B-B14F-4D97-AF65-F5344CB8AC3E}">
+        <p14:creationId xmlns:p14="http://schemas.microsoft.com/office/powerpoint/2010/main" val="935496503"/>
+      </p:ext>
+    </p:extLst>
+  </p:cSld>
+  <p:clrMapOvr>
+    <a:masterClrMapping/>
+  </p:clrMapOvr>
+</p:sld>
+</file>
+
+<file path=ppt/slides/slide17.xml><?xml version="1.0" encoding="utf-8"?>
+<p:sld xmlns:a="http://schemas.openxmlformats.org/drawingml/2006/main" xmlns:r="http://schemas.openxmlformats.org/officeDocument/2006/relationships" xmlns:p="http://schemas.openxmlformats.org/presentationml/2006/main">
+  <p:cSld>
+    <p:spTree>
+      <p:nvGrpSpPr>
+        <p:cNvPr id="1" name=""/>
+        <p:cNvGrpSpPr/>
+        <p:nvPr/>
+      </p:nvGrpSpPr>
+      <p:grpSpPr>
+        <a:xfrm>
+          <a:off x="0" y="0"/>
+          <a:ext cx="0" cy="0"/>
+          <a:chOff x="0" y="0"/>
+          <a:chExt cx="0" cy="0"/>
+        </a:xfrm>
+      </p:grpSpPr>
+      <p:sp>
+        <p:nvSpPr>
+          <p:cNvPr id="2" name="Title 1"/>
+          <p:cNvSpPr>
+            <a:spLocks noGrp="1"/>
+          </p:cNvSpPr>
+          <p:nvPr>
+            <p:ph type="title"/>
+          </p:nvPr>
+        </p:nvSpPr>
+        <p:spPr/>
+        <p:txBody>
+          <a:bodyPr/>
+          <a:lstStyle/>
+          <a:p>
+            <a:pPr>
+              <a:lnSpc>
+                <a:spcPct val="120000"/>
+              </a:lnSpc>
+              <a:spcBef>
+                <a:spcPts val="0"/>
+              </a:spcBef>
+            </a:pPr>
+            <a:r>
+              <a:rPr lang="en-US" dirty="0" smtClean="0"/>
+              <a:t>R Markdown file</a:t>
+            </a:r>
+            <a:endParaRPr lang="en-US" dirty="0"/>
+          </a:p>
+        </p:txBody>
+      </p:sp>
+      <p:sp>
+        <p:nvSpPr>
+          <p:cNvPr id="4" name="Text Placeholder 3"/>
+          <p:cNvSpPr>
+            <a:spLocks noGrp="1"/>
+          </p:cNvSpPr>
+          <p:nvPr>
+            <p:ph type="body" idx="1"/>
+          </p:nvPr>
+        </p:nvSpPr>
+        <p:spPr/>
+        <p:txBody>
+          <a:bodyPr/>
+          <a:lstStyle/>
+          <a:p>
+            <a:endParaRPr lang="en-US"/>
+          </a:p>
+        </p:txBody>
+      </p:sp>
+    </p:spTree>
+    <p:extLst>
+      <p:ext uri="{BB962C8B-B14F-4D97-AF65-F5344CB8AC3E}">
+        <p14:creationId xmlns:p14="http://schemas.microsoft.com/office/powerpoint/2010/main" val="76359252"/>
+      </p:ext>
+    </p:extLst>
+  </p:cSld>
+  <p:clrMapOvr>
+    <a:masterClrMapping/>
+  </p:clrMapOvr>
+</p:sld>
+</file>
+
 <file path=ppt/slides/slide2.xml><?xml version="1.0" encoding="utf-8"?>
 <p:sld xmlns:a="http://schemas.openxmlformats.org/drawingml/2006/main" xmlns:r="http://schemas.openxmlformats.org/officeDocument/2006/relationships" xmlns:p="http://schemas.openxmlformats.org/presentationml/2006/main">
   <p:cSld>
@@ -4311,8 +5564,13 @@
             </a:pPr>
             <a:r>
               <a:rPr lang="en-US" dirty="0"/>
-              <a:t>ANOVA and regression</a:t>
-            </a:r>
+              <a:t>ANOVA and </a:t>
+            </a:r>
+            <a:r>
+              <a:rPr lang="en-US" dirty="0" smtClean="0"/>
+              <a:t>Regression</a:t>
+            </a:r>
+            <a:endParaRPr lang="en-US" dirty="0"/>
           </a:p>
         </p:txBody>
       </p:sp>
@@ -4328,9 +5586,53 @@
         </p:nvSpPr>
         <p:spPr/>
         <p:txBody>
-          <a:bodyPr/>
+          <a:bodyPr>
+            <a:normAutofit/>
+          </a:bodyPr>
           <a:lstStyle/>
           <a:p>
+            <a:r>
+              <a:rPr lang="en-US" b="1" dirty="0" smtClean="0"/>
+              <a:t>Analysis of Variance (ANOVA)</a:t>
+            </a:r>
+            <a:r>
+              <a:rPr lang="en-US" dirty="0" smtClean="0"/>
+              <a:t> is used to compare the means of a numerical variable across levels of a categorical variable (3+ levels)</a:t>
+            </a:r>
+          </a:p>
+          <a:p>
+            <a:pPr lvl="1"/>
+            <a:r>
+              <a:rPr lang="en-US" dirty="0" smtClean="0"/>
+              <a:t>Only 2 levels, what test do we use?</a:t>
+            </a:r>
+          </a:p>
+          <a:p>
+            <a:pPr lvl="1"/>
+            <a:endParaRPr lang="en-US" dirty="0"/>
+          </a:p>
+          <a:p>
+            <a:r>
+              <a:rPr lang="en-US" b="1" dirty="0" smtClean="0"/>
+              <a:t>Simple Linear Regression (SLR)</a:t>
+            </a:r>
+            <a:r>
+              <a:rPr lang="en-US" dirty="0" smtClean="0"/>
+              <a:t> is used to find the relationship between one numerical predictor variable and one numerical response (outcome or DV) variable. </a:t>
+            </a:r>
+          </a:p>
+          <a:p>
+            <a:endParaRPr lang="en-US" dirty="0" smtClean="0"/>
+          </a:p>
+          <a:p>
+            <a:r>
+              <a:rPr lang="en-US" b="1" dirty="0" smtClean="0"/>
+              <a:t>Multiple Regression</a:t>
+            </a:r>
+            <a:r>
+              <a:rPr lang="en-US" dirty="0" smtClean="0"/>
+              <a:t> is used to find the relationship between predictor and response controlling for other variables. </a:t>
+            </a:r>
             <a:endParaRPr lang="en-US" dirty="0"/>
           </a:p>
         </p:txBody>
@@ -4389,8 +5691,12 @@
               </a:spcBef>
             </a:pPr>
             <a:r>
+              <a:rPr lang="en-US" dirty="0"/>
+              <a:t>ANOVA and </a:t>
+            </a:r>
+            <a:r>
               <a:rPr lang="en-US" dirty="0" smtClean="0"/>
-              <a:t>Preparing APA Style Manuscripts</a:t>
+              <a:t>Regression</a:t>
             </a:r>
             <a:endParaRPr lang="en-US" dirty="0"/>
           </a:p>
@@ -4398,27 +5704,88 @@
       </p:sp>
       <p:sp>
         <p:nvSpPr>
-          <p:cNvPr id="4" name="Text Placeholder 3"/>
-          <p:cNvSpPr>
-            <a:spLocks noGrp="1"/>
-          </p:cNvSpPr>
-          <p:nvPr>
-            <p:ph type="body" idx="1"/>
+          <p:cNvPr id="3" name="Content Placeholder 2"/>
+          <p:cNvSpPr>
+            <a:spLocks noGrp="1"/>
+          </p:cNvSpPr>
+          <p:nvPr>
+            <p:ph idx="1"/>
           </p:nvPr>
         </p:nvSpPr>
         <p:spPr/>
         <p:txBody>
-          <a:bodyPr/>
+          <a:bodyPr>
+            <a:normAutofit/>
+          </a:bodyPr>
           <a:lstStyle/>
           <a:p>
-            <a:endParaRPr lang="en-US"/>
+            <a:r>
+              <a:rPr lang="en-US" b="1" dirty="0" smtClean="0"/>
+              <a:t>Logistic Regression</a:t>
+            </a:r>
+            <a:r>
+              <a:rPr lang="en-US" dirty="0" smtClean="0"/>
+              <a:t> is used to model the probability of being in a certain group based on numerical predictors. </a:t>
+            </a:r>
+          </a:p>
+          <a:p>
+            <a:pPr lvl="1"/>
+            <a:r>
+              <a:rPr lang="en-US" dirty="0" smtClean="0"/>
+              <a:t>i.e., The response variable is dichotomous</a:t>
+            </a:r>
+          </a:p>
+          <a:p>
+            <a:pPr lvl="1"/>
+            <a:r>
+              <a:rPr lang="en-US" dirty="0" smtClean="0"/>
+              <a:t>This is called a </a:t>
+            </a:r>
+            <a:r>
+              <a:rPr lang="en-US" b="1" dirty="0" smtClean="0"/>
+              <a:t>Generalized Linear Model (GLM)</a:t>
+            </a:r>
+          </a:p>
+          <a:p>
+            <a:pPr lvl="1"/>
+            <a:endParaRPr lang="en-US" dirty="0"/>
+          </a:p>
+          <a:p>
+            <a:r>
+              <a:rPr lang="en-US" b="1" dirty="0" smtClean="0">
+                <a:latin typeface="Symbol" charset="2"/>
+                <a:ea typeface="Symbol" charset="2"/>
+                <a:cs typeface="Symbol" charset="2"/>
+              </a:rPr>
+              <a:t>c</a:t>
+            </a:r>
+            <a:r>
+              <a:rPr lang="en-US" b="1" baseline="30000" dirty="0" smtClean="0"/>
+              <a:t>2</a:t>
+            </a:r>
+            <a:r>
+              <a:rPr lang="en-US" b="1" dirty="0" smtClean="0"/>
+              <a:t>-Test (Chi-squared Test)</a:t>
+            </a:r>
+            <a:r>
+              <a:rPr lang="en-US" dirty="0" smtClean="0"/>
+              <a:t> is used to test if two categorical variables are associated. </a:t>
+            </a:r>
+          </a:p>
+          <a:p>
+            <a:pPr lvl="1"/>
+            <a:r>
+              <a:rPr lang="en-US" dirty="0" smtClean="0"/>
+              <a:t>For example, is the distribution of education levels more skewed towards higher degrees for men than for women?</a:t>
+            </a:r>
+            <a:endParaRPr lang="en-US" dirty="0"/>
           </a:p>
         </p:txBody>
       </p:sp>
     </p:spTree>
     <p:extLst>
       <p:ext uri="{BB962C8B-B14F-4D97-AF65-F5344CB8AC3E}">
-        <p14:creationId xmlns:p14="http://schemas.microsoft.com/office/powerpoint/2010/main" val="724817618"/>
+        <p14:creationId xmlns:p14="http://schemas.microsoft.com/office/powerpoint/2010/main" val="2012820038"/>
       </p:ext>
     </p:extLst>
   </p:cSld>
@@ -4462,35 +5829,937 @@
           <a:p>
             <a:r>
               <a:rPr lang="en-US" dirty="0" smtClean="0"/>
-              <a:t>EFA and CFA</a:t>
+              <a:t>ANOVA and Regression</a:t>
             </a:r>
             <a:endParaRPr lang="en-US" dirty="0"/>
           </a:p>
         </p:txBody>
       </p:sp>
-      <p:sp>
-        <p:nvSpPr>
-          <p:cNvPr id="3" name="Content Placeholder 2"/>
-          <p:cNvSpPr>
-            <a:spLocks noGrp="1"/>
-          </p:cNvSpPr>
+      <p:graphicFrame>
+        <p:nvGraphicFramePr>
+          <p:cNvPr id="4" name="Content Placeholder 3"/>
+          <p:cNvGraphicFramePr>
+            <a:graphicFrameLocks noGrp="1"/>
+          </p:cNvGraphicFramePr>
           <p:nvPr>
             <p:ph idx="1"/>
-          </p:nvPr>
-        </p:nvSpPr>
-        <p:spPr/>
-        <p:txBody>
-          <a:bodyPr/>
-          <a:lstStyle/>
-          <a:p>
-            <a:endParaRPr lang="en-US"/>
-          </a:p>
-        </p:txBody>
-      </p:sp>
+            <p:extLst>
+              <p:ext uri="{D42A27DB-BD31-4B8C-83A1-F6EECF244321}">
+                <p14:modId xmlns:p14="http://schemas.microsoft.com/office/powerpoint/2010/main" val="340251936"/>
+              </p:ext>
+            </p:extLst>
+          </p:nvPr>
+        </p:nvGraphicFramePr>
+        <p:xfrm>
+          <a:off x="812212" y="1965960"/>
+          <a:ext cx="10537095" cy="4277664"/>
+        </p:xfrm>
+        <a:graphic>
+          <a:graphicData uri="http://schemas.openxmlformats.org/drawingml/2006/table">
+            <a:tbl>
+              <a:tblPr firstRow="1" bandRow="1">
+                <a:tableStyleId>{5C22544A-7EE6-4342-B048-85BDC9FD1C3A}</a:tableStyleId>
+              </a:tblPr>
+              <a:tblGrid>
+                <a:gridCol w="3512365"/>
+                <a:gridCol w="3468143"/>
+                <a:gridCol w="3556587"/>
+              </a:tblGrid>
+              <a:tr h="422398">
+                <a:tc>
+                  <a:txBody>
+                    <a:bodyPr/>
+                    <a:lstStyle/>
+                    <a:p>
+                      <a:endParaRPr lang="en-US" sz="2400" dirty="0"/>
+                    </a:p>
+                  </a:txBody>
+                  <a:tcPr>
+                    <a:lnL w="12700" cmpd="sng">
+                      <a:noFill/>
+                    </a:lnL>
+                    <a:lnR w="12700" cmpd="sng">
+                      <a:noFill/>
+                    </a:lnR>
+                    <a:lnT w="12700" cmpd="sng">
+                      <a:noFill/>
+                    </a:lnT>
+                    <a:lnB w="38100" cmpd="sng">
+                      <a:noFill/>
+                    </a:lnB>
+                    <a:lnTlToBr w="12700" cmpd="sng">
+                      <a:noFill/>
+                      <a:prstDash val="solid"/>
+                    </a:lnTlToBr>
+                    <a:lnBlToTr w="12700" cmpd="sng">
+                      <a:noFill/>
+                      <a:prstDash val="solid"/>
+                    </a:lnBlToTr>
+                  </a:tcPr>
+                </a:tc>
+                <a:tc gridSpan="2">
+                  <a:txBody>
+                    <a:bodyPr/>
+                    <a:lstStyle/>
+                    <a:p>
+                      <a:pPr algn="ctr"/>
+                      <a:r>
+                        <a:rPr lang="en-US" sz="2800" baseline="0" dirty="0" smtClean="0"/>
+                        <a:t>Response </a:t>
+                      </a:r>
+                    </a:p>
+                    <a:p>
+                      <a:pPr algn="ctr"/>
+                      <a:r>
+                        <a:rPr lang="en-US" sz="2000" baseline="0" dirty="0" smtClean="0"/>
+                        <a:t>(DV or outcome variable)</a:t>
+                      </a:r>
+                      <a:endParaRPr lang="en-US" sz="2000" dirty="0"/>
+                    </a:p>
+                  </a:txBody>
+                  <a:tcPr>
+                    <a:lnL w="12700" cmpd="sng">
+                      <a:noFill/>
+                    </a:lnL>
+                    <a:lnR w="12700" cmpd="sng">
+                      <a:noFill/>
+                    </a:lnR>
+                    <a:lnT w="12700" cmpd="sng">
+                      <a:noFill/>
+                    </a:lnT>
+                    <a:lnB w="38100" cmpd="sng">
+                      <a:noFill/>
+                    </a:lnB>
+                    <a:lnTlToBr w="12700" cmpd="sng">
+                      <a:noFill/>
+                      <a:prstDash val="solid"/>
+                    </a:lnTlToBr>
+                    <a:lnBlToTr w="12700" cmpd="sng">
+                      <a:noFill/>
+                      <a:prstDash val="solid"/>
+                    </a:lnBlToTr>
+                  </a:tcPr>
+                </a:tc>
+                <a:tc hMerge="1">
+                  <a:txBody>
+                    <a:bodyPr/>
+                    <a:lstStyle/>
+                    <a:p>
+                      <a:endParaRPr lang="en-US" dirty="0"/>
+                    </a:p>
+                  </a:txBody>
+                  <a:tcPr/>
+                </a:tc>
+              </a:tr>
+              <a:tr h="433203">
+                <a:tc>
+                  <a:txBody>
+                    <a:bodyPr/>
+                    <a:lstStyle/>
+                    <a:p>
+                      <a:pPr algn="ctr"/>
+                      <a:r>
+                        <a:rPr lang="en-US" sz="2800" b="1" dirty="0" smtClean="0">
+                          <a:solidFill>
+                            <a:schemeClr val="bg1"/>
+                          </a:solidFill>
+                        </a:rPr>
+                        <a:t>Explanatory </a:t>
+                      </a:r>
+                    </a:p>
+                    <a:p>
+                      <a:pPr algn="ctr"/>
+                      <a:r>
+                        <a:rPr lang="en-US" sz="2000" b="1" dirty="0" smtClean="0">
+                          <a:solidFill>
+                            <a:schemeClr val="bg1"/>
+                          </a:solidFill>
+                        </a:rPr>
+                        <a:t>(IV</a:t>
+                      </a:r>
+                      <a:r>
+                        <a:rPr lang="en-US" sz="2000" b="1" baseline="0" dirty="0" smtClean="0">
+                          <a:solidFill>
+                            <a:schemeClr val="bg1"/>
+                          </a:solidFill>
+                        </a:rPr>
+                        <a:t> or predictor)</a:t>
+                      </a:r>
+                      <a:endParaRPr lang="en-US" sz="2000" b="1" dirty="0">
+                        <a:solidFill>
+                          <a:schemeClr val="bg1"/>
+                        </a:solidFill>
+                      </a:endParaRPr>
+                    </a:p>
+                  </a:txBody>
+                  <a:tcPr anchor="b">
+                    <a:lnL w="12700" cmpd="sng">
+                      <a:noFill/>
+                    </a:lnL>
+                    <a:lnR w="12700" cmpd="sng">
+                      <a:noFill/>
+                    </a:lnR>
+                    <a:lnT w="38100" cmpd="sng">
+                      <a:noFill/>
+                    </a:lnT>
+                    <a:lnB w="12700" cmpd="sng">
+                      <a:noFill/>
+                    </a:lnB>
+                    <a:lnTlToBr w="12700" cmpd="sng">
+                      <a:noFill/>
+                      <a:prstDash val="solid"/>
+                    </a:lnTlToBr>
+                    <a:lnBlToTr w="12700" cmpd="sng">
+                      <a:noFill/>
+                      <a:prstDash val="solid"/>
+                    </a:lnBlToTr>
+                    <a:solidFill>
+                      <a:schemeClr val="accent1"/>
+                    </a:solidFill>
+                  </a:tcPr>
+                </a:tc>
+                <a:tc>
+                  <a:txBody>
+                    <a:bodyPr/>
+                    <a:lstStyle/>
+                    <a:p>
+                      <a:pPr algn="ctr"/>
+                      <a:r>
+                        <a:rPr lang="en-US" sz="2400" dirty="0" smtClean="0">
+                          <a:solidFill>
+                            <a:schemeClr val="tx1"/>
+                          </a:solidFill>
+                        </a:rPr>
+                        <a:t>Numerical</a:t>
+                      </a:r>
+                      <a:endParaRPr lang="en-US" sz="2400" dirty="0">
+                        <a:solidFill>
+                          <a:schemeClr val="tx1"/>
+                        </a:solidFill>
+                      </a:endParaRPr>
+                    </a:p>
+                  </a:txBody>
+                  <a:tcPr anchor="b">
+                    <a:lnL w="12700" cmpd="sng">
+                      <a:noFill/>
+                    </a:lnL>
+                    <a:lnR w="12700" cap="flat" cmpd="sng" algn="ctr">
+                      <a:solidFill>
+                        <a:schemeClr val="tx1"/>
+                      </a:solidFill>
+                      <a:prstDash val="solid"/>
+                      <a:round/>
+                      <a:headEnd type="none" w="med" len="med"/>
+                      <a:tailEnd type="none" w="med" len="med"/>
+                    </a:lnR>
+                    <a:lnT w="38100" cmpd="sng">
+                      <a:noFill/>
+                    </a:lnT>
+                    <a:lnB w="12700" cmpd="sng">
+                      <a:noFill/>
+                    </a:lnB>
+                    <a:lnTlToBr w="12700" cmpd="sng">
+                      <a:noFill/>
+                      <a:prstDash val="solid"/>
+                    </a:lnTlToBr>
+                    <a:lnBlToTr w="12700" cmpd="sng">
+                      <a:noFill/>
+                      <a:prstDash val="solid"/>
+                    </a:lnBlToTr>
+                    <a:solidFill>
+                      <a:schemeClr val="accent1">
+                        <a:lumMod val="60000"/>
+                        <a:lumOff val="40000"/>
+                      </a:schemeClr>
+                    </a:solidFill>
+                  </a:tcPr>
+                </a:tc>
+                <a:tc>
+                  <a:txBody>
+                    <a:bodyPr/>
+                    <a:lstStyle/>
+                    <a:p>
+                      <a:pPr algn="ctr"/>
+                      <a:r>
+                        <a:rPr lang="en-US" sz="2400" dirty="0" smtClean="0">
+                          <a:solidFill>
+                            <a:schemeClr val="tx1"/>
+                          </a:solidFill>
+                        </a:rPr>
+                        <a:t>Categorical </a:t>
+                      </a:r>
+                    </a:p>
+                    <a:p>
+                      <a:pPr algn="ctr"/>
+                      <a:r>
+                        <a:rPr lang="en-US" sz="2000" dirty="0" smtClean="0">
+                          <a:solidFill>
+                            <a:schemeClr val="tx1"/>
+                          </a:solidFill>
+                        </a:rPr>
+                        <a:t>(2 levels:</a:t>
+                      </a:r>
+                      <a:r>
+                        <a:rPr lang="en-US" sz="2000" baseline="0" dirty="0" smtClean="0">
+                          <a:solidFill>
+                            <a:schemeClr val="tx1"/>
+                          </a:solidFill>
+                        </a:rPr>
+                        <a:t> </a:t>
+                      </a:r>
+                      <a:r>
+                        <a:rPr lang="en-US" sz="2000" dirty="0" smtClean="0">
+                          <a:solidFill>
+                            <a:schemeClr val="tx1"/>
+                          </a:solidFill>
+                        </a:rPr>
+                        <a:t>dichotomous)</a:t>
+                      </a:r>
+                      <a:endParaRPr lang="en-US" sz="2000" dirty="0">
+                        <a:solidFill>
+                          <a:schemeClr val="tx1"/>
+                        </a:solidFill>
+                      </a:endParaRPr>
+                    </a:p>
+                  </a:txBody>
+                  <a:tcPr anchor="b">
+                    <a:lnL w="12700" cap="flat" cmpd="sng" algn="ctr">
+                      <a:solidFill>
+                        <a:schemeClr val="tx1"/>
+                      </a:solidFill>
+                      <a:prstDash val="solid"/>
+                      <a:round/>
+                      <a:headEnd type="none" w="med" len="med"/>
+                      <a:tailEnd type="none" w="med" len="med"/>
+                    </a:lnL>
+                    <a:lnR w="12700" cmpd="sng">
+                      <a:noFill/>
+                    </a:lnR>
+                    <a:lnT w="38100" cmpd="sng">
+                      <a:noFill/>
+                    </a:lnT>
+                    <a:lnB w="12700" cmpd="sng">
+                      <a:noFill/>
+                    </a:lnB>
+                    <a:lnTlToBr w="12700" cmpd="sng">
+                      <a:noFill/>
+                      <a:prstDash val="solid"/>
+                    </a:lnTlToBr>
+                    <a:lnBlToTr w="12700" cmpd="sng">
+                      <a:noFill/>
+                      <a:prstDash val="solid"/>
+                    </a:lnBlToTr>
+                    <a:solidFill>
+                      <a:schemeClr val="accent1">
+                        <a:lumMod val="60000"/>
+                        <a:lumOff val="40000"/>
+                      </a:schemeClr>
+                    </a:solidFill>
+                  </a:tcPr>
+                </a:tc>
+              </a:tr>
+              <a:tr h="657936">
+                <a:tc>
+                  <a:txBody>
+                    <a:bodyPr/>
+                    <a:lstStyle/>
+                    <a:p>
+                      <a:pPr algn="l"/>
+                      <a:r>
+                        <a:rPr lang="en-US" sz="2400" dirty="0" smtClean="0"/>
+                        <a:t>Categorical</a:t>
+                      </a:r>
+                      <a:r>
+                        <a:rPr lang="en-US" sz="2400" baseline="0" dirty="0" smtClean="0"/>
+                        <a:t> </a:t>
+                      </a:r>
+                      <a:r>
+                        <a:rPr lang="en-US" sz="2000" baseline="0" dirty="0" smtClean="0"/>
+                        <a:t>(levels = 2)</a:t>
+                      </a:r>
+                      <a:endParaRPr lang="en-US" sz="2000" dirty="0"/>
+                    </a:p>
+                  </a:txBody>
+                  <a:tcPr anchor="ctr">
+                    <a:lnL w="12700" cmpd="sng">
+                      <a:noFill/>
+                    </a:lnL>
+                    <a:lnR w="12700" cmpd="sng">
+                      <a:noFill/>
+                    </a:lnR>
+                    <a:lnT w="12700" cmpd="sng">
+                      <a:noFill/>
+                    </a:lnT>
+                    <a:lnB w="12700" cmpd="sng">
+                      <a:noFill/>
+                    </a:lnB>
+                    <a:lnTlToBr w="12700" cmpd="sng">
+                      <a:noFill/>
+                      <a:prstDash val="solid"/>
+                    </a:lnTlToBr>
+                    <a:lnBlToTr w="12700" cmpd="sng">
+                      <a:noFill/>
+                      <a:prstDash val="solid"/>
+                    </a:lnBlToTr>
+                    <a:solidFill>
+                      <a:schemeClr val="accent1">
+                        <a:lumMod val="60000"/>
+                        <a:lumOff val="40000"/>
+                      </a:schemeClr>
+                    </a:solidFill>
+                  </a:tcPr>
+                </a:tc>
+                <a:tc>
+                  <a:txBody>
+                    <a:bodyPr/>
+                    <a:lstStyle/>
+                    <a:p>
+                      <a:pPr algn="ctr"/>
+                      <a:r>
+                        <a:rPr lang="en-US" sz="2400" dirty="0" smtClean="0"/>
+                        <a:t>t-Test</a:t>
+                      </a:r>
+                      <a:endParaRPr lang="en-US" sz="2400" dirty="0"/>
+                    </a:p>
+                  </a:txBody>
+                  <a:tcPr anchor="ctr">
+                    <a:lnL w="12700" cmpd="sng">
+                      <a:noFill/>
+                    </a:lnL>
+                    <a:lnR w="12700" cap="flat" cmpd="sng" algn="ctr">
+                      <a:solidFill>
+                        <a:schemeClr val="tx1"/>
+                      </a:solidFill>
+                      <a:prstDash val="solid"/>
+                      <a:round/>
+                      <a:headEnd type="none" w="med" len="med"/>
+                      <a:tailEnd type="none" w="med" len="med"/>
+                    </a:lnR>
+                    <a:lnT w="12700" cmpd="sng">
+                      <a:noFill/>
+                    </a:lnT>
+                    <a:lnB w="12700" cmpd="sng">
+                      <a:noFill/>
+                    </a:lnB>
+                    <a:lnTlToBr w="12700" cmpd="sng">
+                      <a:noFill/>
+                      <a:prstDash val="solid"/>
+                    </a:lnTlToBr>
+                    <a:lnBlToTr w="12700" cmpd="sng">
+                      <a:noFill/>
+                      <a:prstDash val="solid"/>
+                    </a:lnBlToTr>
+                  </a:tcPr>
+                </a:tc>
+                <a:tc>
+                  <a:txBody>
+                    <a:bodyPr/>
+                    <a:lstStyle/>
+                    <a:p>
+                      <a:pPr algn="ctr"/>
+                      <a:r>
+                        <a:rPr lang="en-US" sz="2400" dirty="0" smtClean="0">
+                          <a:latin typeface="Symbol" charset="2"/>
+                          <a:ea typeface="Symbol" charset="2"/>
+                          <a:cs typeface="Symbol" charset="2"/>
+                        </a:rPr>
+                        <a:t>c</a:t>
+                      </a:r>
+                      <a:r>
+                        <a:rPr lang="en-US" sz="2400" baseline="30000" dirty="0" smtClean="0"/>
+                        <a:t>2</a:t>
+                      </a:r>
+                      <a:r>
+                        <a:rPr lang="en-US" sz="2400" dirty="0" smtClean="0"/>
+                        <a:t>-</a:t>
+                      </a:r>
+                      <a:r>
+                        <a:rPr lang="en-US" sz="2400" baseline="0" dirty="0" smtClean="0"/>
+                        <a:t>Test </a:t>
+                      </a:r>
+                      <a:r>
+                        <a:rPr lang="en-US" sz="2000" baseline="0" dirty="0" smtClean="0">
+                          <a:solidFill>
+                            <a:schemeClr val="tx1">
+                              <a:lumMod val="50000"/>
+                              <a:lumOff val="50000"/>
+                            </a:schemeClr>
+                          </a:solidFill>
+                        </a:rPr>
+                        <a:t>(two-prop test)</a:t>
+                      </a:r>
+                      <a:endParaRPr lang="en-US" sz="2000" dirty="0">
+                        <a:solidFill>
+                          <a:schemeClr val="tx1">
+                            <a:lumMod val="50000"/>
+                            <a:lumOff val="50000"/>
+                          </a:schemeClr>
+                        </a:solidFill>
+                      </a:endParaRPr>
+                    </a:p>
+                  </a:txBody>
+                  <a:tcPr anchor="ctr">
+                    <a:lnL w="12700" cap="flat" cmpd="sng" algn="ctr">
+                      <a:solidFill>
+                        <a:schemeClr val="tx1"/>
+                      </a:solidFill>
+                      <a:prstDash val="solid"/>
+                      <a:round/>
+                      <a:headEnd type="none" w="med" len="med"/>
+                      <a:tailEnd type="none" w="med" len="med"/>
+                    </a:lnL>
+                    <a:lnR w="12700" cmpd="sng">
+                      <a:noFill/>
+                    </a:lnR>
+                    <a:lnT w="12700" cmpd="sng">
+                      <a:noFill/>
+                    </a:lnT>
+                    <a:lnB w="12700" cmpd="sng">
+                      <a:noFill/>
+                    </a:lnB>
+                    <a:lnTlToBr w="12700" cmpd="sng">
+                      <a:noFill/>
+                      <a:prstDash val="solid"/>
+                    </a:lnTlToBr>
+                    <a:lnBlToTr w="12700" cmpd="sng">
+                      <a:noFill/>
+                      <a:prstDash val="solid"/>
+                    </a:lnBlToTr>
+                  </a:tcPr>
+                </a:tc>
+              </a:tr>
+              <a:tr h="657936">
+                <a:tc>
+                  <a:txBody>
+                    <a:bodyPr/>
+                    <a:lstStyle/>
+                    <a:p>
+                      <a:pPr algn="l"/>
+                      <a:r>
+                        <a:rPr lang="en-US" sz="2400" dirty="0" smtClean="0"/>
+                        <a:t>1</a:t>
+                      </a:r>
+                      <a:r>
+                        <a:rPr lang="en-US" sz="2400" baseline="0" dirty="0" smtClean="0"/>
+                        <a:t> Numerical</a:t>
+                      </a:r>
+                      <a:endParaRPr lang="en-US" sz="2400" dirty="0"/>
+                    </a:p>
+                  </a:txBody>
+                  <a:tcPr anchor="ctr">
+                    <a:lnL w="12700" cmpd="sng">
+                      <a:noFill/>
+                    </a:lnL>
+                    <a:lnR w="12700" cmpd="sng">
+                      <a:noFill/>
+                    </a:lnR>
+                    <a:lnT w="12700" cmpd="sng">
+                      <a:noFill/>
+                    </a:lnT>
+                    <a:lnB w="12700" cmpd="sng">
+                      <a:noFill/>
+                    </a:lnB>
+                    <a:lnTlToBr w="12700" cmpd="sng">
+                      <a:noFill/>
+                      <a:prstDash val="solid"/>
+                    </a:lnTlToBr>
+                    <a:lnBlToTr w="12700" cmpd="sng">
+                      <a:noFill/>
+                      <a:prstDash val="solid"/>
+                    </a:lnBlToTr>
+                    <a:solidFill>
+                      <a:schemeClr val="accent1">
+                        <a:lumMod val="60000"/>
+                        <a:lumOff val="40000"/>
+                      </a:schemeClr>
+                    </a:solidFill>
+                  </a:tcPr>
+                </a:tc>
+                <a:tc>
+                  <a:txBody>
+                    <a:bodyPr/>
+                    <a:lstStyle/>
+                    <a:p>
+                      <a:pPr algn="ctr"/>
+                      <a:r>
+                        <a:rPr lang="en-US" sz="2400" dirty="0" smtClean="0"/>
+                        <a:t>SLR</a:t>
+                      </a:r>
+                      <a:endParaRPr lang="en-US" sz="2400" dirty="0"/>
+                    </a:p>
+                  </a:txBody>
+                  <a:tcPr anchor="ctr">
+                    <a:lnL w="12700" cmpd="sng">
+                      <a:noFill/>
+                    </a:lnL>
+                    <a:lnR w="12700" cap="flat" cmpd="sng" algn="ctr">
+                      <a:solidFill>
+                        <a:schemeClr val="tx1"/>
+                      </a:solidFill>
+                      <a:prstDash val="solid"/>
+                      <a:round/>
+                      <a:headEnd type="none" w="med" len="med"/>
+                      <a:tailEnd type="none" w="med" len="med"/>
+                    </a:lnR>
+                    <a:lnT w="12700" cmpd="sng">
+                      <a:noFill/>
+                    </a:lnT>
+                    <a:lnB w="12700" cmpd="sng">
+                      <a:noFill/>
+                    </a:lnB>
+                    <a:lnTlToBr w="12700" cmpd="sng">
+                      <a:noFill/>
+                      <a:prstDash val="solid"/>
+                    </a:lnTlToBr>
+                    <a:lnBlToTr w="12700" cmpd="sng">
+                      <a:noFill/>
+                      <a:prstDash val="solid"/>
+                    </a:lnBlToTr>
+                  </a:tcPr>
+                </a:tc>
+                <a:tc>
+                  <a:txBody>
+                    <a:bodyPr/>
+                    <a:lstStyle/>
+                    <a:p>
+                      <a:pPr algn="ctr"/>
+                      <a:r>
+                        <a:rPr lang="en-US" sz="2400" dirty="0" smtClean="0"/>
+                        <a:t>Logistic Regression</a:t>
+                      </a:r>
+                      <a:endParaRPr lang="en-US" sz="2400" dirty="0"/>
+                    </a:p>
+                  </a:txBody>
+                  <a:tcPr anchor="ctr">
+                    <a:lnL w="12700" cap="flat" cmpd="sng" algn="ctr">
+                      <a:solidFill>
+                        <a:schemeClr val="tx1"/>
+                      </a:solidFill>
+                      <a:prstDash val="solid"/>
+                      <a:round/>
+                      <a:headEnd type="none" w="med" len="med"/>
+                      <a:tailEnd type="none" w="med" len="med"/>
+                    </a:lnL>
+                    <a:lnR w="12700" cmpd="sng">
+                      <a:noFill/>
+                    </a:lnR>
+                    <a:lnT w="12700" cmpd="sng">
+                      <a:noFill/>
+                    </a:lnT>
+                    <a:lnB w="12700" cmpd="sng">
+                      <a:noFill/>
+                    </a:lnB>
+                    <a:lnTlToBr w="12700" cmpd="sng">
+                      <a:noFill/>
+                      <a:prstDash val="solid"/>
+                    </a:lnTlToBr>
+                    <a:lnBlToTr w="12700" cmpd="sng">
+                      <a:noFill/>
+                      <a:prstDash val="solid"/>
+                    </a:lnBlToTr>
+                  </a:tcPr>
+                </a:tc>
+              </a:tr>
+              <a:tr h="657936">
+                <a:tc>
+                  <a:txBody>
+                    <a:bodyPr/>
+                    <a:lstStyle/>
+                    <a:p>
+                      <a:pPr algn="l"/>
+                      <a:r>
+                        <a:rPr lang="en-US" sz="2400" dirty="0" smtClean="0"/>
+                        <a:t>Categorical </a:t>
+                      </a:r>
+                      <a:r>
+                        <a:rPr lang="en-US" sz="2000" dirty="0" smtClean="0"/>
+                        <a:t>(levels &gt;= 3)</a:t>
+                      </a:r>
+                      <a:endParaRPr lang="en-US" sz="2400" dirty="0"/>
+                    </a:p>
+                  </a:txBody>
+                  <a:tcPr anchor="ctr">
+                    <a:lnL w="12700" cmpd="sng">
+                      <a:noFill/>
+                    </a:lnL>
+                    <a:lnR w="12700" cmpd="sng">
+                      <a:noFill/>
+                    </a:lnR>
+                    <a:lnT w="12700" cmpd="sng">
+                      <a:noFill/>
+                    </a:lnT>
+                    <a:lnB w="12700" cmpd="sng">
+                      <a:noFill/>
+                    </a:lnB>
+                    <a:lnTlToBr w="12700" cmpd="sng">
+                      <a:noFill/>
+                      <a:prstDash val="solid"/>
+                    </a:lnTlToBr>
+                    <a:lnBlToTr w="12700" cmpd="sng">
+                      <a:noFill/>
+                      <a:prstDash val="solid"/>
+                    </a:lnBlToTr>
+                    <a:solidFill>
+                      <a:schemeClr val="accent1">
+                        <a:lumMod val="60000"/>
+                        <a:lumOff val="40000"/>
+                      </a:schemeClr>
+                    </a:solidFill>
+                  </a:tcPr>
+                </a:tc>
+                <a:tc>
+                  <a:txBody>
+                    <a:bodyPr/>
+                    <a:lstStyle/>
+                    <a:p>
+                      <a:pPr algn="ctr"/>
+                      <a:r>
+                        <a:rPr lang="en-US" sz="2400" dirty="0" smtClean="0"/>
+                        <a:t>ANOVA</a:t>
+                      </a:r>
+                      <a:endParaRPr lang="en-US" sz="2400" dirty="0"/>
+                    </a:p>
+                  </a:txBody>
+                  <a:tcPr anchor="ctr">
+                    <a:lnL w="12700" cmpd="sng">
+                      <a:noFill/>
+                    </a:lnL>
+                    <a:lnR w="12700" cap="flat" cmpd="sng" algn="ctr">
+                      <a:solidFill>
+                        <a:schemeClr val="tx1"/>
+                      </a:solidFill>
+                      <a:prstDash val="solid"/>
+                      <a:round/>
+                      <a:headEnd type="none" w="med" len="med"/>
+                      <a:tailEnd type="none" w="med" len="med"/>
+                    </a:lnR>
+                    <a:lnT w="12700" cmpd="sng">
+                      <a:noFill/>
+                    </a:lnT>
+                    <a:lnB w="12700" cmpd="sng">
+                      <a:noFill/>
+                    </a:lnB>
+                    <a:lnTlToBr w="12700" cmpd="sng">
+                      <a:noFill/>
+                      <a:prstDash val="solid"/>
+                    </a:lnTlToBr>
+                    <a:lnBlToTr w="12700" cmpd="sng">
+                      <a:noFill/>
+                      <a:prstDash val="solid"/>
+                    </a:lnBlToTr>
+                  </a:tcPr>
+                </a:tc>
+                <a:tc>
+                  <a:txBody>
+                    <a:bodyPr/>
+                    <a:lstStyle/>
+                    <a:p>
+                      <a:pPr marL="0" marR="0" indent="0" algn="ctr" defTabSz="914400" rtl="0" eaLnBrk="1" fontAlgn="auto" latinLnBrk="0" hangingPunct="1">
+                        <a:lnSpc>
+                          <a:spcPct val="100000"/>
+                        </a:lnSpc>
+                        <a:spcBef>
+                          <a:spcPts val="0"/>
+                        </a:spcBef>
+                        <a:spcAft>
+                          <a:spcPts val="0"/>
+                        </a:spcAft>
+                        <a:buClrTx/>
+                        <a:buSzTx/>
+                        <a:buFontTx/>
+                        <a:buNone/>
+                        <a:tabLst/>
+                        <a:defRPr/>
+                      </a:pPr>
+                      <a:r>
+                        <a:rPr lang="en-US" sz="2400" dirty="0" smtClean="0">
+                          <a:latin typeface="Symbol" charset="2"/>
+                          <a:ea typeface="Symbol" charset="2"/>
+                          <a:cs typeface="Symbol" charset="2"/>
+                        </a:rPr>
+                        <a:t>c</a:t>
+                      </a:r>
+                      <a:r>
+                        <a:rPr lang="en-US" sz="2400" baseline="30000" dirty="0" smtClean="0"/>
+                        <a:t>2</a:t>
+                      </a:r>
+                      <a:r>
+                        <a:rPr lang="en-US" sz="2400" dirty="0" smtClean="0"/>
+                        <a:t>-</a:t>
+                      </a:r>
+                      <a:r>
+                        <a:rPr lang="en-US" sz="2400" baseline="0" dirty="0" smtClean="0"/>
+                        <a:t>Test</a:t>
+                      </a:r>
+                      <a:endParaRPr lang="en-US" sz="2400" dirty="0" smtClean="0"/>
+                    </a:p>
+                  </a:txBody>
+                  <a:tcPr anchor="ctr">
+                    <a:lnL w="12700" cap="flat" cmpd="sng" algn="ctr">
+                      <a:solidFill>
+                        <a:schemeClr val="tx1"/>
+                      </a:solidFill>
+                      <a:prstDash val="solid"/>
+                      <a:round/>
+                      <a:headEnd type="none" w="med" len="med"/>
+                      <a:tailEnd type="none" w="med" len="med"/>
+                    </a:lnL>
+                    <a:lnR w="12700" cmpd="sng">
+                      <a:noFill/>
+                    </a:lnR>
+                    <a:lnT w="12700" cmpd="sng">
+                      <a:noFill/>
+                    </a:lnT>
+                    <a:lnB w="12700" cmpd="sng">
+                      <a:noFill/>
+                    </a:lnB>
+                    <a:lnTlToBr w="12700" cmpd="sng">
+                      <a:noFill/>
+                      <a:prstDash val="solid"/>
+                    </a:lnTlToBr>
+                    <a:lnBlToTr w="12700" cmpd="sng">
+                      <a:noFill/>
+                      <a:prstDash val="solid"/>
+                    </a:lnBlToTr>
+                  </a:tcPr>
+                </a:tc>
+              </a:tr>
+              <a:tr h="657936">
+                <a:tc>
+                  <a:txBody>
+                    <a:bodyPr/>
+                    <a:lstStyle/>
+                    <a:p>
+                      <a:pPr algn="l"/>
+                      <a:r>
+                        <a:rPr lang="en-US" sz="2400" dirty="0" smtClean="0"/>
+                        <a:t>2 or more Numerical</a:t>
+                      </a:r>
+                      <a:endParaRPr lang="en-US" sz="2400" dirty="0"/>
+                    </a:p>
+                  </a:txBody>
+                  <a:tcPr anchor="ctr">
+                    <a:lnL w="12700" cmpd="sng">
+                      <a:noFill/>
+                    </a:lnL>
+                    <a:lnR w="12700" cmpd="sng">
+                      <a:noFill/>
+                    </a:lnR>
+                    <a:lnT w="12700" cmpd="sng">
+                      <a:noFill/>
+                    </a:lnT>
+                    <a:lnB w="12700" cmpd="sng">
+                      <a:noFill/>
+                    </a:lnB>
+                    <a:lnTlToBr w="12700" cmpd="sng">
+                      <a:noFill/>
+                      <a:prstDash val="solid"/>
+                    </a:lnTlToBr>
+                    <a:lnBlToTr w="12700" cmpd="sng">
+                      <a:noFill/>
+                      <a:prstDash val="solid"/>
+                    </a:lnBlToTr>
+                    <a:solidFill>
+                      <a:schemeClr val="accent1">
+                        <a:lumMod val="60000"/>
+                        <a:lumOff val="40000"/>
+                      </a:schemeClr>
+                    </a:solidFill>
+                  </a:tcPr>
+                </a:tc>
+                <a:tc>
+                  <a:txBody>
+                    <a:bodyPr/>
+                    <a:lstStyle/>
+                    <a:p>
+                      <a:pPr algn="ctr"/>
+                      <a:r>
+                        <a:rPr lang="en-US" sz="2400" dirty="0" smtClean="0"/>
+                        <a:t>Multiple Regression</a:t>
+                      </a:r>
+                      <a:endParaRPr lang="en-US" sz="2400" dirty="0"/>
+                    </a:p>
+                  </a:txBody>
+                  <a:tcPr anchor="ctr">
+                    <a:lnL w="12700" cmpd="sng">
+                      <a:noFill/>
+                    </a:lnL>
+                    <a:lnR w="12700" cap="flat" cmpd="sng" algn="ctr">
+                      <a:solidFill>
+                        <a:schemeClr val="tx1"/>
+                      </a:solidFill>
+                      <a:prstDash val="solid"/>
+                      <a:round/>
+                      <a:headEnd type="none" w="med" len="med"/>
+                      <a:tailEnd type="none" w="med" len="med"/>
+                    </a:lnR>
+                    <a:lnT w="12700" cmpd="sng">
+                      <a:noFill/>
+                    </a:lnT>
+                    <a:lnB w="12700" cmpd="sng">
+                      <a:noFill/>
+                    </a:lnB>
+                    <a:lnTlToBr w="12700" cmpd="sng">
+                      <a:noFill/>
+                      <a:prstDash val="solid"/>
+                    </a:lnTlToBr>
+                    <a:lnBlToTr w="12700" cmpd="sng">
+                      <a:noFill/>
+                      <a:prstDash val="solid"/>
+                    </a:lnBlToTr>
+                  </a:tcPr>
+                </a:tc>
+                <a:tc>
+                  <a:txBody>
+                    <a:bodyPr/>
+                    <a:lstStyle/>
+                    <a:p>
+                      <a:pPr algn="ctr"/>
+                      <a:r>
+                        <a:rPr lang="en-US" sz="2400" dirty="0" smtClean="0"/>
+                        <a:t>Logistic Regression</a:t>
+                      </a:r>
+                      <a:endParaRPr lang="en-US" sz="2400" dirty="0"/>
+                    </a:p>
+                  </a:txBody>
+                  <a:tcPr anchor="ctr">
+                    <a:lnL w="12700" cap="flat" cmpd="sng" algn="ctr">
+                      <a:solidFill>
+                        <a:schemeClr val="tx1"/>
+                      </a:solidFill>
+                      <a:prstDash val="solid"/>
+                      <a:round/>
+                      <a:headEnd type="none" w="med" len="med"/>
+                      <a:tailEnd type="none" w="med" len="med"/>
+                    </a:lnL>
+                    <a:lnR w="12700" cmpd="sng">
+                      <a:noFill/>
+                    </a:lnR>
+                    <a:lnT w="12700" cmpd="sng">
+                      <a:noFill/>
+                    </a:lnT>
+                    <a:lnB w="12700" cmpd="sng">
+                      <a:noFill/>
+                    </a:lnB>
+                    <a:lnTlToBr w="12700" cmpd="sng">
+                      <a:noFill/>
+                      <a:prstDash val="solid"/>
+                    </a:lnTlToBr>
+                    <a:lnBlToTr w="12700" cmpd="sng">
+                      <a:noFill/>
+                      <a:prstDash val="solid"/>
+                    </a:lnBlToTr>
+                  </a:tcPr>
+                </a:tc>
+              </a:tr>
+            </a:tbl>
+          </a:graphicData>
+        </a:graphic>
+      </p:graphicFrame>
     </p:spTree>
     <p:extLst>
       <p:ext uri="{BB962C8B-B14F-4D97-AF65-F5344CB8AC3E}">
-        <p14:creationId xmlns:p14="http://schemas.microsoft.com/office/powerpoint/2010/main" val="1513187625"/>
+        <p14:creationId xmlns:p14="http://schemas.microsoft.com/office/powerpoint/2010/main" val="475033063"/>
       </p:ext>
     </p:extLst>
   </p:cSld>
@@ -4534,35 +6803,827 @@
           <a:p>
             <a:r>
               <a:rPr lang="en-US" dirty="0" smtClean="0"/>
-              <a:t>Path Analysis and SEM</a:t>
+              <a:t>ANOVA and Regression</a:t>
             </a:r>
             <a:endParaRPr lang="en-US" dirty="0"/>
           </a:p>
         </p:txBody>
       </p:sp>
-      <p:sp>
-        <p:nvSpPr>
-          <p:cNvPr id="3" name="Content Placeholder 2"/>
-          <p:cNvSpPr>
-            <a:spLocks noGrp="1"/>
-          </p:cNvSpPr>
+      <p:graphicFrame>
+        <p:nvGraphicFramePr>
+          <p:cNvPr id="4" name="Content Placeholder 3"/>
+          <p:cNvGraphicFramePr>
+            <a:graphicFrameLocks noGrp="1"/>
+          </p:cNvGraphicFramePr>
           <p:nvPr>
             <p:ph idx="1"/>
-          </p:nvPr>
-        </p:nvSpPr>
-        <p:spPr/>
-        <p:txBody>
-          <a:bodyPr/>
-          <a:lstStyle/>
-          <a:p>
-            <a:endParaRPr lang="en-US"/>
-          </a:p>
-        </p:txBody>
-      </p:sp>
+            <p:extLst>
+              <p:ext uri="{D42A27DB-BD31-4B8C-83A1-F6EECF244321}">
+                <p14:modId xmlns:p14="http://schemas.microsoft.com/office/powerpoint/2010/main" val="1558107146"/>
+              </p:ext>
+            </p:extLst>
+          </p:nvPr>
+        </p:nvGraphicFramePr>
+        <p:xfrm>
+          <a:off x="2059793" y="1965960"/>
+          <a:ext cx="8041934" cy="3913356"/>
+        </p:xfrm>
+        <a:graphic>
+          <a:graphicData uri="http://schemas.openxmlformats.org/drawingml/2006/table">
+            <a:tbl>
+              <a:tblPr firstRow="1" bandRow="1">
+                <a:tableStyleId>{5C22544A-7EE6-4342-B048-85BDC9FD1C3A}</a:tableStyleId>
+              </a:tblPr>
+              <a:tblGrid>
+                <a:gridCol w="4419894"/>
+                <a:gridCol w="3622040"/>
+              </a:tblGrid>
+              <a:tr h="589280">
+                <a:tc>
+                  <a:txBody>
+                    <a:bodyPr/>
+                    <a:lstStyle/>
+                    <a:p>
+                      <a:pPr algn="ctr"/>
+                      <a:r>
+                        <a:rPr lang="en-US" sz="2800" dirty="0" smtClean="0">
+                          <a:solidFill>
+                            <a:schemeClr val="bg1"/>
+                          </a:solidFill>
+                        </a:rPr>
+                        <a:t>Inference Test</a:t>
+                      </a:r>
+                      <a:endParaRPr lang="en-US" sz="2800" dirty="0">
+                        <a:solidFill>
+                          <a:schemeClr val="bg1"/>
+                        </a:solidFill>
+                      </a:endParaRPr>
+                    </a:p>
+                  </a:txBody>
+                  <a:tcPr anchor="b">
+                    <a:lnL w="12700" cmpd="sng">
+                      <a:noFill/>
+                    </a:lnL>
+                    <a:lnR w="12700" cap="flat" cmpd="sng" algn="ctr">
+                      <a:noFill/>
+                      <a:prstDash val="solid"/>
+                      <a:round/>
+                      <a:headEnd type="none" w="med" len="med"/>
+                      <a:tailEnd type="none" w="med" len="med"/>
+                    </a:lnR>
+                    <a:lnT w="38100" cmpd="sng">
+                      <a:noFill/>
+                    </a:lnT>
+                    <a:lnB w="12700" cmpd="sng">
+                      <a:noFill/>
+                    </a:lnB>
+                    <a:lnTlToBr w="12700" cmpd="sng">
+                      <a:noFill/>
+                      <a:prstDash val="solid"/>
+                    </a:lnTlToBr>
+                    <a:lnBlToTr w="12700" cmpd="sng">
+                      <a:noFill/>
+                      <a:prstDash val="solid"/>
+                    </a:lnBlToTr>
+                    <a:solidFill>
+                      <a:schemeClr val="accent1"/>
+                    </a:solidFill>
+                  </a:tcPr>
+                </a:tc>
+                <a:tc>
+                  <a:txBody>
+                    <a:bodyPr/>
+                    <a:lstStyle/>
+                    <a:p>
+                      <a:pPr algn="ctr"/>
+                      <a:r>
+                        <a:rPr lang="en-US" sz="2800" dirty="0" smtClean="0">
+                          <a:solidFill>
+                            <a:schemeClr val="bg1"/>
+                          </a:solidFill>
+                        </a:rPr>
+                        <a:t>R function</a:t>
+                      </a:r>
+                      <a:endParaRPr lang="en-US" sz="2800" dirty="0">
+                        <a:solidFill>
+                          <a:schemeClr val="bg1"/>
+                        </a:solidFill>
+                      </a:endParaRPr>
+                    </a:p>
+                  </a:txBody>
+                  <a:tcPr anchor="b">
+                    <a:lnL w="12700" cmpd="sng">
+                      <a:noFill/>
+                    </a:lnL>
+                    <a:lnR w="12700" cap="flat" cmpd="sng" algn="ctr">
+                      <a:noFill/>
+                      <a:prstDash val="solid"/>
+                      <a:round/>
+                      <a:headEnd type="none" w="med" len="med"/>
+                      <a:tailEnd type="none" w="med" len="med"/>
+                    </a:lnR>
+                    <a:lnT w="38100" cmpd="sng">
+                      <a:noFill/>
+                    </a:lnT>
+                    <a:lnB w="12700" cmpd="sng">
+                      <a:noFill/>
+                    </a:lnB>
+                    <a:lnTlToBr w="12700" cmpd="sng">
+                      <a:noFill/>
+                      <a:prstDash val="solid"/>
+                    </a:lnTlToBr>
+                    <a:lnBlToTr w="12700" cmpd="sng">
+                      <a:noFill/>
+                      <a:prstDash val="solid"/>
+                    </a:lnBlToTr>
+                    <a:solidFill>
+                      <a:schemeClr val="accent1"/>
+                    </a:solidFill>
+                  </a:tcPr>
+                </a:tc>
+              </a:tr>
+              <a:tr h="596616">
+                <a:tc>
+                  <a:txBody>
+                    <a:bodyPr/>
+                    <a:lstStyle/>
+                    <a:p>
+                      <a:pPr algn="ctr"/>
+                      <a:r>
+                        <a:rPr lang="en-US" sz="2400" dirty="0" smtClean="0"/>
+                        <a:t>t-Test</a:t>
+                      </a:r>
+                      <a:endParaRPr lang="en-US" sz="2000" dirty="0"/>
+                    </a:p>
+                  </a:txBody>
+                  <a:tcPr anchor="ctr">
+                    <a:lnL w="12700" cmpd="sng">
+                      <a:noFill/>
+                    </a:lnL>
+                    <a:lnR w="12700" cap="flat" cmpd="sng" algn="ctr">
+                      <a:noFill/>
+                      <a:prstDash val="solid"/>
+                      <a:round/>
+                      <a:headEnd type="none" w="med" len="med"/>
+                      <a:tailEnd type="none" w="med" len="med"/>
+                    </a:lnR>
+                    <a:lnT w="12700" cmpd="sng">
+                      <a:noFill/>
+                    </a:lnT>
+                    <a:lnB w="12700" cmpd="sng">
+                      <a:noFill/>
+                    </a:lnB>
+                    <a:lnTlToBr w="12700" cmpd="sng">
+                      <a:noFill/>
+                      <a:prstDash val="solid"/>
+                    </a:lnTlToBr>
+                    <a:lnBlToTr w="12700" cmpd="sng">
+                      <a:noFill/>
+                      <a:prstDash val="solid"/>
+                    </a:lnBlToTr>
+                  </a:tcPr>
+                </a:tc>
+                <a:tc>
+                  <a:txBody>
+                    <a:bodyPr/>
+                    <a:lstStyle/>
+                    <a:p>
+                      <a:pPr algn="ctr"/>
+                      <a:r>
+                        <a:rPr lang="en-US" sz="2000" dirty="0" err="1" smtClean="0"/>
+                        <a:t>t.test</a:t>
+                      </a:r>
+                      <a:r>
+                        <a:rPr lang="en-US" sz="2000" dirty="0" smtClean="0"/>
+                        <a:t>()</a:t>
+                      </a:r>
+                      <a:endParaRPr lang="en-US" sz="2000" dirty="0"/>
+                    </a:p>
+                  </a:txBody>
+                  <a:tcPr anchor="ctr">
+                    <a:lnL w="12700" cmpd="sng">
+                      <a:noFill/>
+                    </a:lnL>
+                    <a:lnR w="12700" cap="flat" cmpd="sng" algn="ctr">
+                      <a:noFill/>
+                      <a:prstDash val="solid"/>
+                      <a:round/>
+                      <a:headEnd type="none" w="med" len="med"/>
+                      <a:tailEnd type="none" w="med" len="med"/>
+                    </a:lnR>
+                    <a:lnT w="12700" cmpd="sng">
+                      <a:noFill/>
+                    </a:lnT>
+                    <a:lnB w="12700" cmpd="sng">
+                      <a:noFill/>
+                    </a:lnB>
+                    <a:lnTlToBr w="12700" cmpd="sng">
+                      <a:noFill/>
+                      <a:prstDash val="solid"/>
+                    </a:lnTlToBr>
+                    <a:lnBlToTr w="12700" cmpd="sng">
+                      <a:noFill/>
+                      <a:prstDash val="solid"/>
+                    </a:lnBlToTr>
+                  </a:tcPr>
+                </a:tc>
+              </a:tr>
+              <a:tr h="596616">
+                <a:tc>
+                  <a:txBody>
+                    <a:bodyPr/>
+                    <a:lstStyle/>
+                    <a:p>
+                      <a:pPr algn="ctr"/>
+                      <a:r>
+                        <a:rPr lang="en-US" sz="2400" dirty="0" smtClean="0"/>
+                        <a:t>ANOVA</a:t>
+                      </a:r>
+                      <a:endParaRPr lang="en-US" sz="2400" dirty="0"/>
+                    </a:p>
+                  </a:txBody>
+                  <a:tcPr anchor="ctr">
+                    <a:lnL w="12700" cmpd="sng">
+                      <a:noFill/>
+                    </a:lnL>
+                    <a:lnR w="12700" cap="flat" cmpd="sng" algn="ctr">
+                      <a:noFill/>
+                      <a:prstDash val="solid"/>
+                      <a:round/>
+                      <a:headEnd type="none" w="med" len="med"/>
+                      <a:tailEnd type="none" w="med" len="med"/>
+                    </a:lnR>
+                    <a:lnT w="12700" cmpd="sng">
+                      <a:noFill/>
+                    </a:lnT>
+                    <a:lnB w="12700" cmpd="sng">
+                      <a:noFill/>
+                    </a:lnB>
+                    <a:lnTlToBr w="12700" cmpd="sng">
+                      <a:noFill/>
+                      <a:prstDash val="solid"/>
+                    </a:lnTlToBr>
+                    <a:lnBlToTr w="12700" cmpd="sng">
+                      <a:noFill/>
+                      <a:prstDash val="solid"/>
+                    </a:lnBlToTr>
+                  </a:tcPr>
+                </a:tc>
+                <a:tc>
+                  <a:txBody>
+                    <a:bodyPr/>
+                    <a:lstStyle/>
+                    <a:p>
+                      <a:pPr algn="ctr"/>
+                      <a:r>
+                        <a:rPr lang="en-US" sz="2400" dirty="0" err="1" smtClean="0"/>
+                        <a:t>aov</a:t>
+                      </a:r>
+                      <a:r>
+                        <a:rPr lang="en-US" sz="2400" dirty="0" smtClean="0"/>
+                        <a:t>()</a:t>
+                      </a:r>
+                      <a:endParaRPr lang="en-US" sz="2400" dirty="0"/>
+                    </a:p>
+                  </a:txBody>
+                  <a:tcPr anchor="ctr">
+                    <a:lnL w="12700" cmpd="sng">
+                      <a:noFill/>
+                    </a:lnL>
+                    <a:lnR w="12700" cap="flat" cmpd="sng" algn="ctr">
+                      <a:noFill/>
+                      <a:prstDash val="solid"/>
+                      <a:round/>
+                      <a:headEnd type="none" w="med" len="med"/>
+                      <a:tailEnd type="none" w="med" len="med"/>
+                    </a:lnR>
+                    <a:lnT w="12700" cmpd="sng">
+                      <a:noFill/>
+                    </a:lnT>
+                    <a:lnB w="12700" cmpd="sng">
+                      <a:noFill/>
+                    </a:lnB>
+                    <a:lnTlToBr w="12700" cmpd="sng">
+                      <a:noFill/>
+                      <a:prstDash val="solid"/>
+                    </a:lnTlToBr>
+                    <a:lnBlToTr w="12700" cmpd="sng">
+                      <a:noFill/>
+                      <a:prstDash val="solid"/>
+                    </a:lnBlToTr>
+                  </a:tcPr>
+                </a:tc>
+              </a:tr>
+              <a:tr h="787968">
+                <a:tc>
+                  <a:txBody>
+                    <a:bodyPr/>
+                    <a:lstStyle/>
+                    <a:p>
+                      <a:pPr algn="ctr"/>
+                      <a:r>
+                        <a:rPr lang="en-US" sz="2400" dirty="0" smtClean="0"/>
+                        <a:t>SLR and Multiple Regression</a:t>
+                      </a:r>
+                      <a:endParaRPr lang="en-US" sz="2400" dirty="0"/>
+                    </a:p>
+                  </a:txBody>
+                  <a:tcPr anchor="ctr">
+                    <a:lnL w="12700" cmpd="sng">
+                      <a:noFill/>
+                    </a:lnL>
+                    <a:lnR w="12700" cap="flat" cmpd="sng" algn="ctr">
+                      <a:noFill/>
+                      <a:prstDash val="solid"/>
+                      <a:round/>
+                      <a:headEnd type="none" w="med" len="med"/>
+                      <a:tailEnd type="none" w="med" len="med"/>
+                    </a:lnR>
+                    <a:lnT w="12700" cmpd="sng">
+                      <a:noFill/>
+                    </a:lnT>
+                    <a:lnB w="12700" cmpd="sng">
+                      <a:noFill/>
+                    </a:lnB>
+                    <a:lnTlToBr w="12700" cmpd="sng">
+                      <a:noFill/>
+                      <a:prstDash val="solid"/>
+                    </a:lnTlToBr>
+                    <a:lnBlToTr w="12700" cmpd="sng">
+                      <a:noFill/>
+                      <a:prstDash val="solid"/>
+                    </a:lnBlToTr>
+                  </a:tcPr>
+                </a:tc>
+                <a:tc>
+                  <a:txBody>
+                    <a:bodyPr/>
+                    <a:lstStyle/>
+                    <a:p>
+                      <a:pPr algn="ctr"/>
+                      <a:r>
+                        <a:rPr lang="en-US" sz="2400" dirty="0" smtClean="0"/>
+                        <a:t>lm()</a:t>
+                      </a:r>
+                      <a:endParaRPr lang="en-US" sz="2400" dirty="0"/>
+                    </a:p>
+                  </a:txBody>
+                  <a:tcPr anchor="ctr">
+                    <a:lnL w="12700" cmpd="sng">
+                      <a:noFill/>
+                    </a:lnL>
+                    <a:lnR w="12700" cap="flat" cmpd="sng" algn="ctr">
+                      <a:noFill/>
+                      <a:prstDash val="solid"/>
+                      <a:round/>
+                      <a:headEnd type="none" w="med" len="med"/>
+                      <a:tailEnd type="none" w="med" len="med"/>
+                    </a:lnR>
+                    <a:lnT w="12700" cmpd="sng">
+                      <a:noFill/>
+                    </a:lnT>
+                    <a:lnB w="12700" cmpd="sng">
+                      <a:noFill/>
+                    </a:lnB>
+                    <a:lnTlToBr w="12700" cmpd="sng">
+                      <a:noFill/>
+                      <a:prstDash val="solid"/>
+                    </a:lnTlToBr>
+                    <a:lnBlToTr w="12700" cmpd="sng">
+                      <a:noFill/>
+                      <a:prstDash val="solid"/>
+                    </a:lnBlToTr>
+                  </a:tcPr>
+                </a:tc>
+              </a:tr>
+              <a:tr h="596616">
+                <a:tc>
+                  <a:txBody>
+                    <a:bodyPr/>
+                    <a:lstStyle/>
+                    <a:p>
+                      <a:pPr algn="ctr"/>
+                      <a:r>
+                        <a:rPr lang="en-US" sz="2400" dirty="0" smtClean="0">
+                          <a:latin typeface="Symbol" charset="2"/>
+                          <a:ea typeface="Symbol" charset="2"/>
+                          <a:cs typeface="Symbol" charset="2"/>
+                        </a:rPr>
+                        <a:t>c</a:t>
+                      </a:r>
+                      <a:r>
+                        <a:rPr lang="en-US" sz="2400" baseline="30000" dirty="0" smtClean="0"/>
+                        <a:t>2</a:t>
+                      </a:r>
+                      <a:r>
+                        <a:rPr lang="en-US" sz="2400" dirty="0" smtClean="0"/>
+                        <a:t>-Test</a:t>
+                      </a:r>
+                      <a:endParaRPr lang="en-US" sz="2400" dirty="0"/>
+                    </a:p>
+                  </a:txBody>
+                  <a:tcPr anchor="ctr">
+                    <a:lnL w="12700" cmpd="sng">
+                      <a:noFill/>
+                    </a:lnL>
+                    <a:lnR w="12700" cap="flat" cmpd="sng" algn="ctr">
+                      <a:noFill/>
+                      <a:prstDash val="solid"/>
+                      <a:round/>
+                      <a:headEnd type="none" w="med" len="med"/>
+                      <a:tailEnd type="none" w="med" len="med"/>
+                    </a:lnR>
+                    <a:lnT w="12700" cmpd="sng">
+                      <a:noFill/>
+                    </a:lnT>
+                    <a:lnB w="12700" cmpd="sng">
+                      <a:noFill/>
+                    </a:lnB>
+                    <a:lnTlToBr w="12700" cmpd="sng">
+                      <a:noFill/>
+                      <a:prstDash val="solid"/>
+                    </a:lnTlToBr>
+                    <a:lnBlToTr w="12700" cmpd="sng">
+                      <a:noFill/>
+                      <a:prstDash val="solid"/>
+                    </a:lnBlToTr>
+                  </a:tcPr>
+                </a:tc>
+                <a:tc>
+                  <a:txBody>
+                    <a:bodyPr/>
+                    <a:lstStyle/>
+                    <a:p>
+                      <a:pPr algn="ctr"/>
+                      <a:r>
+                        <a:rPr lang="en-US" sz="2400" dirty="0" err="1" smtClean="0"/>
+                        <a:t>chisq.test</a:t>
+                      </a:r>
+                      <a:r>
+                        <a:rPr lang="en-US" sz="2400" dirty="0" smtClean="0"/>
+                        <a:t>()</a:t>
+                      </a:r>
+                      <a:endParaRPr lang="en-US" sz="2400" dirty="0"/>
+                    </a:p>
+                  </a:txBody>
+                  <a:tcPr anchor="ctr">
+                    <a:lnL w="12700" cmpd="sng">
+                      <a:noFill/>
+                    </a:lnL>
+                    <a:lnR w="12700" cap="flat" cmpd="sng" algn="ctr">
+                      <a:noFill/>
+                      <a:prstDash val="solid"/>
+                      <a:round/>
+                      <a:headEnd type="none" w="med" len="med"/>
+                      <a:tailEnd type="none" w="med" len="med"/>
+                    </a:lnR>
+                    <a:lnT w="12700" cmpd="sng">
+                      <a:noFill/>
+                    </a:lnT>
+                    <a:lnB w="12700" cmpd="sng">
+                      <a:noFill/>
+                    </a:lnB>
+                    <a:lnTlToBr w="12700" cmpd="sng">
+                      <a:noFill/>
+                      <a:prstDash val="solid"/>
+                    </a:lnTlToBr>
+                    <a:lnBlToTr w="12700" cmpd="sng">
+                      <a:noFill/>
+                      <a:prstDash val="solid"/>
+                    </a:lnBlToTr>
+                  </a:tcPr>
+                </a:tc>
+              </a:tr>
+              <a:tr h="746260">
+                <a:tc>
+                  <a:txBody>
+                    <a:bodyPr/>
+                    <a:lstStyle/>
+                    <a:p>
+                      <a:pPr algn="ctr"/>
+                      <a:r>
+                        <a:rPr lang="en-US" sz="2400" dirty="0" smtClean="0"/>
+                        <a:t>Logistic Regression</a:t>
+                      </a:r>
+                      <a:endParaRPr lang="en-US" sz="2400" dirty="0"/>
+                    </a:p>
+                  </a:txBody>
+                  <a:tcPr anchor="ctr">
+                    <a:lnL w="12700" cmpd="sng">
+                      <a:noFill/>
+                    </a:lnL>
+                    <a:lnR w="12700" cap="flat" cmpd="sng" algn="ctr">
+                      <a:noFill/>
+                      <a:prstDash val="solid"/>
+                      <a:round/>
+                      <a:headEnd type="none" w="med" len="med"/>
+                      <a:tailEnd type="none" w="med" len="med"/>
+                    </a:lnR>
+                    <a:lnT w="12700" cmpd="sng">
+                      <a:noFill/>
+                    </a:lnT>
+                    <a:lnB w="12700" cmpd="sng">
+                      <a:noFill/>
+                    </a:lnB>
+                    <a:lnTlToBr w="12700" cmpd="sng">
+                      <a:noFill/>
+                      <a:prstDash val="solid"/>
+                    </a:lnTlToBr>
+                    <a:lnBlToTr w="12700" cmpd="sng">
+                      <a:noFill/>
+                      <a:prstDash val="solid"/>
+                    </a:lnBlToTr>
+                  </a:tcPr>
+                </a:tc>
+                <a:tc>
+                  <a:txBody>
+                    <a:bodyPr/>
+                    <a:lstStyle/>
+                    <a:p>
+                      <a:pPr algn="ctr"/>
+                      <a:r>
+                        <a:rPr lang="en-US" sz="2400" dirty="0" err="1" smtClean="0"/>
+                        <a:t>glm</a:t>
+                      </a:r>
+                      <a:r>
+                        <a:rPr lang="en-US" sz="2400" dirty="0" smtClean="0"/>
+                        <a:t>()</a:t>
+                      </a:r>
+                      <a:endParaRPr lang="en-US" sz="2400" dirty="0"/>
+                    </a:p>
+                  </a:txBody>
+                  <a:tcPr anchor="ctr">
+                    <a:lnL w="12700" cmpd="sng">
+                      <a:noFill/>
+                    </a:lnL>
+                    <a:lnR w="12700" cap="flat" cmpd="sng" algn="ctr">
+                      <a:noFill/>
+                      <a:prstDash val="solid"/>
+                      <a:round/>
+                      <a:headEnd type="none" w="med" len="med"/>
+                      <a:tailEnd type="none" w="med" len="med"/>
+                    </a:lnR>
+                    <a:lnT w="12700" cmpd="sng">
+                      <a:noFill/>
+                    </a:lnT>
+                    <a:lnB w="12700" cmpd="sng">
+                      <a:noFill/>
+                    </a:lnB>
+                    <a:lnTlToBr w="12700" cmpd="sng">
+                      <a:noFill/>
+                      <a:prstDash val="solid"/>
+                    </a:lnTlToBr>
+                    <a:lnBlToTr w="12700" cmpd="sng">
+                      <a:noFill/>
+                      <a:prstDash val="solid"/>
+                    </a:lnBlToTr>
+                  </a:tcPr>
+                </a:tc>
+              </a:tr>
+            </a:tbl>
+          </a:graphicData>
+        </a:graphic>
+      </p:graphicFrame>
     </p:spTree>
     <p:extLst>
       <p:ext uri="{BB962C8B-B14F-4D97-AF65-F5344CB8AC3E}">
-        <p14:creationId xmlns:p14="http://schemas.microsoft.com/office/powerpoint/2010/main" val="935496503"/>
+        <p14:creationId xmlns:p14="http://schemas.microsoft.com/office/powerpoint/2010/main" val="1292072097"/>
+      </p:ext>
+    </p:extLst>
+  </p:cSld>
+  <p:clrMapOvr>
+    <a:masterClrMapping/>
+  </p:clrMapOvr>
+</p:sld>
+</file>
+
+<file path=ppt/slides/slide7.xml><?xml version="1.0" encoding="utf-8"?>
+<p:sld xmlns:a="http://schemas.openxmlformats.org/drawingml/2006/main" xmlns:r="http://schemas.openxmlformats.org/officeDocument/2006/relationships" xmlns:p="http://schemas.openxmlformats.org/presentationml/2006/main">
+  <p:cSld>
+    <p:spTree>
+      <p:nvGrpSpPr>
+        <p:cNvPr id="1" name=""/>
+        <p:cNvGrpSpPr/>
+        <p:nvPr/>
+      </p:nvGrpSpPr>
+      <p:grpSpPr>
+        <a:xfrm>
+          <a:off x="0" y="0"/>
+          <a:ext cx="0" cy="0"/>
+          <a:chOff x="0" y="0"/>
+          <a:chExt cx="0" cy="0"/>
+        </a:xfrm>
+      </p:grpSpPr>
+      <p:sp>
+        <p:nvSpPr>
+          <p:cNvPr id="2" name="Title 1"/>
+          <p:cNvSpPr>
+            <a:spLocks noGrp="1"/>
+          </p:cNvSpPr>
+          <p:nvPr>
+            <p:ph type="title"/>
+          </p:nvPr>
+        </p:nvSpPr>
+        <p:spPr/>
+        <p:txBody>
+          <a:bodyPr/>
+          <a:lstStyle/>
+          <a:p>
+            <a:pPr>
+              <a:lnSpc>
+                <a:spcPct val="120000"/>
+              </a:lnSpc>
+              <a:spcBef>
+                <a:spcPts val="0"/>
+              </a:spcBef>
+            </a:pPr>
+            <a:r>
+              <a:rPr lang="en-US" dirty="0" smtClean="0"/>
+              <a:t>R Markdown file</a:t>
+            </a:r>
+            <a:endParaRPr lang="en-US" dirty="0"/>
+          </a:p>
+        </p:txBody>
+      </p:sp>
+      <p:sp>
+        <p:nvSpPr>
+          <p:cNvPr id="4" name="Text Placeholder 3"/>
+          <p:cNvSpPr>
+            <a:spLocks noGrp="1"/>
+          </p:cNvSpPr>
+          <p:nvPr>
+            <p:ph type="body" idx="1"/>
+          </p:nvPr>
+        </p:nvSpPr>
+        <p:spPr/>
+        <p:txBody>
+          <a:bodyPr/>
+          <a:lstStyle/>
+          <a:p>
+            <a:endParaRPr lang="en-US"/>
+          </a:p>
+        </p:txBody>
+      </p:sp>
+    </p:spTree>
+    <p:extLst>
+      <p:ext uri="{BB962C8B-B14F-4D97-AF65-F5344CB8AC3E}">
+        <p14:creationId xmlns:p14="http://schemas.microsoft.com/office/powerpoint/2010/main" val="724817618"/>
+      </p:ext>
+    </p:extLst>
+  </p:cSld>
+  <p:clrMapOvr>
+    <a:masterClrMapping/>
+  </p:clrMapOvr>
+</p:sld>
+</file>
+
+<file path=ppt/slides/slide8.xml><?xml version="1.0" encoding="utf-8"?>
+<p:sld xmlns:a="http://schemas.openxmlformats.org/drawingml/2006/main" xmlns:r="http://schemas.openxmlformats.org/officeDocument/2006/relationships" xmlns:p="http://schemas.openxmlformats.org/presentationml/2006/main">
+  <p:cSld>
+    <p:spTree>
+      <p:nvGrpSpPr>
+        <p:cNvPr id="1" name=""/>
+        <p:cNvGrpSpPr/>
+        <p:nvPr/>
+      </p:nvGrpSpPr>
+      <p:grpSpPr>
+        <a:xfrm>
+          <a:off x="0" y="0"/>
+          <a:ext cx="0" cy="0"/>
+          <a:chOff x="0" y="0"/>
+          <a:chExt cx="0" cy="0"/>
+        </a:xfrm>
+      </p:grpSpPr>
+      <p:sp>
+        <p:nvSpPr>
+          <p:cNvPr id="2" name="Title 1"/>
+          <p:cNvSpPr>
+            <a:spLocks noGrp="1"/>
+          </p:cNvSpPr>
+          <p:nvPr>
+            <p:ph type="title"/>
+          </p:nvPr>
+        </p:nvSpPr>
+        <p:spPr/>
+        <p:txBody>
+          <a:bodyPr/>
+          <a:lstStyle/>
+          <a:p>
+            <a:pPr>
+              <a:lnSpc>
+                <a:spcPct val="120000"/>
+              </a:lnSpc>
+              <a:spcBef>
+                <a:spcPts val="0"/>
+              </a:spcBef>
+            </a:pPr>
+            <a:r>
+              <a:rPr lang="en-US" dirty="0" smtClean="0"/>
+              <a:t>Preparing APA Style Manuscripts</a:t>
+            </a:r>
+            <a:endParaRPr lang="en-US" dirty="0"/>
+          </a:p>
+        </p:txBody>
+      </p:sp>
+      <p:sp>
+        <p:nvSpPr>
+          <p:cNvPr id="4" name="Text Placeholder 3"/>
+          <p:cNvSpPr>
+            <a:spLocks noGrp="1"/>
+          </p:cNvSpPr>
+          <p:nvPr>
+            <p:ph type="body" idx="1"/>
+          </p:nvPr>
+        </p:nvSpPr>
+        <p:spPr/>
+        <p:txBody>
+          <a:bodyPr/>
+          <a:lstStyle/>
+          <a:p>
+            <a:r>
+              <a:rPr lang="en-US" dirty="0" smtClean="0"/>
+              <a:t>Connie Zhang, 19’ and Emma Ning, 19’</a:t>
+            </a:r>
+            <a:endParaRPr lang="en-US" dirty="0"/>
+          </a:p>
+        </p:txBody>
+      </p:sp>
+    </p:spTree>
+    <p:extLst>
+      <p:ext uri="{BB962C8B-B14F-4D97-AF65-F5344CB8AC3E}">
+        <p14:creationId xmlns:p14="http://schemas.microsoft.com/office/powerpoint/2010/main" val="625421908"/>
+      </p:ext>
+    </p:extLst>
+  </p:cSld>
+  <p:clrMapOvr>
+    <a:masterClrMapping/>
+  </p:clrMapOvr>
+</p:sld>
+</file>
+
+<file path=ppt/slides/slide9.xml><?xml version="1.0" encoding="utf-8"?>
+<p:sld xmlns:a="http://schemas.openxmlformats.org/drawingml/2006/main" xmlns:r="http://schemas.openxmlformats.org/officeDocument/2006/relationships" xmlns:p="http://schemas.openxmlformats.org/presentationml/2006/main">
+  <p:cSld>
+    <p:spTree>
+      <p:nvGrpSpPr>
+        <p:cNvPr id="1" name=""/>
+        <p:cNvGrpSpPr/>
+        <p:nvPr/>
+      </p:nvGrpSpPr>
+      <p:grpSpPr>
+        <a:xfrm>
+          <a:off x="0" y="0"/>
+          <a:ext cx="0" cy="0"/>
+          <a:chOff x="0" y="0"/>
+          <a:chExt cx="0" cy="0"/>
+        </a:xfrm>
+      </p:grpSpPr>
+      <p:sp>
+        <p:nvSpPr>
+          <p:cNvPr id="2" name="Title 1"/>
+          <p:cNvSpPr>
+            <a:spLocks noGrp="1"/>
+          </p:cNvSpPr>
+          <p:nvPr>
+            <p:ph type="title"/>
+          </p:nvPr>
+        </p:nvSpPr>
+        <p:spPr/>
+        <p:txBody>
+          <a:bodyPr/>
+          <a:lstStyle/>
+          <a:p>
+            <a:r>
+              <a:rPr lang="en-US" dirty="0" smtClean="0"/>
+              <a:t>Exploratory Factor Analysis (EFA)</a:t>
+            </a:r>
+            <a:endParaRPr lang="en-US" dirty="0"/>
+          </a:p>
+        </p:txBody>
+      </p:sp>
+      <p:sp>
+        <p:nvSpPr>
+          <p:cNvPr id="3" name="Content Placeholder 2"/>
+          <p:cNvSpPr>
+            <a:spLocks noGrp="1"/>
+          </p:cNvSpPr>
+          <p:nvPr>
+            <p:ph idx="1"/>
+          </p:nvPr>
+        </p:nvSpPr>
+        <p:spPr/>
+        <p:txBody>
+          <a:bodyPr/>
+          <a:lstStyle/>
+          <a:p>
+            <a:endParaRPr lang="en-US"/>
+          </a:p>
+        </p:txBody>
+      </p:sp>
+    </p:spTree>
+    <p:extLst>
+      <p:ext uri="{BB962C8B-B14F-4D97-AF65-F5344CB8AC3E}">
+        <p14:creationId xmlns:p14="http://schemas.microsoft.com/office/powerpoint/2010/main" val="1513187625"/>
       </p:ext>
     </p:extLst>
   </p:cSld>

--- a/docs/Day 2 Slides.pptx
+++ b/docs/Day 2 Slides.pptx
@@ -5,7 +5,7 @@
     <p:sldMasterId id="2147483672" r:id="rId1"/>
   </p:sldMasterIdLst>
   <p:notesMasterIdLst>
-    <p:notesMasterId r:id="rId19"/>
+    <p:notesMasterId r:id="rId27"/>
   </p:notesMasterIdLst>
   <p:sldIdLst>
     <p:sldId id="256" r:id="rId2"/>
@@ -17,14 +17,22 @@
     <p:sldId id="382" r:id="rId8"/>
     <p:sldId id="389" r:id="rId9"/>
     <p:sldId id="383" r:id="rId10"/>
-    <p:sldId id="390" r:id="rId11"/>
-    <p:sldId id="391" r:id="rId12"/>
-    <p:sldId id="392" r:id="rId13"/>
-    <p:sldId id="393" r:id="rId14"/>
-    <p:sldId id="394" r:id="rId15"/>
-    <p:sldId id="395" r:id="rId16"/>
-    <p:sldId id="384" r:id="rId17"/>
-    <p:sldId id="396" r:id="rId18"/>
+    <p:sldId id="397" r:id="rId11"/>
+    <p:sldId id="399" r:id="rId12"/>
+    <p:sldId id="402" r:id="rId13"/>
+    <p:sldId id="401" r:id="rId14"/>
+    <p:sldId id="403" r:id="rId15"/>
+    <p:sldId id="400" r:id="rId16"/>
+    <p:sldId id="398" r:id="rId17"/>
+    <p:sldId id="404" r:id="rId18"/>
+    <p:sldId id="390" r:id="rId19"/>
+    <p:sldId id="391" r:id="rId20"/>
+    <p:sldId id="392" r:id="rId21"/>
+    <p:sldId id="393" r:id="rId22"/>
+    <p:sldId id="394" r:id="rId23"/>
+    <p:sldId id="395" r:id="rId24"/>
+    <p:sldId id="384" r:id="rId25"/>
+    <p:sldId id="396" r:id="rId26"/>
   </p:sldIdLst>
   <p:sldSz cx="12192000" cy="6858000"/>
   <p:notesSz cx="6858000" cy="9144000"/>
@@ -4172,6 +4180,1502 @@
           <a:p>
             <a:r>
               <a:rPr lang="en-US" dirty="0" smtClean="0"/>
+              <a:t>Exploratory Factor Analysis (EFA)</a:t>
+            </a:r>
+            <a:endParaRPr lang="en-US" dirty="0"/>
+          </a:p>
+        </p:txBody>
+      </p:sp>
+      <p:sp>
+        <p:nvSpPr>
+          <p:cNvPr id="3" name="Content Placeholder 2"/>
+          <p:cNvSpPr>
+            <a:spLocks noGrp="1"/>
+          </p:cNvSpPr>
+          <p:nvPr>
+            <p:ph idx="1"/>
+          </p:nvPr>
+        </p:nvSpPr>
+        <p:spPr/>
+        <p:txBody>
+          <a:bodyPr>
+            <a:normAutofit/>
+          </a:bodyPr>
+          <a:lstStyle/>
+          <a:p>
+            <a:r>
+              <a:rPr lang="en-US" dirty="0" smtClean="0"/>
+              <a:t>Exploratory Factor Analysis (EFA) will use inter-correlations among the items to give us a sense of</a:t>
+            </a:r>
+            <a:r>
+              <a:rPr lang="mr-IN" dirty="0" smtClean="0"/>
+              <a:t>…</a:t>
+            </a:r>
+            <a:endParaRPr lang="en-US" dirty="0" smtClean="0"/>
+          </a:p>
+          <a:p>
+            <a:pPr marL="731520" lvl="1" indent="-457200">
+              <a:buFont typeface="+mj-lt"/>
+              <a:buAutoNum type="arabicPeriod"/>
+            </a:pPr>
+            <a:r>
+              <a:rPr lang="en-US" dirty="0" smtClean="0"/>
+              <a:t>how </a:t>
+            </a:r>
+            <a:r>
+              <a:rPr lang="en-US" dirty="0"/>
+              <a:t>many </a:t>
+            </a:r>
+            <a:r>
+              <a:rPr lang="en-US" dirty="0" smtClean="0"/>
+              <a:t>factors may be present, </a:t>
+            </a:r>
+            <a:endParaRPr lang="en-US" dirty="0"/>
+          </a:p>
+          <a:p>
+            <a:pPr marL="731520" lvl="1" indent="-457200">
+              <a:buFont typeface="+mj-lt"/>
+              <a:buAutoNum type="arabicPeriod"/>
+            </a:pPr>
+            <a:r>
+              <a:rPr lang="en-US" dirty="0" smtClean="0"/>
+              <a:t>which </a:t>
+            </a:r>
+            <a:r>
+              <a:rPr lang="en-US" dirty="0"/>
+              <a:t>items can be explained by which </a:t>
+            </a:r>
+            <a:r>
+              <a:rPr lang="en-US" dirty="0" smtClean="0"/>
+              <a:t>factors, and</a:t>
+            </a:r>
+          </a:p>
+          <a:p>
+            <a:pPr marL="731520" lvl="1" indent="-457200">
+              <a:buFont typeface="+mj-lt"/>
+              <a:buAutoNum type="arabicPeriod"/>
+            </a:pPr>
+            <a:r>
+              <a:rPr lang="en-US" dirty="0" smtClean="0"/>
+              <a:t>the extent to which these underlying factors are correlated with each other.</a:t>
+            </a:r>
+          </a:p>
+          <a:p>
+            <a:endParaRPr lang="en-US" dirty="0"/>
+          </a:p>
+          <a:p>
+            <a:r>
+              <a:rPr lang="en-US" dirty="0" smtClean="0"/>
+              <a:t>EFA is just that, exploratory. </a:t>
+            </a:r>
+            <a:endParaRPr lang="en-US" dirty="0"/>
+          </a:p>
+          <a:p>
+            <a:pPr lvl="1"/>
+            <a:r>
+              <a:rPr lang="en-US" dirty="0" smtClean="0"/>
+              <a:t>It is important to keep in mind that in the end this is a data driven technique. Meaning that peculiarities in the data may lead you to a rather weird solution.</a:t>
+            </a:r>
+          </a:p>
+          <a:p>
+            <a:pPr lvl="1"/>
+            <a:r>
+              <a:rPr lang="en-US" dirty="0" smtClean="0"/>
+              <a:t>It takes some sense finesse, listen to what your data is telling you</a:t>
+            </a:r>
+            <a:r>
+              <a:rPr lang="en-US" dirty="0"/>
+              <a:t>.</a:t>
+            </a:r>
+            <a:endParaRPr lang="en-US" dirty="0"/>
+          </a:p>
+        </p:txBody>
+      </p:sp>
+    </p:spTree>
+    <p:extLst>
+      <p:ext uri="{BB962C8B-B14F-4D97-AF65-F5344CB8AC3E}">
+        <p14:creationId xmlns:p14="http://schemas.microsoft.com/office/powerpoint/2010/main" val="736077395"/>
+      </p:ext>
+    </p:extLst>
+  </p:cSld>
+  <p:clrMapOvr>
+    <a:masterClrMapping/>
+  </p:clrMapOvr>
+</p:sld>
+</file>
+
+<file path=ppt/slides/slide11.xml><?xml version="1.0" encoding="utf-8"?>
+<p:sld xmlns:a="http://schemas.openxmlformats.org/drawingml/2006/main" xmlns:r="http://schemas.openxmlformats.org/officeDocument/2006/relationships" xmlns:p="http://schemas.openxmlformats.org/presentationml/2006/main">
+  <p:cSld>
+    <p:spTree>
+      <p:nvGrpSpPr>
+        <p:cNvPr id="1" name=""/>
+        <p:cNvGrpSpPr/>
+        <p:nvPr/>
+      </p:nvGrpSpPr>
+      <p:grpSpPr>
+        <a:xfrm>
+          <a:off x="0" y="0"/>
+          <a:ext cx="0" cy="0"/>
+          <a:chOff x="0" y="0"/>
+          <a:chExt cx="0" cy="0"/>
+        </a:xfrm>
+      </p:grpSpPr>
+      <p:sp>
+        <p:nvSpPr>
+          <p:cNvPr id="2" name="Title 1"/>
+          <p:cNvSpPr>
+            <a:spLocks noGrp="1"/>
+          </p:cNvSpPr>
+          <p:nvPr>
+            <p:ph type="title"/>
+          </p:nvPr>
+        </p:nvSpPr>
+        <p:spPr/>
+        <p:txBody>
+          <a:bodyPr/>
+          <a:lstStyle/>
+          <a:p>
+            <a:r>
+              <a:rPr lang="en-US" dirty="0" smtClean="0"/>
+              <a:t>Factor Rotation</a:t>
+            </a:r>
+            <a:endParaRPr lang="en-US" dirty="0"/>
+          </a:p>
+        </p:txBody>
+      </p:sp>
+      <p:sp>
+        <p:nvSpPr>
+          <p:cNvPr id="3" name="Content Placeholder 2"/>
+          <p:cNvSpPr>
+            <a:spLocks noGrp="1"/>
+          </p:cNvSpPr>
+          <p:nvPr>
+            <p:ph idx="1"/>
+          </p:nvPr>
+        </p:nvSpPr>
+        <p:spPr/>
+        <p:txBody>
+          <a:bodyPr>
+            <a:normAutofit/>
+          </a:bodyPr>
+          <a:lstStyle/>
+          <a:p>
+            <a:r>
+              <a:rPr lang="en-US" dirty="0" err="1" smtClean="0"/>
+              <a:t>Unrotated</a:t>
+            </a:r>
+            <a:r>
+              <a:rPr lang="en-US" dirty="0" smtClean="0"/>
+              <a:t> </a:t>
+            </a:r>
+            <a:r>
+              <a:rPr lang="en-US" dirty="0" smtClean="0"/>
+              <a:t>solution</a:t>
+            </a:r>
+            <a:endParaRPr lang="en-US" dirty="0" smtClean="0"/>
+          </a:p>
+        </p:txBody>
+      </p:sp>
+      <p:pic>
+        <p:nvPicPr>
+          <p:cNvPr id="6" name="Picture 5"/>
+          <p:cNvPicPr>
+            <a:picLocks noChangeAspect="1"/>
+          </p:cNvPicPr>
+          <p:nvPr/>
+        </p:nvPicPr>
+        <p:blipFill>
+          <a:blip r:embed="rId2">
+            <a:extLst>
+              <a:ext uri="{28A0092B-C50C-407E-A947-70E740481C1C}">
+                <a14:useLocalDpi xmlns:a14="http://schemas.microsoft.com/office/drawing/2010/main" val="0"/>
+              </a:ext>
+            </a:extLst>
+          </a:blip>
+          <a:stretch>
+            <a:fillRect/>
+          </a:stretch>
+        </p:blipFill>
+        <p:spPr>
+          <a:xfrm>
+            <a:off x="4450369" y="1549668"/>
+            <a:ext cx="6374607" cy="4820251"/>
+          </a:xfrm>
+          <a:prstGeom prst="rect">
+            <a:avLst/>
+          </a:prstGeom>
+        </p:spPr>
+      </p:pic>
+      <p:pic>
+        <p:nvPicPr>
+          <p:cNvPr id="7" name="Picture 6"/>
+          <p:cNvPicPr>
+            <a:picLocks noChangeAspect="1"/>
+          </p:cNvPicPr>
+          <p:nvPr/>
+        </p:nvPicPr>
+        <p:blipFill>
+          <a:blip r:embed="rId3">
+            <a:extLst>
+              <a:ext uri="{28A0092B-C50C-407E-A947-70E740481C1C}">
+                <a14:useLocalDpi xmlns:a14="http://schemas.microsoft.com/office/drawing/2010/main" val="0"/>
+              </a:ext>
+            </a:extLst>
+          </a:blip>
+          <a:stretch>
+            <a:fillRect/>
+          </a:stretch>
+        </p:blipFill>
+        <p:spPr>
+          <a:xfrm>
+            <a:off x="1842703" y="2870200"/>
+            <a:ext cx="1422400" cy="2413000"/>
+          </a:xfrm>
+          <a:prstGeom prst="rect">
+            <a:avLst/>
+          </a:prstGeom>
+        </p:spPr>
+      </p:pic>
+    </p:spTree>
+    <p:extLst>
+      <p:ext uri="{BB962C8B-B14F-4D97-AF65-F5344CB8AC3E}">
+        <p14:creationId xmlns:p14="http://schemas.microsoft.com/office/powerpoint/2010/main" val="1317259407"/>
+      </p:ext>
+    </p:extLst>
+  </p:cSld>
+  <p:clrMapOvr>
+    <a:masterClrMapping/>
+  </p:clrMapOvr>
+</p:sld>
+</file>
+
+<file path=ppt/slides/slide12.xml><?xml version="1.0" encoding="utf-8"?>
+<p:sld xmlns:a="http://schemas.openxmlformats.org/drawingml/2006/main" xmlns:r="http://schemas.openxmlformats.org/officeDocument/2006/relationships" xmlns:p="http://schemas.openxmlformats.org/presentationml/2006/main">
+  <p:cSld>
+    <p:spTree>
+      <p:nvGrpSpPr>
+        <p:cNvPr id="1" name=""/>
+        <p:cNvGrpSpPr/>
+        <p:nvPr/>
+      </p:nvGrpSpPr>
+      <p:grpSpPr>
+        <a:xfrm>
+          <a:off x="0" y="0"/>
+          <a:ext cx="0" cy="0"/>
+          <a:chOff x="0" y="0"/>
+          <a:chExt cx="0" cy="0"/>
+        </a:xfrm>
+      </p:grpSpPr>
+      <p:sp>
+        <p:nvSpPr>
+          <p:cNvPr id="2" name="Title 1"/>
+          <p:cNvSpPr>
+            <a:spLocks noGrp="1"/>
+          </p:cNvSpPr>
+          <p:nvPr>
+            <p:ph type="title"/>
+          </p:nvPr>
+        </p:nvSpPr>
+        <p:spPr/>
+        <p:txBody>
+          <a:bodyPr/>
+          <a:lstStyle/>
+          <a:p>
+            <a:r>
+              <a:rPr lang="en-US" dirty="0" smtClean="0"/>
+              <a:t>Factor Rotation</a:t>
+            </a:r>
+            <a:endParaRPr lang="en-US" dirty="0"/>
+          </a:p>
+        </p:txBody>
+      </p:sp>
+      <p:sp>
+        <p:nvSpPr>
+          <p:cNvPr id="3" name="Content Placeholder 2"/>
+          <p:cNvSpPr>
+            <a:spLocks noGrp="1"/>
+          </p:cNvSpPr>
+          <p:nvPr>
+            <p:ph idx="1"/>
+          </p:nvPr>
+        </p:nvSpPr>
+        <p:spPr/>
+        <p:txBody>
+          <a:bodyPr>
+            <a:normAutofit/>
+          </a:bodyPr>
+          <a:lstStyle/>
+          <a:p>
+            <a:r>
+              <a:rPr lang="en-US" dirty="0" err="1" smtClean="0"/>
+              <a:t>Unrotated</a:t>
+            </a:r>
+            <a:r>
+              <a:rPr lang="en-US" dirty="0" smtClean="0"/>
+              <a:t> </a:t>
+            </a:r>
+            <a:r>
+              <a:rPr lang="en-US" dirty="0" smtClean="0"/>
+              <a:t>solution</a:t>
+            </a:r>
+            <a:endParaRPr lang="en-US" dirty="0" smtClean="0"/>
+          </a:p>
+        </p:txBody>
+      </p:sp>
+      <p:pic>
+        <p:nvPicPr>
+          <p:cNvPr id="6" name="Picture 5"/>
+          <p:cNvPicPr>
+            <a:picLocks noChangeAspect="1"/>
+          </p:cNvPicPr>
+          <p:nvPr/>
+        </p:nvPicPr>
+        <p:blipFill>
+          <a:blip r:embed="rId2">
+            <a:extLst>
+              <a:ext uri="{28A0092B-C50C-407E-A947-70E740481C1C}">
+                <a14:useLocalDpi xmlns:a14="http://schemas.microsoft.com/office/drawing/2010/main" val="0"/>
+              </a:ext>
+            </a:extLst>
+          </a:blip>
+          <a:stretch>
+            <a:fillRect/>
+          </a:stretch>
+        </p:blipFill>
+        <p:spPr>
+          <a:xfrm>
+            <a:off x="4450369" y="1549668"/>
+            <a:ext cx="6374607" cy="4820251"/>
+          </a:xfrm>
+          <a:prstGeom prst="rect">
+            <a:avLst/>
+          </a:prstGeom>
+        </p:spPr>
+      </p:pic>
+      <p:pic>
+        <p:nvPicPr>
+          <p:cNvPr id="7" name="Picture 6"/>
+          <p:cNvPicPr>
+            <a:picLocks noChangeAspect="1"/>
+          </p:cNvPicPr>
+          <p:nvPr/>
+        </p:nvPicPr>
+        <p:blipFill>
+          <a:blip r:embed="rId3">
+            <a:extLst>
+              <a:ext uri="{28A0092B-C50C-407E-A947-70E740481C1C}">
+                <a14:useLocalDpi xmlns:a14="http://schemas.microsoft.com/office/drawing/2010/main" val="0"/>
+              </a:ext>
+            </a:extLst>
+          </a:blip>
+          <a:stretch>
+            <a:fillRect/>
+          </a:stretch>
+        </p:blipFill>
+        <p:spPr>
+          <a:xfrm>
+            <a:off x="1842703" y="2870200"/>
+            <a:ext cx="1422400" cy="2413000"/>
+          </a:xfrm>
+          <a:prstGeom prst="rect">
+            <a:avLst/>
+          </a:prstGeom>
+        </p:spPr>
+      </p:pic>
+      <p:cxnSp>
+        <p:nvCxnSpPr>
+          <p:cNvPr id="9" name="Straight Connector 8"/>
+          <p:cNvCxnSpPr/>
+          <p:nvPr/>
+        </p:nvCxnSpPr>
+        <p:spPr>
+          <a:xfrm flipV="1">
+            <a:off x="4687503" y="1636295"/>
+            <a:ext cx="6035040" cy="4733624"/>
+          </a:xfrm>
+          <a:prstGeom prst="line">
+            <a:avLst/>
+          </a:prstGeom>
+          <a:ln w="38100">
+            <a:solidFill>
+              <a:schemeClr val="accent2"/>
+            </a:solidFill>
+            <a:prstDash val="dash"/>
+          </a:ln>
+        </p:spPr>
+        <p:style>
+          <a:lnRef idx="1">
+            <a:schemeClr val="accent1"/>
+          </a:lnRef>
+          <a:fillRef idx="0">
+            <a:schemeClr val="accent1"/>
+          </a:fillRef>
+          <a:effectRef idx="0">
+            <a:schemeClr val="accent1"/>
+          </a:effectRef>
+          <a:fontRef idx="minor">
+            <a:schemeClr val="tx1"/>
+          </a:fontRef>
+        </p:style>
+      </p:cxnSp>
+      <p:cxnSp>
+        <p:nvCxnSpPr>
+          <p:cNvPr id="12" name="Straight Connector 11"/>
+          <p:cNvCxnSpPr/>
+          <p:nvPr/>
+        </p:nvCxnSpPr>
+        <p:spPr>
+          <a:xfrm>
+            <a:off x="5194197" y="1520793"/>
+            <a:ext cx="5091764" cy="4758088"/>
+          </a:xfrm>
+          <a:prstGeom prst="line">
+            <a:avLst/>
+          </a:prstGeom>
+          <a:ln w="38100">
+            <a:solidFill>
+              <a:schemeClr val="accent2"/>
+            </a:solidFill>
+            <a:prstDash val="dash"/>
+          </a:ln>
+        </p:spPr>
+        <p:style>
+          <a:lnRef idx="1">
+            <a:schemeClr val="accent1"/>
+          </a:lnRef>
+          <a:fillRef idx="0">
+            <a:schemeClr val="accent1"/>
+          </a:fillRef>
+          <a:effectRef idx="0">
+            <a:schemeClr val="accent1"/>
+          </a:effectRef>
+          <a:fontRef idx="minor">
+            <a:schemeClr val="tx1"/>
+          </a:fontRef>
+        </p:style>
+      </p:cxnSp>
+    </p:spTree>
+    <p:extLst>
+      <p:ext uri="{BB962C8B-B14F-4D97-AF65-F5344CB8AC3E}">
+        <p14:creationId xmlns:p14="http://schemas.microsoft.com/office/powerpoint/2010/main" val="122126511"/>
+      </p:ext>
+    </p:extLst>
+  </p:cSld>
+  <p:clrMapOvr>
+    <a:masterClrMapping/>
+  </p:clrMapOvr>
+</p:sld>
+</file>
+
+<file path=ppt/slides/slide13.xml><?xml version="1.0" encoding="utf-8"?>
+<p:sld xmlns:a="http://schemas.openxmlformats.org/drawingml/2006/main" xmlns:r="http://schemas.openxmlformats.org/officeDocument/2006/relationships" xmlns:p="http://schemas.openxmlformats.org/presentationml/2006/main">
+  <p:cSld>
+    <p:spTree>
+      <p:nvGrpSpPr>
+        <p:cNvPr id="1" name=""/>
+        <p:cNvGrpSpPr/>
+        <p:nvPr/>
+      </p:nvGrpSpPr>
+      <p:grpSpPr>
+        <a:xfrm>
+          <a:off x="0" y="0"/>
+          <a:ext cx="0" cy="0"/>
+          <a:chOff x="0" y="0"/>
+          <a:chExt cx="0" cy="0"/>
+        </a:xfrm>
+      </p:grpSpPr>
+      <p:sp>
+        <p:nvSpPr>
+          <p:cNvPr id="2" name="Title 1"/>
+          <p:cNvSpPr>
+            <a:spLocks noGrp="1"/>
+          </p:cNvSpPr>
+          <p:nvPr>
+            <p:ph type="title"/>
+          </p:nvPr>
+        </p:nvSpPr>
+        <p:spPr/>
+        <p:txBody>
+          <a:bodyPr/>
+          <a:lstStyle/>
+          <a:p>
+            <a:r>
+              <a:rPr lang="en-US" dirty="0" smtClean="0"/>
+              <a:t>Factor Rotation</a:t>
+            </a:r>
+            <a:endParaRPr lang="en-US" dirty="0"/>
+          </a:p>
+        </p:txBody>
+      </p:sp>
+      <p:sp>
+        <p:nvSpPr>
+          <p:cNvPr id="3" name="Content Placeholder 2"/>
+          <p:cNvSpPr>
+            <a:spLocks noGrp="1"/>
+          </p:cNvSpPr>
+          <p:nvPr>
+            <p:ph idx="1"/>
+          </p:nvPr>
+        </p:nvSpPr>
+        <p:spPr/>
+        <p:txBody>
+          <a:bodyPr>
+            <a:normAutofit/>
+          </a:bodyPr>
+          <a:lstStyle/>
+          <a:p>
+            <a:r>
+              <a:rPr lang="en-US" dirty="0" smtClean="0"/>
+              <a:t>Orthogonal rotation</a:t>
+            </a:r>
+          </a:p>
+        </p:txBody>
+      </p:sp>
+      <p:pic>
+        <p:nvPicPr>
+          <p:cNvPr id="4" name="Picture 3"/>
+          <p:cNvPicPr>
+            <a:picLocks noChangeAspect="1"/>
+          </p:cNvPicPr>
+          <p:nvPr/>
+        </p:nvPicPr>
+        <p:blipFill>
+          <a:blip r:embed="rId2">
+            <a:extLst>
+              <a:ext uri="{28A0092B-C50C-407E-A947-70E740481C1C}">
+                <a14:useLocalDpi xmlns:a14="http://schemas.microsoft.com/office/drawing/2010/main" val="0"/>
+              </a:ext>
+            </a:extLst>
+          </a:blip>
+          <a:stretch>
+            <a:fillRect/>
+          </a:stretch>
+        </p:blipFill>
+        <p:spPr>
+          <a:xfrm>
+            <a:off x="1907005" y="2944395"/>
+            <a:ext cx="1435100" cy="2413000"/>
+          </a:xfrm>
+          <a:prstGeom prst="rect">
+            <a:avLst/>
+          </a:prstGeom>
+        </p:spPr>
+      </p:pic>
+      <p:pic>
+        <p:nvPicPr>
+          <p:cNvPr id="5" name="Picture 4"/>
+          <p:cNvPicPr>
+            <a:picLocks noChangeAspect="1"/>
+          </p:cNvPicPr>
+          <p:nvPr/>
+        </p:nvPicPr>
+        <p:blipFill>
+          <a:blip r:embed="rId3">
+            <a:extLst>
+              <a:ext uri="{28A0092B-C50C-407E-A947-70E740481C1C}">
+                <a14:useLocalDpi xmlns:a14="http://schemas.microsoft.com/office/drawing/2010/main" val="0"/>
+              </a:ext>
+            </a:extLst>
+          </a:blip>
+          <a:stretch>
+            <a:fillRect/>
+          </a:stretch>
+        </p:blipFill>
+        <p:spPr>
+          <a:xfrm>
+            <a:off x="4554889" y="1732548"/>
+            <a:ext cx="6134229" cy="4634563"/>
+          </a:xfrm>
+          <a:prstGeom prst="rect">
+            <a:avLst/>
+          </a:prstGeom>
+        </p:spPr>
+      </p:pic>
+    </p:spTree>
+    <p:extLst>
+      <p:ext uri="{BB962C8B-B14F-4D97-AF65-F5344CB8AC3E}">
+        <p14:creationId xmlns:p14="http://schemas.microsoft.com/office/powerpoint/2010/main" val="357959980"/>
+      </p:ext>
+    </p:extLst>
+  </p:cSld>
+  <p:clrMapOvr>
+    <a:masterClrMapping/>
+  </p:clrMapOvr>
+</p:sld>
+</file>
+
+<file path=ppt/slides/slide14.xml><?xml version="1.0" encoding="utf-8"?>
+<p:sld xmlns:a="http://schemas.openxmlformats.org/drawingml/2006/main" xmlns:r="http://schemas.openxmlformats.org/officeDocument/2006/relationships" xmlns:p="http://schemas.openxmlformats.org/presentationml/2006/main">
+  <p:cSld>
+    <p:spTree>
+      <p:nvGrpSpPr>
+        <p:cNvPr id="1" name=""/>
+        <p:cNvGrpSpPr/>
+        <p:nvPr/>
+      </p:nvGrpSpPr>
+      <p:grpSpPr>
+        <a:xfrm>
+          <a:off x="0" y="0"/>
+          <a:ext cx="0" cy="0"/>
+          <a:chOff x="0" y="0"/>
+          <a:chExt cx="0" cy="0"/>
+        </a:xfrm>
+      </p:grpSpPr>
+      <p:sp>
+        <p:nvSpPr>
+          <p:cNvPr id="2" name="Title 1"/>
+          <p:cNvSpPr>
+            <a:spLocks noGrp="1"/>
+          </p:cNvSpPr>
+          <p:nvPr>
+            <p:ph type="title"/>
+          </p:nvPr>
+        </p:nvSpPr>
+        <p:spPr/>
+        <p:txBody>
+          <a:bodyPr/>
+          <a:lstStyle/>
+          <a:p>
+            <a:r>
+              <a:rPr lang="en-US" dirty="0" smtClean="0"/>
+              <a:t>Factor Rotation</a:t>
+            </a:r>
+            <a:endParaRPr lang="en-US" dirty="0"/>
+          </a:p>
+        </p:txBody>
+      </p:sp>
+      <p:sp>
+        <p:nvSpPr>
+          <p:cNvPr id="3" name="Content Placeholder 2"/>
+          <p:cNvSpPr>
+            <a:spLocks noGrp="1"/>
+          </p:cNvSpPr>
+          <p:nvPr>
+            <p:ph idx="1"/>
+          </p:nvPr>
+        </p:nvSpPr>
+        <p:spPr/>
+        <p:txBody>
+          <a:bodyPr>
+            <a:normAutofit/>
+          </a:bodyPr>
+          <a:lstStyle/>
+          <a:p>
+            <a:r>
+              <a:rPr lang="en-US" dirty="0" smtClean="0"/>
+              <a:t>Orthogonal rotation</a:t>
+            </a:r>
+          </a:p>
+        </p:txBody>
+      </p:sp>
+      <p:pic>
+        <p:nvPicPr>
+          <p:cNvPr id="4" name="Picture 3"/>
+          <p:cNvPicPr>
+            <a:picLocks noChangeAspect="1"/>
+          </p:cNvPicPr>
+          <p:nvPr/>
+        </p:nvPicPr>
+        <p:blipFill>
+          <a:blip r:embed="rId2">
+            <a:extLst>
+              <a:ext uri="{28A0092B-C50C-407E-A947-70E740481C1C}">
+                <a14:useLocalDpi xmlns:a14="http://schemas.microsoft.com/office/drawing/2010/main" val="0"/>
+              </a:ext>
+            </a:extLst>
+          </a:blip>
+          <a:stretch>
+            <a:fillRect/>
+          </a:stretch>
+        </p:blipFill>
+        <p:spPr>
+          <a:xfrm>
+            <a:off x="1907005" y="2944395"/>
+            <a:ext cx="1435100" cy="2413000"/>
+          </a:xfrm>
+          <a:prstGeom prst="rect">
+            <a:avLst/>
+          </a:prstGeom>
+        </p:spPr>
+      </p:pic>
+      <p:pic>
+        <p:nvPicPr>
+          <p:cNvPr id="5" name="Picture 4"/>
+          <p:cNvPicPr>
+            <a:picLocks noChangeAspect="1"/>
+          </p:cNvPicPr>
+          <p:nvPr/>
+        </p:nvPicPr>
+        <p:blipFill>
+          <a:blip r:embed="rId3">
+            <a:extLst>
+              <a:ext uri="{28A0092B-C50C-407E-A947-70E740481C1C}">
+                <a14:useLocalDpi xmlns:a14="http://schemas.microsoft.com/office/drawing/2010/main" val="0"/>
+              </a:ext>
+            </a:extLst>
+          </a:blip>
+          <a:stretch>
+            <a:fillRect/>
+          </a:stretch>
+        </p:blipFill>
+        <p:spPr>
+          <a:xfrm>
+            <a:off x="4554889" y="1732548"/>
+            <a:ext cx="6134229" cy="4634563"/>
+          </a:xfrm>
+          <a:prstGeom prst="rect">
+            <a:avLst/>
+          </a:prstGeom>
+        </p:spPr>
+      </p:pic>
+      <p:cxnSp>
+        <p:nvCxnSpPr>
+          <p:cNvPr id="8" name="Straight Connector 7"/>
+          <p:cNvCxnSpPr/>
+          <p:nvPr/>
+        </p:nvCxnSpPr>
+        <p:spPr>
+          <a:xfrm flipV="1">
+            <a:off x="4244741" y="3850104"/>
+            <a:ext cx="6872444" cy="1135782"/>
+          </a:xfrm>
+          <a:prstGeom prst="line">
+            <a:avLst/>
+          </a:prstGeom>
+          <a:ln w="38100">
+            <a:solidFill>
+              <a:schemeClr val="accent2"/>
+            </a:solidFill>
+            <a:prstDash val="dash"/>
+          </a:ln>
+        </p:spPr>
+        <p:style>
+          <a:lnRef idx="1">
+            <a:schemeClr val="accent1"/>
+          </a:lnRef>
+          <a:fillRef idx="0">
+            <a:schemeClr val="accent1"/>
+          </a:fillRef>
+          <a:effectRef idx="0">
+            <a:schemeClr val="accent1"/>
+          </a:effectRef>
+          <a:fontRef idx="minor">
+            <a:schemeClr val="tx1"/>
+          </a:fontRef>
+        </p:style>
+      </p:cxnSp>
+      <p:cxnSp>
+        <p:nvCxnSpPr>
+          <p:cNvPr id="9" name="Straight Connector 8"/>
+          <p:cNvCxnSpPr/>
+          <p:nvPr/>
+        </p:nvCxnSpPr>
+        <p:spPr>
+          <a:xfrm flipH="1">
+            <a:off x="7526959" y="1357162"/>
+            <a:ext cx="895148" cy="5168766"/>
+          </a:xfrm>
+          <a:prstGeom prst="line">
+            <a:avLst/>
+          </a:prstGeom>
+          <a:ln w="38100">
+            <a:solidFill>
+              <a:schemeClr val="accent2"/>
+            </a:solidFill>
+            <a:prstDash val="dash"/>
+          </a:ln>
+        </p:spPr>
+        <p:style>
+          <a:lnRef idx="1">
+            <a:schemeClr val="accent1"/>
+          </a:lnRef>
+          <a:fillRef idx="0">
+            <a:schemeClr val="accent1"/>
+          </a:fillRef>
+          <a:effectRef idx="0">
+            <a:schemeClr val="accent1"/>
+          </a:effectRef>
+          <a:fontRef idx="minor">
+            <a:schemeClr val="tx1"/>
+          </a:fontRef>
+        </p:style>
+      </p:cxnSp>
+    </p:spTree>
+    <p:extLst>
+      <p:ext uri="{BB962C8B-B14F-4D97-AF65-F5344CB8AC3E}">
+        <p14:creationId xmlns:p14="http://schemas.microsoft.com/office/powerpoint/2010/main" val="321692198"/>
+      </p:ext>
+    </p:extLst>
+  </p:cSld>
+  <p:clrMapOvr>
+    <a:masterClrMapping/>
+  </p:clrMapOvr>
+</p:sld>
+</file>
+
+<file path=ppt/slides/slide15.xml><?xml version="1.0" encoding="utf-8"?>
+<p:sld xmlns:a="http://schemas.openxmlformats.org/drawingml/2006/main" xmlns:r="http://schemas.openxmlformats.org/officeDocument/2006/relationships" xmlns:p="http://schemas.openxmlformats.org/presentationml/2006/main">
+  <p:cSld>
+    <p:spTree>
+      <p:nvGrpSpPr>
+        <p:cNvPr id="1" name=""/>
+        <p:cNvGrpSpPr/>
+        <p:nvPr/>
+      </p:nvGrpSpPr>
+      <p:grpSpPr>
+        <a:xfrm>
+          <a:off x="0" y="0"/>
+          <a:ext cx="0" cy="0"/>
+          <a:chOff x="0" y="0"/>
+          <a:chExt cx="0" cy="0"/>
+        </a:xfrm>
+      </p:grpSpPr>
+      <p:sp>
+        <p:nvSpPr>
+          <p:cNvPr id="2" name="Title 1"/>
+          <p:cNvSpPr>
+            <a:spLocks noGrp="1"/>
+          </p:cNvSpPr>
+          <p:nvPr>
+            <p:ph type="title"/>
+          </p:nvPr>
+        </p:nvSpPr>
+        <p:spPr/>
+        <p:txBody>
+          <a:bodyPr/>
+          <a:lstStyle/>
+          <a:p>
+            <a:r>
+              <a:rPr lang="en-US" dirty="0" smtClean="0"/>
+              <a:t>Exploratory Factor Analysis (EFA)</a:t>
+            </a:r>
+            <a:endParaRPr lang="en-US" dirty="0"/>
+          </a:p>
+        </p:txBody>
+      </p:sp>
+      <p:sp>
+        <p:nvSpPr>
+          <p:cNvPr id="3" name="Content Placeholder 2"/>
+          <p:cNvSpPr>
+            <a:spLocks noGrp="1"/>
+          </p:cNvSpPr>
+          <p:nvPr>
+            <p:ph idx="1"/>
+          </p:nvPr>
+        </p:nvSpPr>
+        <p:spPr/>
+        <p:txBody>
+          <a:bodyPr>
+            <a:normAutofit/>
+          </a:bodyPr>
+          <a:lstStyle/>
+          <a:p>
+            <a:r>
+              <a:rPr lang="en-US" dirty="0" smtClean="0"/>
+              <a:t>Oblique factor rotation</a:t>
+            </a:r>
+            <a:endParaRPr lang="en-US" dirty="0"/>
+          </a:p>
+        </p:txBody>
+      </p:sp>
+      <p:pic>
+        <p:nvPicPr>
+          <p:cNvPr id="5" name="Picture 4"/>
+          <p:cNvPicPr>
+            <a:picLocks noChangeAspect="1"/>
+          </p:cNvPicPr>
+          <p:nvPr/>
+        </p:nvPicPr>
+        <p:blipFill>
+          <a:blip r:embed="rId2">
+            <a:extLst>
+              <a:ext uri="{28A0092B-C50C-407E-A947-70E740481C1C}">
+                <a14:useLocalDpi xmlns:a14="http://schemas.microsoft.com/office/drawing/2010/main" val="0"/>
+              </a:ext>
+            </a:extLst>
+          </a:blip>
+          <a:stretch>
+            <a:fillRect/>
+          </a:stretch>
+        </p:blipFill>
+        <p:spPr>
+          <a:xfrm>
+            <a:off x="4721052" y="1715837"/>
+            <a:ext cx="6185070" cy="4721726"/>
+          </a:xfrm>
+          <a:prstGeom prst="rect">
+            <a:avLst/>
+          </a:prstGeom>
+        </p:spPr>
+      </p:pic>
+      <p:pic>
+        <p:nvPicPr>
+          <p:cNvPr id="4" name="Picture 3"/>
+          <p:cNvPicPr>
+            <a:picLocks noChangeAspect="1"/>
+          </p:cNvPicPr>
+          <p:nvPr/>
+        </p:nvPicPr>
+        <p:blipFill>
+          <a:blip r:embed="rId3">
+            <a:extLst>
+              <a:ext uri="{28A0092B-C50C-407E-A947-70E740481C1C}">
+                <a14:useLocalDpi xmlns:a14="http://schemas.microsoft.com/office/drawing/2010/main" val="0"/>
+              </a:ext>
+            </a:extLst>
+          </a:blip>
+          <a:stretch>
+            <a:fillRect/>
+          </a:stretch>
+        </p:blipFill>
+        <p:spPr>
+          <a:xfrm>
+            <a:off x="1830003" y="2501633"/>
+            <a:ext cx="1435100" cy="2413000"/>
+          </a:xfrm>
+          <a:prstGeom prst="rect">
+            <a:avLst/>
+          </a:prstGeom>
+        </p:spPr>
+      </p:pic>
+      <p:pic>
+        <p:nvPicPr>
+          <p:cNvPr id="6" name="Picture 5"/>
+          <p:cNvPicPr>
+            <a:picLocks noChangeAspect="1"/>
+          </p:cNvPicPr>
+          <p:nvPr/>
+        </p:nvPicPr>
+        <p:blipFill>
+          <a:blip r:embed="rId4">
+            <a:extLst>
+              <a:ext uri="{28A0092B-C50C-407E-A947-70E740481C1C}">
+                <a14:useLocalDpi xmlns:a14="http://schemas.microsoft.com/office/drawing/2010/main" val="0"/>
+              </a:ext>
+            </a:extLst>
+          </a:blip>
+          <a:stretch>
+            <a:fillRect/>
+          </a:stretch>
+        </p:blipFill>
+        <p:spPr>
+          <a:xfrm>
+            <a:off x="1156903" y="5219833"/>
+            <a:ext cx="2781300" cy="977900"/>
+          </a:xfrm>
+          <a:prstGeom prst="rect">
+            <a:avLst/>
+          </a:prstGeom>
+        </p:spPr>
+      </p:pic>
+    </p:spTree>
+    <p:extLst>
+      <p:ext uri="{BB962C8B-B14F-4D97-AF65-F5344CB8AC3E}">
+        <p14:creationId xmlns:p14="http://schemas.microsoft.com/office/powerpoint/2010/main" val="108633756"/>
+      </p:ext>
+    </p:extLst>
+  </p:cSld>
+  <p:clrMapOvr>
+    <a:masterClrMapping/>
+  </p:clrMapOvr>
+</p:sld>
+</file>
+
+<file path=ppt/slides/slide16.xml><?xml version="1.0" encoding="utf-8"?>
+<p:sld xmlns:a="http://schemas.openxmlformats.org/drawingml/2006/main" xmlns:r="http://schemas.openxmlformats.org/officeDocument/2006/relationships" xmlns:p="http://schemas.openxmlformats.org/presentationml/2006/main">
+  <p:cSld>
+    <p:spTree>
+      <p:nvGrpSpPr>
+        <p:cNvPr id="1" name=""/>
+        <p:cNvGrpSpPr/>
+        <p:nvPr/>
+      </p:nvGrpSpPr>
+      <p:grpSpPr>
+        <a:xfrm>
+          <a:off x="0" y="0"/>
+          <a:ext cx="0" cy="0"/>
+          <a:chOff x="0" y="0"/>
+          <a:chExt cx="0" cy="0"/>
+        </a:xfrm>
+      </p:grpSpPr>
+      <p:sp>
+        <p:nvSpPr>
+          <p:cNvPr id="2" name="Title 1"/>
+          <p:cNvSpPr>
+            <a:spLocks noGrp="1"/>
+          </p:cNvSpPr>
+          <p:nvPr>
+            <p:ph type="title"/>
+          </p:nvPr>
+        </p:nvSpPr>
+        <p:spPr/>
+        <p:txBody>
+          <a:bodyPr/>
+          <a:lstStyle/>
+          <a:p>
+            <a:r>
+              <a:rPr lang="en-US" dirty="0" smtClean="0"/>
+              <a:t>Exploratory Factor Analysis (EFA)</a:t>
+            </a:r>
+            <a:endParaRPr lang="en-US" dirty="0"/>
+          </a:p>
+        </p:txBody>
+      </p:sp>
+      <p:sp>
+        <p:nvSpPr>
+          <p:cNvPr id="3" name="Content Placeholder 2"/>
+          <p:cNvSpPr>
+            <a:spLocks noGrp="1"/>
+          </p:cNvSpPr>
+          <p:nvPr>
+            <p:ph idx="1"/>
+          </p:nvPr>
+        </p:nvSpPr>
+        <p:spPr/>
+        <p:txBody>
+          <a:bodyPr>
+            <a:normAutofit/>
+          </a:bodyPr>
+          <a:lstStyle/>
+          <a:p>
+            <a:r>
+              <a:rPr lang="en-US" dirty="0" smtClean="0"/>
+              <a:t>We will use the psych package</a:t>
+            </a:r>
+          </a:p>
+          <a:p>
+            <a:endParaRPr lang="en-US" dirty="0"/>
+          </a:p>
+        </p:txBody>
+      </p:sp>
+      <p:graphicFrame>
+        <p:nvGraphicFramePr>
+          <p:cNvPr id="4" name="Content Placeholder 3"/>
+          <p:cNvGraphicFramePr>
+            <a:graphicFrameLocks/>
+          </p:cNvGraphicFramePr>
+          <p:nvPr>
+            <p:extLst>
+              <p:ext uri="{D42A27DB-BD31-4B8C-83A1-F6EECF244321}">
+                <p14:modId xmlns:p14="http://schemas.microsoft.com/office/powerpoint/2010/main" val="942621839"/>
+              </p:ext>
+            </p:extLst>
+          </p:nvPr>
+        </p:nvGraphicFramePr>
+        <p:xfrm>
+          <a:off x="2058468" y="3185444"/>
+          <a:ext cx="8041934" cy="1782512"/>
+        </p:xfrm>
+        <a:graphic>
+          <a:graphicData uri="http://schemas.openxmlformats.org/drawingml/2006/table">
+            <a:tbl>
+              <a:tblPr firstRow="1" bandRow="1">
+                <a:tableStyleId>{5C22544A-7EE6-4342-B048-85BDC9FD1C3A}</a:tableStyleId>
+              </a:tblPr>
+              <a:tblGrid>
+                <a:gridCol w="4419894"/>
+                <a:gridCol w="3622040"/>
+              </a:tblGrid>
+              <a:tr h="589280">
+                <a:tc>
+                  <a:txBody>
+                    <a:bodyPr/>
+                    <a:lstStyle/>
+                    <a:p>
+                      <a:pPr algn="ctr"/>
+                      <a:r>
+                        <a:rPr lang="en-US" sz="2800" dirty="0" smtClean="0">
+                          <a:solidFill>
+                            <a:schemeClr val="bg1"/>
+                          </a:solidFill>
+                        </a:rPr>
+                        <a:t>Inference Test</a:t>
+                      </a:r>
+                      <a:endParaRPr lang="en-US" sz="2800" dirty="0">
+                        <a:solidFill>
+                          <a:schemeClr val="bg1"/>
+                        </a:solidFill>
+                      </a:endParaRPr>
+                    </a:p>
+                  </a:txBody>
+                  <a:tcPr anchor="b">
+                    <a:lnL w="12700" cmpd="sng">
+                      <a:noFill/>
+                    </a:lnL>
+                    <a:lnR w="12700" cap="flat" cmpd="sng" algn="ctr">
+                      <a:noFill/>
+                      <a:prstDash val="solid"/>
+                      <a:round/>
+                      <a:headEnd type="none" w="med" len="med"/>
+                      <a:tailEnd type="none" w="med" len="med"/>
+                    </a:lnR>
+                    <a:lnT w="38100" cmpd="sng">
+                      <a:noFill/>
+                    </a:lnT>
+                    <a:lnB w="12700" cmpd="sng">
+                      <a:noFill/>
+                    </a:lnB>
+                    <a:lnTlToBr w="12700" cmpd="sng">
+                      <a:noFill/>
+                      <a:prstDash val="solid"/>
+                    </a:lnTlToBr>
+                    <a:lnBlToTr w="12700" cmpd="sng">
+                      <a:noFill/>
+                      <a:prstDash val="solid"/>
+                    </a:lnBlToTr>
+                    <a:solidFill>
+                      <a:schemeClr val="accent1"/>
+                    </a:solidFill>
+                  </a:tcPr>
+                </a:tc>
+                <a:tc>
+                  <a:txBody>
+                    <a:bodyPr/>
+                    <a:lstStyle/>
+                    <a:p>
+                      <a:pPr algn="ctr"/>
+                      <a:r>
+                        <a:rPr lang="en-US" sz="2800" dirty="0" smtClean="0">
+                          <a:solidFill>
+                            <a:schemeClr val="bg1"/>
+                          </a:solidFill>
+                        </a:rPr>
+                        <a:t>R function</a:t>
+                      </a:r>
+                      <a:endParaRPr lang="en-US" sz="2800" dirty="0">
+                        <a:solidFill>
+                          <a:schemeClr val="bg1"/>
+                        </a:solidFill>
+                      </a:endParaRPr>
+                    </a:p>
+                  </a:txBody>
+                  <a:tcPr anchor="b">
+                    <a:lnL w="12700" cmpd="sng">
+                      <a:noFill/>
+                    </a:lnL>
+                    <a:lnR w="12700" cap="flat" cmpd="sng" algn="ctr">
+                      <a:noFill/>
+                      <a:prstDash val="solid"/>
+                      <a:round/>
+                      <a:headEnd type="none" w="med" len="med"/>
+                      <a:tailEnd type="none" w="med" len="med"/>
+                    </a:lnR>
+                    <a:lnT w="38100" cmpd="sng">
+                      <a:noFill/>
+                    </a:lnT>
+                    <a:lnB w="12700" cmpd="sng">
+                      <a:noFill/>
+                    </a:lnB>
+                    <a:lnTlToBr w="12700" cmpd="sng">
+                      <a:noFill/>
+                      <a:prstDash val="solid"/>
+                    </a:lnTlToBr>
+                    <a:lnBlToTr w="12700" cmpd="sng">
+                      <a:noFill/>
+                      <a:prstDash val="solid"/>
+                    </a:lnBlToTr>
+                    <a:solidFill>
+                      <a:schemeClr val="accent1"/>
+                    </a:solidFill>
+                  </a:tcPr>
+                </a:tc>
+              </a:tr>
+              <a:tr h="596616">
+                <a:tc>
+                  <a:txBody>
+                    <a:bodyPr/>
+                    <a:lstStyle/>
+                    <a:p>
+                      <a:pPr algn="ctr"/>
+                      <a:r>
+                        <a:rPr lang="en-US" sz="2400" dirty="0" smtClean="0"/>
+                        <a:t>Factor Analysis</a:t>
+                      </a:r>
+                      <a:endParaRPr lang="en-US" sz="2000" dirty="0"/>
+                    </a:p>
+                  </a:txBody>
+                  <a:tcPr anchor="ctr">
+                    <a:lnL w="12700" cmpd="sng">
+                      <a:noFill/>
+                    </a:lnL>
+                    <a:lnR w="12700" cap="flat" cmpd="sng" algn="ctr">
+                      <a:noFill/>
+                      <a:prstDash val="solid"/>
+                      <a:round/>
+                      <a:headEnd type="none" w="med" len="med"/>
+                      <a:tailEnd type="none" w="med" len="med"/>
+                    </a:lnR>
+                    <a:lnT w="12700" cmpd="sng">
+                      <a:noFill/>
+                    </a:lnT>
+                    <a:lnB w="12700" cmpd="sng">
+                      <a:noFill/>
+                    </a:lnB>
+                    <a:lnTlToBr w="12700" cmpd="sng">
+                      <a:noFill/>
+                      <a:prstDash val="solid"/>
+                    </a:lnTlToBr>
+                    <a:lnBlToTr w="12700" cmpd="sng">
+                      <a:noFill/>
+                      <a:prstDash val="solid"/>
+                    </a:lnBlToTr>
+                  </a:tcPr>
+                </a:tc>
+                <a:tc>
+                  <a:txBody>
+                    <a:bodyPr/>
+                    <a:lstStyle/>
+                    <a:p>
+                      <a:pPr algn="ctr"/>
+                      <a:r>
+                        <a:rPr lang="en-US" sz="2400" dirty="0" smtClean="0"/>
+                        <a:t>fa()</a:t>
+                      </a:r>
+                      <a:endParaRPr lang="en-US" sz="2400" dirty="0"/>
+                    </a:p>
+                  </a:txBody>
+                  <a:tcPr anchor="ctr">
+                    <a:lnL w="12700" cmpd="sng">
+                      <a:noFill/>
+                    </a:lnL>
+                    <a:lnR w="12700" cap="flat" cmpd="sng" algn="ctr">
+                      <a:noFill/>
+                      <a:prstDash val="solid"/>
+                      <a:round/>
+                      <a:headEnd type="none" w="med" len="med"/>
+                      <a:tailEnd type="none" w="med" len="med"/>
+                    </a:lnR>
+                    <a:lnT w="12700" cmpd="sng">
+                      <a:noFill/>
+                    </a:lnT>
+                    <a:lnB w="12700" cmpd="sng">
+                      <a:noFill/>
+                    </a:lnB>
+                    <a:lnTlToBr w="12700" cmpd="sng">
+                      <a:noFill/>
+                      <a:prstDash val="solid"/>
+                    </a:lnTlToBr>
+                    <a:lnBlToTr w="12700" cmpd="sng">
+                      <a:noFill/>
+                      <a:prstDash val="solid"/>
+                    </a:lnBlToTr>
+                  </a:tcPr>
+                </a:tc>
+              </a:tr>
+              <a:tr h="596616">
+                <a:tc>
+                  <a:txBody>
+                    <a:bodyPr/>
+                    <a:lstStyle/>
+                    <a:p>
+                      <a:pPr algn="ctr"/>
+                      <a:r>
+                        <a:rPr lang="en-US" sz="2400" dirty="0" smtClean="0"/>
+                        <a:t>Principal Component Analysis</a:t>
+                      </a:r>
+                      <a:endParaRPr lang="en-US" sz="2400" dirty="0"/>
+                    </a:p>
+                  </a:txBody>
+                  <a:tcPr anchor="ctr">
+                    <a:lnL w="12700" cmpd="sng">
+                      <a:noFill/>
+                    </a:lnL>
+                    <a:lnR w="12700" cap="flat" cmpd="sng" algn="ctr">
+                      <a:noFill/>
+                      <a:prstDash val="solid"/>
+                      <a:round/>
+                      <a:headEnd type="none" w="med" len="med"/>
+                      <a:tailEnd type="none" w="med" len="med"/>
+                    </a:lnR>
+                    <a:lnT w="12700" cmpd="sng">
+                      <a:noFill/>
+                    </a:lnT>
+                    <a:lnB w="12700" cmpd="sng">
+                      <a:noFill/>
+                    </a:lnB>
+                    <a:lnTlToBr w="12700" cmpd="sng">
+                      <a:noFill/>
+                      <a:prstDash val="solid"/>
+                    </a:lnTlToBr>
+                    <a:lnBlToTr w="12700" cmpd="sng">
+                      <a:noFill/>
+                      <a:prstDash val="solid"/>
+                    </a:lnBlToTr>
+                  </a:tcPr>
+                </a:tc>
+                <a:tc>
+                  <a:txBody>
+                    <a:bodyPr/>
+                    <a:lstStyle/>
+                    <a:p>
+                      <a:pPr algn="ctr"/>
+                      <a:r>
+                        <a:rPr lang="en-US" sz="2400" dirty="0" smtClean="0"/>
+                        <a:t>principal()</a:t>
+                      </a:r>
+                      <a:endParaRPr lang="en-US" sz="2400" dirty="0"/>
+                    </a:p>
+                  </a:txBody>
+                  <a:tcPr anchor="ctr">
+                    <a:lnL w="12700" cmpd="sng">
+                      <a:noFill/>
+                    </a:lnL>
+                    <a:lnR w="12700" cap="flat" cmpd="sng" algn="ctr">
+                      <a:noFill/>
+                      <a:prstDash val="solid"/>
+                      <a:round/>
+                      <a:headEnd type="none" w="med" len="med"/>
+                      <a:tailEnd type="none" w="med" len="med"/>
+                    </a:lnR>
+                    <a:lnT w="12700" cmpd="sng">
+                      <a:noFill/>
+                    </a:lnT>
+                    <a:lnB w="12700" cmpd="sng">
+                      <a:noFill/>
+                    </a:lnB>
+                    <a:lnTlToBr w="12700" cmpd="sng">
+                      <a:noFill/>
+                      <a:prstDash val="solid"/>
+                    </a:lnTlToBr>
+                    <a:lnBlToTr w="12700" cmpd="sng">
+                      <a:noFill/>
+                      <a:prstDash val="solid"/>
+                    </a:lnBlToTr>
+                  </a:tcPr>
+                </a:tc>
+              </a:tr>
+            </a:tbl>
+          </a:graphicData>
+        </a:graphic>
+      </p:graphicFrame>
+    </p:spTree>
+    <p:extLst>
+      <p:ext uri="{BB962C8B-B14F-4D97-AF65-F5344CB8AC3E}">
+        <p14:creationId xmlns:p14="http://schemas.microsoft.com/office/powerpoint/2010/main" val="510485892"/>
+      </p:ext>
+    </p:extLst>
+  </p:cSld>
+  <p:clrMapOvr>
+    <a:masterClrMapping/>
+  </p:clrMapOvr>
+</p:sld>
+</file>
+
+<file path=ppt/slides/slide17.xml><?xml version="1.0" encoding="utf-8"?>
+<p:sld xmlns:a="http://schemas.openxmlformats.org/drawingml/2006/main" xmlns:r="http://schemas.openxmlformats.org/officeDocument/2006/relationships" xmlns:p="http://schemas.openxmlformats.org/presentationml/2006/main">
+  <p:cSld>
+    <p:spTree>
+      <p:nvGrpSpPr>
+        <p:cNvPr id="1" name=""/>
+        <p:cNvGrpSpPr/>
+        <p:nvPr/>
+      </p:nvGrpSpPr>
+      <p:grpSpPr>
+        <a:xfrm>
+          <a:off x="0" y="0"/>
+          <a:ext cx="0" cy="0"/>
+          <a:chOff x="0" y="0"/>
+          <a:chExt cx="0" cy="0"/>
+        </a:xfrm>
+      </p:grpSpPr>
+      <p:sp>
+        <p:nvSpPr>
+          <p:cNvPr id="2" name="Title 1"/>
+          <p:cNvSpPr>
+            <a:spLocks noGrp="1"/>
+          </p:cNvSpPr>
+          <p:nvPr>
+            <p:ph type="title"/>
+          </p:nvPr>
+        </p:nvSpPr>
+        <p:spPr/>
+        <p:txBody>
+          <a:bodyPr/>
+          <a:lstStyle/>
+          <a:p>
+            <a:pPr>
+              <a:lnSpc>
+                <a:spcPct val="120000"/>
+              </a:lnSpc>
+              <a:spcBef>
+                <a:spcPts val="0"/>
+              </a:spcBef>
+            </a:pPr>
+            <a:r>
+              <a:rPr lang="en-US" dirty="0" smtClean="0"/>
+              <a:t>R Markdown file</a:t>
+            </a:r>
+            <a:endParaRPr lang="en-US" dirty="0"/>
+          </a:p>
+        </p:txBody>
+      </p:sp>
+      <p:sp>
+        <p:nvSpPr>
+          <p:cNvPr id="4" name="Text Placeholder 3"/>
+          <p:cNvSpPr>
+            <a:spLocks noGrp="1"/>
+          </p:cNvSpPr>
+          <p:nvPr>
+            <p:ph type="body" idx="1"/>
+          </p:nvPr>
+        </p:nvSpPr>
+        <p:spPr/>
+        <p:txBody>
+          <a:bodyPr/>
+          <a:lstStyle/>
+          <a:p>
+            <a:endParaRPr lang="en-US"/>
+          </a:p>
+        </p:txBody>
+      </p:sp>
+    </p:spTree>
+    <p:extLst>
+      <p:ext uri="{BB962C8B-B14F-4D97-AF65-F5344CB8AC3E}">
+        <p14:creationId xmlns:p14="http://schemas.microsoft.com/office/powerpoint/2010/main" val="658384154"/>
+      </p:ext>
+    </p:extLst>
+  </p:cSld>
+  <p:clrMapOvr>
+    <a:masterClrMapping/>
+  </p:clrMapOvr>
+</p:sld>
+</file>
+
+<file path=ppt/slides/slide18.xml><?xml version="1.0" encoding="utf-8"?>
+<p:sld xmlns:a="http://schemas.openxmlformats.org/drawingml/2006/main" xmlns:r="http://schemas.openxmlformats.org/officeDocument/2006/relationships" xmlns:p="http://schemas.openxmlformats.org/presentationml/2006/main">
+  <p:cSld>
+    <p:spTree>
+      <p:nvGrpSpPr>
+        <p:cNvPr id="1" name=""/>
+        <p:cNvGrpSpPr/>
+        <p:nvPr/>
+      </p:nvGrpSpPr>
+      <p:grpSpPr>
+        <a:xfrm>
+          <a:off x="0" y="0"/>
+          <a:ext cx="0" cy="0"/>
+          <a:chOff x="0" y="0"/>
+          <a:chExt cx="0" cy="0"/>
+        </a:xfrm>
+      </p:grpSpPr>
+      <p:sp>
+        <p:nvSpPr>
+          <p:cNvPr id="2" name="Title 1"/>
+          <p:cNvSpPr>
+            <a:spLocks noGrp="1"/>
+          </p:cNvSpPr>
+          <p:nvPr>
+            <p:ph type="title"/>
+          </p:nvPr>
+        </p:nvSpPr>
+        <p:spPr/>
+        <p:txBody>
+          <a:bodyPr/>
+          <a:lstStyle/>
+          <a:p>
+            <a:r>
+              <a:rPr lang="en-US" dirty="0" smtClean="0"/>
               <a:t>Confirmatory Factor Analysis (CFA)</a:t>
             </a:r>
             <a:endParaRPr lang="en-US" dirty="0"/>
@@ -4325,7 +5829,7 @@
 </p:sld>
 </file>
 
-<file path=ppt/slides/slide11.xml><?xml version="1.0" encoding="utf-8"?>
+<file path=ppt/slides/slide19.xml><?xml version="1.0" encoding="utf-8"?>
 <p:sld xmlns:a="http://schemas.openxmlformats.org/drawingml/2006/main" xmlns:r="http://schemas.openxmlformats.org/officeDocument/2006/relationships" xmlns:p="http://schemas.openxmlformats.org/presentationml/2006/main">
   <p:cSld>
     <p:spTree>
@@ -4592,7 +6096,7 @@
 </p:sld>
 </file>
 
-<file path=ppt/slides/slide12.xml><?xml version="1.0" encoding="utf-8"?>
+<file path=ppt/slides/slide2.xml><?xml version="1.0" encoding="utf-8"?>
 <p:sld xmlns:a="http://schemas.openxmlformats.org/drawingml/2006/main" xmlns:r="http://schemas.openxmlformats.org/officeDocument/2006/relationships" xmlns:p="http://schemas.openxmlformats.org/presentationml/2006/main">
   <p:cSld>
     <p:spTree>
@@ -4611,6 +6115,148 @@
       </p:grpSpPr>
       <p:sp>
         <p:nvSpPr>
+          <p:cNvPr id="4" name="Title 3"/>
+          <p:cNvSpPr>
+            <a:spLocks noGrp="1"/>
+          </p:cNvSpPr>
+          <p:nvPr>
+            <p:ph type="title"/>
+          </p:nvPr>
+        </p:nvSpPr>
+        <p:spPr/>
+        <p:txBody>
+          <a:bodyPr/>
+          <a:lstStyle/>
+          <a:p>
+            <a:r>
+              <a:rPr lang="en-US" dirty="0" smtClean="0"/>
+              <a:t>Day 2</a:t>
+            </a:r>
+            <a:endParaRPr lang="en-US" dirty="0"/>
+          </a:p>
+        </p:txBody>
+      </p:sp>
+      <p:sp>
+        <p:nvSpPr>
+          <p:cNvPr id="5" name="Text Placeholder 4"/>
+          <p:cNvSpPr>
+            <a:spLocks noGrp="1"/>
+          </p:cNvSpPr>
+          <p:nvPr>
+            <p:ph type="body" idx="1"/>
+          </p:nvPr>
+        </p:nvSpPr>
+        <p:spPr/>
+        <p:txBody>
+          <a:bodyPr>
+            <a:normAutofit fontScale="92500" lnSpcReduction="20000"/>
+          </a:bodyPr>
+          <a:lstStyle/>
+          <a:p>
+            <a:pPr marL="342900" indent="-342900" algn="l">
+              <a:lnSpc>
+                <a:spcPct val="120000"/>
+              </a:lnSpc>
+              <a:spcBef>
+                <a:spcPts val="0"/>
+              </a:spcBef>
+              <a:buFont typeface="Arial" panose="020B0604020202020204" pitchFamily="34" charset="0"/>
+              <a:buChar char="•"/>
+            </a:pPr>
+            <a:r>
+              <a:rPr lang="en-US" dirty="0" smtClean="0"/>
+              <a:t>ANOVA and regression</a:t>
+            </a:r>
+          </a:p>
+          <a:p>
+            <a:pPr marL="342900" indent="-342900" algn="l">
+              <a:lnSpc>
+                <a:spcPct val="120000"/>
+              </a:lnSpc>
+              <a:spcBef>
+                <a:spcPts val="0"/>
+              </a:spcBef>
+              <a:buFont typeface="Arial" panose="020B0604020202020204" pitchFamily="34" charset="0"/>
+              <a:buChar char="•"/>
+            </a:pPr>
+            <a:r>
+              <a:rPr lang="en-US" dirty="0" smtClean="0"/>
+              <a:t>Preparing APA style manuscripts</a:t>
+            </a:r>
+          </a:p>
+          <a:p>
+            <a:pPr marL="342900" indent="-342900" algn="l">
+              <a:lnSpc>
+                <a:spcPct val="120000"/>
+              </a:lnSpc>
+              <a:spcBef>
+                <a:spcPts val="0"/>
+              </a:spcBef>
+              <a:buFont typeface="Arial" panose="020B0604020202020204" pitchFamily="34" charset="0"/>
+              <a:buChar char="•"/>
+            </a:pPr>
+            <a:r>
+              <a:rPr lang="en-US" dirty="0" smtClean="0"/>
+              <a:t>Exploratory Factor Analysis (EFA) and Confirmatory Factor Analysis (CFA)</a:t>
+            </a:r>
+          </a:p>
+          <a:p>
+            <a:pPr marL="342900" indent="-342900" algn="l">
+              <a:lnSpc>
+                <a:spcPct val="120000"/>
+              </a:lnSpc>
+              <a:spcBef>
+                <a:spcPts val="0"/>
+              </a:spcBef>
+              <a:buFont typeface="Arial" panose="020B0604020202020204" pitchFamily="34" charset="0"/>
+              <a:buChar char="•"/>
+            </a:pPr>
+            <a:r>
+              <a:rPr lang="en-US" dirty="0" smtClean="0"/>
+              <a:t>Path Analysis and SEM</a:t>
+            </a:r>
+          </a:p>
+        </p:txBody>
+      </p:sp>
+    </p:spTree>
+    <p:extLst>
+      <p:ext uri="{BB962C8B-B14F-4D97-AF65-F5344CB8AC3E}">
+        <p14:creationId xmlns:p14="http://schemas.microsoft.com/office/powerpoint/2010/main" val="2138594110"/>
+      </p:ext>
+    </p:extLst>
+  </p:cSld>
+  <p:clrMapOvr>
+    <a:masterClrMapping/>
+  </p:clrMapOvr>
+  <p:timing>
+    <p:tnLst>
+      <p:par>
+        <p:cTn id="1" dur="indefinite" restart="never" nodeType="tmRoot"/>
+      </p:par>
+    </p:tnLst>
+  </p:timing>
+</p:sld>
+</file>
+
+<file path=ppt/slides/slide20.xml><?xml version="1.0" encoding="utf-8"?>
+<p:sld xmlns:a="http://schemas.openxmlformats.org/drawingml/2006/main" xmlns:r="http://schemas.openxmlformats.org/officeDocument/2006/relationships" xmlns:p="http://schemas.openxmlformats.org/presentationml/2006/main">
+  <p:cSld>
+    <p:spTree>
+      <p:nvGrpSpPr>
+        <p:cNvPr id="1" name=""/>
+        <p:cNvGrpSpPr/>
+        <p:nvPr/>
+      </p:nvGrpSpPr>
+      <p:grpSpPr>
+        <a:xfrm>
+          <a:off x="0" y="0"/>
+          <a:ext cx="0" cy="0"/>
+          <a:chOff x="0" y="0"/>
+          <a:chExt cx="0" cy="0"/>
+        </a:xfrm>
+      </p:grpSpPr>
+      <p:sp>
+        <p:nvSpPr>
           <p:cNvPr id="2" name="Title 1"/>
           <p:cNvSpPr>
             <a:spLocks noGrp="1"/>
@@ -4760,7 +6406,7 @@
 </p:sld>
 </file>
 
-<file path=ppt/slides/slide13.xml><?xml version="1.0" encoding="utf-8"?>
+<file path=ppt/slides/slide21.xml><?xml version="1.0" encoding="utf-8"?>
 <p:sld xmlns:a="http://schemas.openxmlformats.org/drawingml/2006/main" xmlns:r="http://schemas.openxmlformats.org/officeDocument/2006/relationships" xmlns:p="http://schemas.openxmlformats.org/presentationml/2006/main">
   <p:cSld>
     <p:spTree>
@@ -4880,7 +6526,7 @@
 </p:sld>
 </file>
 
-<file path=ppt/slides/slide14.xml><?xml version="1.0" encoding="utf-8"?>
+<file path=ppt/slides/slide22.xml><?xml version="1.0" encoding="utf-8"?>
 <p:sld xmlns:a="http://schemas.openxmlformats.org/drawingml/2006/main" xmlns:r="http://schemas.openxmlformats.org/officeDocument/2006/relationships" xmlns:p="http://schemas.openxmlformats.org/presentationml/2006/main">
   <p:cSld>
     <p:spTree>
@@ -5000,7 +6646,7 @@
 </p:sld>
 </file>
 
-<file path=ppt/slides/slide15.xml><?xml version="1.0" encoding="utf-8"?>
+<file path=ppt/slides/slide23.xml><?xml version="1.0" encoding="utf-8"?>
 <p:sld xmlns:a="http://schemas.openxmlformats.org/drawingml/2006/main" xmlns:r="http://schemas.openxmlformats.org/officeDocument/2006/relationships" xmlns:p="http://schemas.openxmlformats.org/presentationml/2006/main">
   <p:cSld>
     <p:spTree>
@@ -5228,7 +6874,7 @@
 </p:sld>
 </file>
 
-<file path=ppt/slides/slide16.xml><?xml version="1.0" encoding="utf-8"?>
+<file path=ppt/slides/slide24.xml><?xml version="1.0" encoding="utf-8"?>
 <p:sld xmlns:a="http://schemas.openxmlformats.org/drawingml/2006/main" xmlns:r="http://schemas.openxmlformats.org/officeDocument/2006/relationships" xmlns:p="http://schemas.openxmlformats.org/presentationml/2006/main">
   <p:cSld>
     <p:spTree>
@@ -5300,7 +6946,7 @@
 </p:sld>
 </file>
 
-<file path=ppt/slides/slide17.xml><?xml version="1.0" encoding="utf-8"?>
+<file path=ppt/slides/slide25.xml><?xml version="1.0" encoding="utf-8"?>
 <p:sld xmlns:a="http://schemas.openxmlformats.org/drawingml/2006/main" xmlns:r="http://schemas.openxmlformats.org/officeDocument/2006/relationships" xmlns:p="http://schemas.openxmlformats.org/presentationml/2006/main">
   <p:cSld>
     <p:spTree>
@@ -5377,148 +7023,6 @@
   <p:clrMapOvr>
     <a:masterClrMapping/>
   </p:clrMapOvr>
-</p:sld>
-</file>
-
-<file path=ppt/slides/slide2.xml><?xml version="1.0" encoding="utf-8"?>
-<p:sld xmlns:a="http://schemas.openxmlformats.org/drawingml/2006/main" xmlns:r="http://schemas.openxmlformats.org/officeDocument/2006/relationships" xmlns:p="http://schemas.openxmlformats.org/presentationml/2006/main">
-  <p:cSld>
-    <p:spTree>
-      <p:nvGrpSpPr>
-        <p:cNvPr id="1" name=""/>
-        <p:cNvGrpSpPr/>
-        <p:nvPr/>
-      </p:nvGrpSpPr>
-      <p:grpSpPr>
-        <a:xfrm>
-          <a:off x="0" y="0"/>
-          <a:ext cx="0" cy="0"/>
-          <a:chOff x="0" y="0"/>
-          <a:chExt cx="0" cy="0"/>
-        </a:xfrm>
-      </p:grpSpPr>
-      <p:sp>
-        <p:nvSpPr>
-          <p:cNvPr id="4" name="Title 3"/>
-          <p:cNvSpPr>
-            <a:spLocks noGrp="1"/>
-          </p:cNvSpPr>
-          <p:nvPr>
-            <p:ph type="title"/>
-          </p:nvPr>
-        </p:nvSpPr>
-        <p:spPr/>
-        <p:txBody>
-          <a:bodyPr/>
-          <a:lstStyle/>
-          <a:p>
-            <a:r>
-              <a:rPr lang="en-US" dirty="0" smtClean="0"/>
-              <a:t>Day 2</a:t>
-            </a:r>
-            <a:endParaRPr lang="en-US" dirty="0"/>
-          </a:p>
-        </p:txBody>
-      </p:sp>
-      <p:sp>
-        <p:nvSpPr>
-          <p:cNvPr id="5" name="Text Placeholder 4"/>
-          <p:cNvSpPr>
-            <a:spLocks noGrp="1"/>
-          </p:cNvSpPr>
-          <p:nvPr>
-            <p:ph type="body" idx="1"/>
-          </p:nvPr>
-        </p:nvSpPr>
-        <p:spPr/>
-        <p:txBody>
-          <a:bodyPr>
-            <a:normAutofit fontScale="92500" lnSpcReduction="20000"/>
-          </a:bodyPr>
-          <a:lstStyle/>
-          <a:p>
-            <a:pPr marL="342900" indent="-342900" algn="l">
-              <a:lnSpc>
-                <a:spcPct val="120000"/>
-              </a:lnSpc>
-              <a:spcBef>
-                <a:spcPts val="0"/>
-              </a:spcBef>
-              <a:buFont typeface="Arial" panose="020B0604020202020204" pitchFamily="34" charset="0"/>
-              <a:buChar char="•"/>
-            </a:pPr>
-            <a:r>
-              <a:rPr lang="en-US" dirty="0" smtClean="0"/>
-              <a:t>ANOVA and regression</a:t>
-            </a:r>
-          </a:p>
-          <a:p>
-            <a:pPr marL="342900" indent="-342900" algn="l">
-              <a:lnSpc>
-                <a:spcPct val="120000"/>
-              </a:lnSpc>
-              <a:spcBef>
-                <a:spcPts val="0"/>
-              </a:spcBef>
-              <a:buFont typeface="Arial" panose="020B0604020202020204" pitchFamily="34" charset="0"/>
-              <a:buChar char="•"/>
-            </a:pPr>
-            <a:r>
-              <a:rPr lang="en-US" dirty="0" smtClean="0"/>
-              <a:t>Preparing APA style manuscripts</a:t>
-            </a:r>
-          </a:p>
-          <a:p>
-            <a:pPr marL="342900" indent="-342900" algn="l">
-              <a:lnSpc>
-                <a:spcPct val="120000"/>
-              </a:lnSpc>
-              <a:spcBef>
-                <a:spcPts val="0"/>
-              </a:spcBef>
-              <a:buFont typeface="Arial" panose="020B0604020202020204" pitchFamily="34" charset="0"/>
-              <a:buChar char="•"/>
-            </a:pPr>
-            <a:r>
-              <a:rPr lang="en-US" dirty="0" smtClean="0"/>
-              <a:t>Exploratory Factor Analysis (EFA) and Confirmatory Factor Analysis (CFA)</a:t>
-            </a:r>
-          </a:p>
-          <a:p>
-            <a:pPr marL="342900" indent="-342900" algn="l">
-              <a:lnSpc>
-                <a:spcPct val="120000"/>
-              </a:lnSpc>
-              <a:spcBef>
-                <a:spcPts val="0"/>
-              </a:spcBef>
-              <a:buFont typeface="Arial" panose="020B0604020202020204" pitchFamily="34" charset="0"/>
-              <a:buChar char="•"/>
-            </a:pPr>
-            <a:r>
-              <a:rPr lang="en-US" dirty="0" smtClean="0"/>
-              <a:t>Path Analysis and SEM</a:t>
-            </a:r>
-          </a:p>
-        </p:txBody>
-      </p:sp>
-    </p:spTree>
-    <p:extLst>
-      <p:ext uri="{BB962C8B-B14F-4D97-AF65-F5344CB8AC3E}">
-        <p14:creationId xmlns:p14="http://schemas.microsoft.com/office/powerpoint/2010/main" val="2138594110"/>
-      </p:ext>
-    </p:extLst>
-  </p:cSld>
-  <p:clrMapOvr>
-    <a:masterClrMapping/>
-  </p:clrMapOvr>
-  <p:timing>
-    <p:tnLst>
-      <p:par>
-        <p:cTn id="1" dur="indefinite" restart="never" nodeType="tmRoot"/>
-      </p:par>
-    </p:tnLst>
-  </p:timing>
 </p:sld>
 </file>
 
@@ -7613,10 +9117,65 @@
         </p:nvSpPr>
         <p:spPr/>
         <p:txBody>
-          <a:bodyPr/>
+          <a:bodyPr>
+            <a:normAutofit/>
+          </a:bodyPr>
           <a:lstStyle/>
           <a:p>
-            <a:endParaRPr lang="en-US"/>
+            <a:r>
+              <a:rPr lang="en-US" dirty="0" smtClean="0"/>
+              <a:t>Often we want to be able to describe a relatively large number of </a:t>
+            </a:r>
+            <a:r>
+              <a:rPr lang="en-US" b="1" dirty="0" smtClean="0"/>
+              <a:t>items</a:t>
+            </a:r>
+            <a:r>
+              <a:rPr lang="en-US" dirty="0" smtClean="0"/>
+              <a:t> by a much fewer number of </a:t>
+            </a:r>
+            <a:r>
+              <a:rPr lang="en-US" b="1" dirty="0" smtClean="0"/>
+              <a:t>factors</a:t>
+            </a:r>
+            <a:r>
+              <a:rPr lang="en-US" dirty="0" smtClean="0"/>
+              <a:t>. </a:t>
+            </a:r>
+          </a:p>
+          <a:p>
+            <a:endParaRPr lang="en-US" dirty="0"/>
+          </a:p>
+          <a:p>
+            <a:r>
+              <a:rPr lang="en-US" dirty="0" smtClean="0"/>
+              <a:t>In the </a:t>
+            </a:r>
+            <a:r>
+              <a:rPr lang="en-US" dirty="0" err="1" smtClean="0"/>
+              <a:t>bfi</a:t>
+            </a:r>
+            <a:r>
+              <a:rPr lang="en-US" dirty="0" smtClean="0"/>
+              <a:t> dataset there are 25 items measuring personality, but are there just a few underlying factors that are responsible for people’s scores on those items?</a:t>
+            </a:r>
+          </a:p>
+          <a:p>
+            <a:endParaRPr lang="en-US" dirty="0"/>
+          </a:p>
+          <a:p>
+            <a:r>
+              <a:rPr lang="en-US" dirty="0" smtClean="0"/>
+              <a:t>We might guess what those are (e.g., extroversion, conscientiousness, etc.), but if we didn’t know we could use </a:t>
+            </a:r>
+            <a:r>
+              <a:rPr lang="en-US" b="1" dirty="0" smtClean="0"/>
+              <a:t>EFA</a:t>
+            </a:r>
+            <a:r>
+              <a:rPr lang="en-US" dirty="0" smtClean="0"/>
+              <a:t> to let the data tell us about the underlying dimensions.</a:t>
+            </a:r>
           </a:p>
         </p:txBody>
       </p:sp>

--- a/docs/Day 2 Slides.pptx
+++ b/docs/Day 2 Slides.pptx
@@ -5,7 +5,7 @@
     <p:sldMasterId id="2147483672" r:id="rId1"/>
   </p:sldMasterIdLst>
   <p:notesMasterIdLst>
-    <p:notesMasterId r:id="rId27"/>
+    <p:notesMasterId r:id="rId29"/>
   </p:notesMasterIdLst>
   <p:sldIdLst>
     <p:sldId id="256" r:id="rId2"/>
@@ -27,12 +27,14 @@
     <p:sldId id="404" r:id="rId18"/>
     <p:sldId id="390" r:id="rId19"/>
     <p:sldId id="391" r:id="rId20"/>
-    <p:sldId id="392" r:id="rId21"/>
-    <p:sldId id="393" r:id="rId22"/>
-    <p:sldId id="394" r:id="rId23"/>
-    <p:sldId id="395" r:id="rId24"/>
-    <p:sldId id="384" r:id="rId25"/>
-    <p:sldId id="396" r:id="rId26"/>
+    <p:sldId id="405" r:id="rId21"/>
+    <p:sldId id="392" r:id="rId22"/>
+    <p:sldId id="393" r:id="rId23"/>
+    <p:sldId id="394" r:id="rId24"/>
+    <p:sldId id="395" r:id="rId25"/>
+    <p:sldId id="384" r:id="rId26"/>
+    <p:sldId id="406" r:id="rId27"/>
+    <p:sldId id="396" r:id="rId28"/>
   </p:sldIdLst>
   <p:sldSz cx="12192000" cy="6858000"/>
   <p:notesSz cx="6858000" cy="9144000"/>
@@ -6255,6 +6257,36 @@
           <a:chExt cx="0" cy="0"/>
         </a:xfrm>
       </p:grpSpPr>
+      <p:pic>
+        <p:nvPicPr>
+          <p:cNvPr id="10" name="Picture 9"/>
+          <p:cNvPicPr>
+            <a:picLocks noChangeAspect="1"/>
+          </p:cNvPicPr>
+          <p:nvPr/>
+        </p:nvPicPr>
+        <p:blipFill>
+          <a:blip r:embed="rId2">
+            <a:extLst>
+              <a:ext uri="{28A0092B-C50C-407E-A947-70E740481C1C}">
+                <a14:useLocalDpi xmlns:a14="http://schemas.microsoft.com/office/drawing/2010/main" val="0"/>
+              </a:ext>
+            </a:extLst>
+          </a:blip>
+          <a:stretch>
+            <a:fillRect/>
+          </a:stretch>
+        </p:blipFill>
+        <p:spPr>
+          <a:xfrm>
+            <a:off x="4691732" y="3243303"/>
+            <a:ext cx="2898627" cy="2426957"/>
+          </a:xfrm>
+          <a:prstGeom prst="rect">
+            <a:avLst/>
+          </a:prstGeom>
+        </p:spPr>
+      </p:pic>
       <p:sp>
         <p:nvSpPr>
           <p:cNvPr id="2" name="Title 1"/>
@@ -6297,106 +6329,318 @@
           <a:p>
             <a:r>
               <a:rPr lang="en-US" dirty="0" smtClean="0"/>
-              <a:t>We will use the R package </a:t>
-            </a:r>
-            <a:r>
-              <a:rPr lang="en-US" dirty="0" err="1" smtClean="0"/>
-              <a:t>lavaan</a:t>
-            </a:r>
+              <a:t>Does the model we have in our heads actually fit the data?</a:t>
+            </a:r>
+          </a:p>
+          <a:p>
+            <a:pPr lvl="1"/>
             <a:r>
               <a:rPr lang="en-US" dirty="0" smtClean="0"/>
-              <a:t> to fit CFAs</a:t>
-            </a:r>
-          </a:p>
-          <a:p>
-            <a:pPr lvl="1"/>
+              <a:t>Assessed with </a:t>
+            </a:r>
+            <a:r>
+              <a:rPr lang="en-US" dirty="0"/>
+              <a:t>f</a:t>
+            </a:r>
             <a:r>
               <a:rPr lang="en-US" dirty="0" smtClean="0"/>
-              <a:t>most widely used </a:t>
-            </a:r>
-            <a:r>
-              <a:rPr lang="en-US" b="1" dirty="0" smtClean="0"/>
-              <a:t>Structural Equation Modeling (SEM) </a:t>
-            </a:r>
-            <a:r>
-              <a:rPr lang="en-US" dirty="0" smtClean="0"/>
-              <a:t>package in R.</a:t>
-            </a:r>
-          </a:p>
-          <a:p>
-            <a:pPr lvl="1"/>
-            <a:endParaRPr lang="en-US" dirty="0"/>
-          </a:p>
-          <a:p>
-            <a:r>
-              <a:rPr lang="en-US" b="1" dirty="0" smtClean="0"/>
-              <a:t>Step </a:t>
-            </a:r>
-            <a:r>
-              <a:rPr lang="en-US" b="1" dirty="0"/>
-              <a:t>1: </a:t>
-            </a:r>
-            <a:r>
-              <a:rPr lang="en-US" dirty="0"/>
-              <a:t>Specify the </a:t>
-            </a:r>
-            <a:r>
-              <a:rPr lang="en-US" dirty="0" smtClean="0"/>
-              <a:t>model</a:t>
-            </a:r>
-            <a:endParaRPr lang="en-US" dirty="0"/>
-          </a:p>
-          <a:p>
-            <a:r>
-              <a:rPr lang="en-US" b="1" dirty="0" smtClean="0"/>
-              <a:t>Step </a:t>
-            </a:r>
-            <a:r>
-              <a:rPr lang="en-US" b="1" dirty="0"/>
-              <a:t>2:</a:t>
-            </a:r>
-            <a:r>
-              <a:rPr lang="en-US" dirty="0"/>
-              <a:t> Fit the </a:t>
-            </a:r>
-            <a:r>
-              <a:rPr lang="en-US" dirty="0" smtClean="0"/>
-              <a:t>model</a:t>
-            </a:r>
-            <a:endParaRPr lang="en-US" dirty="0"/>
-          </a:p>
-          <a:p>
-            <a:r>
-              <a:rPr lang="en-US" b="1" dirty="0" smtClean="0"/>
-              <a:t>Step </a:t>
-            </a:r>
-            <a:r>
-              <a:rPr lang="en-US" b="1" dirty="0"/>
-              <a:t>3: </a:t>
-            </a:r>
-            <a:r>
-              <a:rPr lang="en-US" dirty="0"/>
-              <a:t>Ask for </a:t>
-            </a:r>
-            <a:r>
-              <a:rPr lang="en-US" dirty="0" smtClean="0"/>
-              <a:t>the output </a:t>
-            </a:r>
-            <a:r>
-              <a:rPr lang="en-US" dirty="0"/>
-              <a:t>you want</a:t>
-            </a:r>
-          </a:p>
-          <a:p>
-            <a:pPr lvl="1"/>
+              <a:t>it statistics</a:t>
+            </a:r>
+          </a:p>
+          <a:p>
             <a:endParaRPr lang="en-US" dirty="0" smtClean="0"/>
+          </a:p>
+        </p:txBody>
+      </p:sp>
+      <p:sp>
+        <p:nvSpPr>
+          <p:cNvPr id="6" name="TextBox 5"/>
+          <p:cNvSpPr txBox="1"/>
+          <p:nvPr/>
+        </p:nvSpPr>
+        <p:spPr>
+          <a:xfrm>
+            <a:off x="1595049" y="3373349"/>
+            <a:ext cx="1736373" cy="369332"/>
+          </a:xfrm>
+          <a:prstGeom prst="rect">
+            <a:avLst/>
+          </a:prstGeom>
+          <a:noFill/>
+        </p:spPr>
+        <p:txBody>
+          <a:bodyPr wrap="none" rtlCol="0">
+            <a:spAutoFit/>
+          </a:bodyPr>
+          <a:lstStyle/>
+          <a:p>
+            <a:r>
+              <a:rPr lang="en-US" b="1" dirty="0" smtClean="0">
+                <a:solidFill>
+                  <a:schemeClr val="accent2"/>
+                </a:solidFill>
+              </a:rPr>
+              <a:t>Data </a:t>
+            </a:r>
+            <a:r>
+              <a:rPr lang="en-US" b="1" dirty="0" err="1" smtClean="0">
+                <a:solidFill>
+                  <a:schemeClr val="accent2"/>
+                </a:solidFill>
+              </a:rPr>
+              <a:t>cor</a:t>
+            </a:r>
+            <a:r>
+              <a:rPr lang="en-US" b="1" dirty="0" smtClean="0">
+                <a:solidFill>
+                  <a:schemeClr val="accent2"/>
+                </a:solidFill>
+              </a:rPr>
+              <a:t> matrix</a:t>
+            </a:r>
+            <a:endParaRPr lang="en-US" b="1" dirty="0">
+              <a:solidFill>
+                <a:schemeClr val="accent2"/>
+              </a:solidFill>
+            </a:endParaRPr>
+          </a:p>
+        </p:txBody>
+      </p:sp>
+      <p:sp>
+        <p:nvSpPr>
+          <p:cNvPr id="8" name="TextBox 7"/>
+          <p:cNvSpPr txBox="1"/>
+          <p:nvPr/>
+        </p:nvSpPr>
+        <p:spPr>
+          <a:xfrm>
+            <a:off x="5817448" y="3104795"/>
+            <a:ext cx="808235" cy="369332"/>
+          </a:xfrm>
+          <a:prstGeom prst="rect">
+            <a:avLst/>
+          </a:prstGeom>
+          <a:noFill/>
+        </p:spPr>
+        <p:txBody>
+          <a:bodyPr wrap="none" rtlCol="0">
+            <a:spAutoFit/>
+          </a:bodyPr>
+          <a:lstStyle/>
+          <a:p>
+            <a:r>
+              <a:rPr lang="en-US" b="1" smtClean="0">
+                <a:solidFill>
+                  <a:schemeClr val="accent2"/>
+                </a:solidFill>
+              </a:rPr>
+              <a:t>Model</a:t>
+            </a:r>
+            <a:endParaRPr lang="en-US" b="1" dirty="0">
+              <a:solidFill>
+                <a:schemeClr val="accent2"/>
+              </a:solidFill>
+            </a:endParaRPr>
+          </a:p>
+        </p:txBody>
+      </p:sp>
+      <p:pic>
+        <p:nvPicPr>
+          <p:cNvPr id="9" name="Picture 8"/>
+          <p:cNvPicPr>
+            <a:picLocks noChangeAspect="1"/>
+          </p:cNvPicPr>
+          <p:nvPr/>
+        </p:nvPicPr>
+        <p:blipFill>
+          <a:blip r:embed="rId3">
+            <a:extLst>
+              <a:ext uri="{28A0092B-C50C-407E-A947-70E740481C1C}">
+                <a14:useLocalDpi xmlns:a14="http://schemas.microsoft.com/office/drawing/2010/main" val="0"/>
+              </a:ext>
+            </a:extLst>
+          </a:blip>
+          <a:stretch>
+            <a:fillRect/>
+          </a:stretch>
+        </p:blipFill>
+        <p:spPr>
+          <a:xfrm>
+            <a:off x="509411" y="3807070"/>
+            <a:ext cx="3987800" cy="1625600"/>
+          </a:xfrm>
+          <a:prstGeom prst="rect">
+            <a:avLst/>
+          </a:prstGeom>
+        </p:spPr>
+      </p:pic>
+      <p:pic>
+        <p:nvPicPr>
+          <p:cNvPr id="11" name="Picture 10"/>
+          <p:cNvPicPr>
+            <a:picLocks noChangeAspect="1"/>
+          </p:cNvPicPr>
+          <p:nvPr/>
+        </p:nvPicPr>
+        <p:blipFill>
+          <a:blip r:embed="rId4">
+            <a:extLst>
+              <a:ext uri="{28A0092B-C50C-407E-A947-70E740481C1C}">
+                <a14:useLocalDpi xmlns:a14="http://schemas.microsoft.com/office/drawing/2010/main" val="0"/>
+              </a:ext>
+            </a:extLst>
+          </a:blip>
+          <a:stretch>
+            <a:fillRect/>
+          </a:stretch>
+        </p:blipFill>
+        <p:spPr>
+          <a:xfrm>
+            <a:off x="7691061" y="3742681"/>
+            <a:ext cx="4203700" cy="1638300"/>
+          </a:xfrm>
+          <a:prstGeom prst="rect">
+            <a:avLst/>
+          </a:prstGeom>
+        </p:spPr>
+      </p:pic>
+      <p:sp>
+        <p:nvSpPr>
+          <p:cNvPr id="12" name="TextBox 11"/>
+          <p:cNvSpPr txBox="1"/>
+          <p:nvPr/>
+        </p:nvSpPr>
+        <p:spPr>
+          <a:xfrm>
+            <a:off x="8567763" y="3373167"/>
+            <a:ext cx="2747868" cy="369332"/>
+          </a:xfrm>
+          <a:prstGeom prst="rect">
+            <a:avLst/>
+          </a:prstGeom>
+          <a:noFill/>
+        </p:spPr>
+        <p:txBody>
+          <a:bodyPr wrap="none" rtlCol="0">
+            <a:spAutoFit/>
+          </a:bodyPr>
+          <a:lstStyle/>
+          <a:p>
+            <a:r>
+              <a:rPr lang="en-US" b="1" dirty="0" smtClean="0">
+                <a:solidFill>
+                  <a:schemeClr val="accent2"/>
+                </a:solidFill>
+              </a:rPr>
+              <a:t>Model implied </a:t>
+            </a:r>
+            <a:r>
+              <a:rPr lang="en-US" b="1" dirty="0" err="1" smtClean="0">
+                <a:solidFill>
+                  <a:schemeClr val="accent2"/>
+                </a:solidFill>
+              </a:rPr>
+              <a:t>cor</a:t>
+            </a:r>
+            <a:r>
+              <a:rPr lang="en-US" b="1" dirty="0" smtClean="0">
+                <a:solidFill>
+                  <a:schemeClr val="accent2"/>
+                </a:solidFill>
+              </a:rPr>
+              <a:t> matrix</a:t>
+            </a:r>
+            <a:endParaRPr lang="en-US" b="1" dirty="0">
+              <a:solidFill>
+                <a:schemeClr val="accent2"/>
+              </a:solidFill>
+            </a:endParaRPr>
+          </a:p>
+        </p:txBody>
+      </p:sp>
+      <p:cxnSp>
+        <p:nvCxnSpPr>
+          <p:cNvPr id="22" name="Curved Connector 21"/>
+          <p:cNvCxnSpPr>
+            <a:stCxn id="9" idx="2"/>
+            <a:endCxn id="11" idx="2"/>
+          </p:cNvCxnSpPr>
+          <p:nvPr/>
+        </p:nvCxnSpPr>
+        <p:spPr>
+          <a:xfrm rot="5400000" flipH="1" flipV="1">
+            <a:off x="6122266" y="1762026"/>
+            <a:ext cx="51689" cy="7289600"/>
+          </a:xfrm>
+          <a:prstGeom prst="curvedConnector3">
+            <a:avLst>
+              <a:gd name="adj1" fmla="val -1168024"/>
+            </a:avLst>
+          </a:prstGeom>
+          <a:ln w="28575">
+            <a:headEnd type="triangle"/>
+            <a:tailEnd type="triangle"/>
+          </a:ln>
+        </p:spPr>
+        <p:style>
+          <a:lnRef idx="1">
+            <a:schemeClr val="accent1"/>
+          </a:lnRef>
+          <a:fillRef idx="0">
+            <a:schemeClr val="accent1"/>
+          </a:fillRef>
+          <a:effectRef idx="0">
+            <a:schemeClr val="accent1"/>
+          </a:effectRef>
+          <a:fontRef idx="minor">
+            <a:schemeClr val="tx1"/>
+          </a:fontRef>
+        </p:style>
+      </p:cxnSp>
+      <p:sp>
+        <p:nvSpPr>
+          <p:cNvPr id="25" name="TextBox 24"/>
+          <p:cNvSpPr txBox="1"/>
+          <p:nvPr/>
+        </p:nvSpPr>
+        <p:spPr>
+          <a:xfrm>
+            <a:off x="5817448" y="5850374"/>
+            <a:ext cx="554960" cy="369332"/>
+          </a:xfrm>
+          <a:prstGeom prst="rect">
+            <a:avLst/>
+          </a:prstGeom>
+          <a:solidFill>
+            <a:schemeClr val="bg1"/>
+          </a:solidFill>
+        </p:spPr>
+        <p:txBody>
+          <a:bodyPr wrap="none" rtlCol="0">
+            <a:spAutoFit/>
+          </a:bodyPr>
+          <a:lstStyle/>
+          <a:p>
+            <a:r>
+              <a:rPr lang="en-US" b="1" smtClean="0">
+                <a:solidFill>
+                  <a:schemeClr val="accent2"/>
+                </a:solidFill>
+              </a:rPr>
+              <a:t>Fit?</a:t>
+            </a:r>
+            <a:endParaRPr lang="en-US" b="1" dirty="0">
+              <a:solidFill>
+                <a:schemeClr val="accent2"/>
+              </a:solidFill>
+            </a:endParaRPr>
           </a:p>
         </p:txBody>
       </p:sp>
     </p:spTree>
     <p:extLst>
       <p:ext uri="{BB962C8B-B14F-4D97-AF65-F5344CB8AC3E}">
-        <p14:creationId xmlns:p14="http://schemas.microsoft.com/office/powerpoint/2010/main" val="622917797"/>
+        <p14:creationId xmlns:p14="http://schemas.microsoft.com/office/powerpoint/2010/main" val="1742198452"/>
       </p:ext>
     </p:extLst>
   </p:cSld>
@@ -6423,36 +6667,6 @@
           <a:chExt cx="0" cy="0"/>
         </a:xfrm>
       </p:grpSpPr>
-      <p:pic>
-        <p:nvPicPr>
-          <p:cNvPr id="4" name="Picture 3"/>
-          <p:cNvPicPr>
-            <a:picLocks noChangeAspect="1"/>
-          </p:cNvPicPr>
-          <p:nvPr/>
-        </p:nvPicPr>
-        <p:blipFill>
-          <a:blip r:embed="rId2">
-            <a:extLst>
-              <a:ext uri="{28A0092B-C50C-407E-A947-70E740481C1C}">
-                <a14:useLocalDpi xmlns:a14="http://schemas.microsoft.com/office/drawing/2010/main" val="0"/>
-              </a:ext>
-            </a:extLst>
-          </a:blip>
-          <a:stretch>
-            <a:fillRect/>
-          </a:stretch>
-        </p:blipFill>
-        <p:spPr>
-          <a:xfrm>
-            <a:off x="6370320" y="456113"/>
-            <a:ext cx="4100786" cy="6117407"/>
-          </a:xfrm>
-          <a:prstGeom prst="rect">
-            <a:avLst/>
-          </a:prstGeom>
-        </p:spPr>
-      </p:pic>
       <p:sp>
         <p:nvSpPr>
           <p:cNvPr id="2" name="Title 1"/>
@@ -6470,53 +6684,131 @@
           <a:p>
             <a:r>
               <a:rPr lang="en-US" dirty="0" smtClean="0"/>
-              <a:t>Step 1: </a:t>
-            </a:r>
-            <a:br>
+              <a:t>Confirmatory Factor Analysis (CFA)</a:t>
+            </a:r>
+            <a:endParaRPr lang="en-US" dirty="0"/>
+          </a:p>
+        </p:txBody>
+      </p:sp>
+      <p:sp>
+        <p:nvSpPr>
+          <p:cNvPr id="3" name="Content Placeholder 2"/>
+          <p:cNvSpPr>
+            <a:spLocks noGrp="1"/>
+          </p:cNvSpPr>
+          <p:nvPr>
+            <p:ph idx="1"/>
+          </p:nvPr>
+        </p:nvSpPr>
+        <p:spPr/>
+        <p:txBody>
+          <a:bodyPr>
+            <a:normAutofit/>
+          </a:bodyPr>
+          <a:lstStyle/>
+          <a:p>
+            <a:r>
               <a:rPr lang="en-US" dirty="0" smtClean="0"/>
-            </a:br>
+              <a:t>We will use the R package </a:t>
+            </a:r>
+            <a:r>
+              <a:rPr lang="en-US" dirty="0" err="1" smtClean="0"/>
+              <a:t>lavaan</a:t>
+            </a:r>
             <a:r>
               <a:rPr lang="en-US" dirty="0" smtClean="0"/>
-              <a:t>Specify the Model</a:t>
-            </a:r>
+              <a:t> to fit CFAs</a:t>
+            </a:r>
+          </a:p>
+          <a:p>
+            <a:pPr lvl="1"/>
+            <a:r>
+              <a:rPr lang="en-US" dirty="0" smtClean="0"/>
+              <a:t>most widely used </a:t>
+            </a:r>
+            <a:r>
+              <a:rPr lang="en-US" b="1" dirty="0" smtClean="0"/>
+              <a:t>Structural Equation Modeling (SEM) </a:t>
+            </a:r>
+            <a:r>
+              <a:rPr lang="en-US" dirty="0" smtClean="0"/>
+              <a:t>package in R.</a:t>
+            </a:r>
+          </a:p>
+          <a:p>
+            <a:pPr lvl="1"/>
             <a:endParaRPr lang="en-US" dirty="0"/>
           </a:p>
-        </p:txBody>
-      </p:sp>
-      <p:pic>
-        <p:nvPicPr>
-          <p:cNvPr id="3" name="Picture 2"/>
-          <p:cNvPicPr>
-            <a:picLocks noChangeAspect="1"/>
-          </p:cNvPicPr>
-          <p:nvPr/>
-        </p:nvPicPr>
-        <p:blipFill>
-          <a:blip r:embed="rId3">
-            <a:extLst>
-              <a:ext uri="{28A0092B-C50C-407E-A947-70E740481C1C}">
-                <a14:useLocalDpi xmlns:a14="http://schemas.microsoft.com/office/drawing/2010/main" val="0"/>
-              </a:ext>
-            </a:extLst>
-          </a:blip>
-          <a:stretch>
-            <a:fillRect/>
-          </a:stretch>
-        </p:blipFill>
-        <p:spPr>
-          <a:xfrm>
-            <a:off x="1604010" y="3256280"/>
-            <a:ext cx="4305300" cy="901700"/>
-          </a:xfrm>
-          <a:prstGeom prst="rect">
-            <a:avLst/>
-          </a:prstGeom>
-        </p:spPr>
-      </p:pic>
+          <a:p>
+            <a:r>
+              <a:rPr lang="en-US" b="1" dirty="0" smtClean="0"/>
+              <a:t>Step </a:t>
+            </a:r>
+            <a:r>
+              <a:rPr lang="en-US" b="1" dirty="0"/>
+              <a:t>1: </a:t>
+            </a:r>
+            <a:r>
+              <a:rPr lang="en-US" dirty="0"/>
+              <a:t>Specify the </a:t>
+            </a:r>
+            <a:r>
+              <a:rPr lang="en-US" dirty="0" smtClean="0"/>
+              <a:t>model</a:t>
+            </a:r>
+            <a:endParaRPr lang="en-US" dirty="0"/>
+          </a:p>
+          <a:p>
+            <a:r>
+              <a:rPr lang="en-US" b="1" dirty="0" smtClean="0"/>
+              <a:t>Step </a:t>
+            </a:r>
+            <a:r>
+              <a:rPr lang="en-US" b="1" dirty="0"/>
+              <a:t>2:</a:t>
+            </a:r>
+            <a:r>
+              <a:rPr lang="en-US" dirty="0"/>
+              <a:t> Fit the </a:t>
+            </a:r>
+            <a:r>
+              <a:rPr lang="en-US" dirty="0" smtClean="0"/>
+              <a:t>model</a:t>
+            </a:r>
+            <a:endParaRPr lang="en-US" dirty="0"/>
+          </a:p>
+          <a:p>
+            <a:r>
+              <a:rPr lang="en-US" b="1" dirty="0" smtClean="0"/>
+              <a:t>Step </a:t>
+            </a:r>
+            <a:r>
+              <a:rPr lang="en-US" b="1" dirty="0"/>
+              <a:t>3: </a:t>
+            </a:r>
+            <a:r>
+              <a:rPr lang="en-US" dirty="0"/>
+              <a:t>Ask for </a:t>
+            </a:r>
+            <a:r>
+              <a:rPr lang="en-US" dirty="0" smtClean="0"/>
+              <a:t>the output </a:t>
+            </a:r>
+            <a:r>
+              <a:rPr lang="en-US" dirty="0"/>
+              <a:t>you want</a:t>
+            </a:r>
+          </a:p>
+          <a:p>
+            <a:pPr lvl="1"/>
+            <a:endParaRPr lang="en-US" dirty="0" smtClean="0"/>
+          </a:p>
+        </p:txBody>
+      </p:sp>
     </p:spTree>
     <p:extLst>
       <p:ext uri="{BB962C8B-B14F-4D97-AF65-F5344CB8AC3E}">
-        <p14:creationId xmlns:p14="http://schemas.microsoft.com/office/powerpoint/2010/main" val="415089955"/>
+        <p14:creationId xmlns:p14="http://schemas.microsoft.com/office/powerpoint/2010/main" val="622917797"/>
       </p:ext>
     </p:extLst>
   </p:cSld>
@@ -6590,6 +6882,126 @@
           <a:p>
             <a:r>
               <a:rPr lang="en-US" dirty="0" smtClean="0"/>
+              <a:t>Step 1: </a:t>
+            </a:r>
+            <a:br>
+              <a:rPr lang="en-US" dirty="0" smtClean="0"/>
+            </a:br>
+            <a:r>
+              <a:rPr lang="en-US" dirty="0" smtClean="0"/>
+              <a:t>Specify the Model</a:t>
+            </a:r>
+            <a:endParaRPr lang="en-US" dirty="0"/>
+          </a:p>
+        </p:txBody>
+      </p:sp>
+      <p:pic>
+        <p:nvPicPr>
+          <p:cNvPr id="3" name="Picture 2"/>
+          <p:cNvPicPr>
+            <a:picLocks noChangeAspect="1"/>
+          </p:cNvPicPr>
+          <p:nvPr/>
+        </p:nvPicPr>
+        <p:blipFill>
+          <a:blip r:embed="rId3">
+            <a:extLst>
+              <a:ext uri="{28A0092B-C50C-407E-A947-70E740481C1C}">
+                <a14:useLocalDpi xmlns:a14="http://schemas.microsoft.com/office/drawing/2010/main" val="0"/>
+              </a:ext>
+            </a:extLst>
+          </a:blip>
+          <a:stretch>
+            <a:fillRect/>
+          </a:stretch>
+        </p:blipFill>
+        <p:spPr>
+          <a:xfrm>
+            <a:off x="1604010" y="3256280"/>
+            <a:ext cx="4305300" cy="901700"/>
+          </a:xfrm>
+          <a:prstGeom prst="rect">
+            <a:avLst/>
+          </a:prstGeom>
+        </p:spPr>
+      </p:pic>
+    </p:spTree>
+    <p:extLst>
+      <p:ext uri="{BB962C8B-B14F-4D97-AF65-F5344CB8AC3E}">
+        <p14:creationId xmlns:p14="http://schemas.microsoft.com/office/powerpoint/2010/main" val="415089955"/>
+      </p:ext>
+    </p:extLst>
+  </p:cSld>
+  <p:clrMapOvr>
+    <a:masterClrMapping/>
+  </p:clrMapOvr>
+</p:sld>
+</file>
+
+<file path=ppt/slides/slide23.xml><?xml version="1.0" encoding="utf-8"?>
+<p:sld xmlns:a="http://schemas.openxmlformats.org/drawingml/2006/main" xmlns:r="http://schemas.openxmlformats.org/officeDocument/2006/relationships" xmlns:p="http://schemas.openxmlformats.org/presentationml/2006/main">
+  <p:cSld>
+    <p:spTree>
+      <p:nvGrpSpPr>
+        <p:cNvPr id="1" name=""/>
+        <p:cNvGrpSpPr/>
+        <p:nvPr/>
+      </p:nvGrpSpPr>
+      <p:grpSpPr>
+        <a:xfrm>
+          <a:off x="0" y="0"/>
+          <a:ext cx="0" cy="0"/>
+          <a:chOff x="0" y="0"/>
+          <a:chExt cx="0" cy="0"/>
+        </a:xfrm>
+      </p:grpSpPr>
+      <p:pic>
+        <p:nvPicPr>
+          <p:cNvPr id="4" name="Picture 3"/>
+          <p:cNvPicPr>
+            <a:picLocks noChangeAspect="1"/>
+          </p:cNvPicPr>
+          <p:nvPr/>
+        </p:nvPicPr>
+        <p:blipFill>
+          <a:blip r:embed="rId2">
+            <a:extLst>
+              <a:ext uri="{28A0092B-C50C-407E-A947-70E740481C1C}">
+                <a14:useLocalDpi xmlns:a14="http://schemas.microsoft.com/office/drawing/2010/main" val="0"/>
+              </a:ext>
+            </a:extLst>
+          </a:blip>
+          <a:stretch>
+            <a:fillRect/>
+          </a:stretch>
+        </p:blipFill>
+        <p:spPr>
+          <a:xfrm>
+            <a:off x="6370320" y="456113"/>
+            <a:ext cx="4100786" cy="6117407"/>
+          </a:xfrm>
+          <a:prstGeom prst="rect">
+            <a:avLst/>
+          </a:prstGeom>
+        </p:spPr>
+      </p:pic>
+      <p:sp>
+        <p:nvSpPr>
+          <p:cNvPr id="2" name="Title 1"/>
+          <p:cNvSpPr>
+            <a:spLocks noGrp="1"/>
+          </p:cNvSpPr>
+          <p:nvPr>
+            <p:ph type="title"/>
+          </p:nvPr>
+        </p:nvSpPr>
+        <p:spPr/>
+        <p:txBody>
+          <a:bodyPr/>
+          <a:lstStyle/>
+          <a:p>
+            <a:r>
+              <a:rPr lang="en-US" dirty="0" smtClean="0"/>
               <a:t>Step 2: </a:t>
             </a:r>
             <a:br>
@@ -6646,7 +7058,7 @@
 </p:sld>
 </file>
 
-<file path=ppt/slides/slide23.xml><?xml version="1.0" encoding="utf-8"?>
+<file path=ppt/slides/slide24.xml><?xml version="1.0" encoding="utf-8"?>
 <p:sld xmlns:a="http://schemas.openxmlformats.org/drawingml/2006/main" xmlns:r="http://schemas.openxmlformats.org/officeDocument/2006/relationships" xmlns:p="http://schemas.openxmlformats.org/presentationml/2006/main">
   <p:cSld>
     <p:spTree>
@@ -6874,7 +7286,7 @@
 </p:sld>
 </file>
 
-<file path=ppt/slides/slide24.xml><?xml version="1.0" encoding="utf-8"?>
+<file path=ppt/slides/slide25.xml><?xml version="1.0" encoding="utf-8"?>
 <p:sld xmlns:a="http://schemas.openxmlformats.org/drawingml/2006/main" xmlns:r="http://schemas.openxmlformats.org/officeDocument/2006/relationships" xmlns:p="http://schemas.openxmlformats.org/presentationml/2006/main">
   <p:cSld>
     <p:spTree>
@@ -6916,7 +7328,7 @@
       </p:sp>
       <p:sp>
         <p:nvSpPr>
-          <p:cNvPr id="3" name="Content Placeholder 2"/>
+          <p:cNvPr id="5" name="Content Placeholder 4"/>
           <p:cNvSpPr>
             <a:spLocks noGrp="1"/>
           </p:cNvSpPr>
@@ -6929,10 +7341,79 @@
           <a:bodyPr/>
           <a:lstStyle/>
           <a:p>
-            <a:endParaRPr lang="en-US"/>
-          </a:p>
-        </p:txBody>
-      </p:sp>
+            <a:r>
+              <a:rPr lang="en-US" dirty="0" smtClean="0"/>
+              <a:t>Now we can add regression equations in the mix with our latent variables. </a:t>
+            </a:r>
+            <a:endParaRPr lang="en-US" dirty="0"/>
+          </a:p>
+          <a:p>
+            <a:r>
+              <a:rPr lang="en-US" dirty="0" smtClean="0"/>
+              <a:t>We can use our latent variables as predictors (IVs) or as response variables (DVs).</a:t>
+            </a:r>
+          </a:p>
+          <a:p>
+            <a:r>
+              <a:rPr lang="en-US" dirty="0" smtClean="0"/>
+              <a:t>Simultaneously estimate multiple regression equations</a:t>
+            </a:r>
+          </a:p>
+          <a:p>
+            <a:pPr lvl="1"/>
+            <a:r>
+              <a:rPr lang="en-US" dirty="0" smtClean="0"/>
+              <a:t>A </a:t>
+            </a:r>
+            <a:r>
+              <a:rPr lang="en-US" b="1" dirty="0" smtClean="0"/>
+              <a:t>multivariate data analysis </a:t>
+            </a:r>
+            <a:r>
+              <a:rPr lang="en-US" dirty="0" smtClean="0"/>
+              <a:t>approach because we can have multiple response variables.  </a:t>
+            </a:r>
+          </a:p>
+          <a:p>
+            <a:pPr lvl="1"/>
+            <a:r>
+              <a:rPr lang="en-US" dirty="0" smtClean="0"/>
+              <a:t>Think solving a system of equations!</a:t>
+            </a:r>
+            <a:endParaRPr lang="en-US" dirty="0"/>
+          </a:p>
+        </p:txBody>
+      </p:sp>
+      <p:pic>
+        <p:nvPicPr>
+          <p:cNvPr id="6" name="Picture 5"/>
+          <p:cNvPicPr>
+            <a:picLocks noChangeAspect="1"/>
+          </p:cNvPicPr>
+          <p:nvPr/>
+        </p:nvPicPr>
+        <p:blipFill>
+          <a:blip r:embed="rId2">
+            <a:extLst>
+              <a:ext uri="{28A0092B-C50C-407E-A947-70E740481C1C}">
+                <a14:useLocalDpi xmlns:a14="http://schemas.microsoft.com/office/drawing/2010/main" val="0"/>
+              </a:ext>
+            </a:extLst>
+          </a:blip>
+          <a:stretch>
+            <a:fillRect/>
+          </a:stretch>
+        </p:blipFill>
+        <p:spPr>
+          <a:xfrm>
+            <a:off x="6260123" y="4279900"/>
+            <a:ext cx="4254500" cy="1638300"/>
+          </a:xfrm>
+          <a:prstGeom prst="rect">
+            <a:avLst/>
+          </a:prstGeom>
+        </p:spPr>
+      </p:pic>
     </p:spTree>
     <p:extLst>
       <p:ext uri="{BB962C8B-B14F-4D97-AF65-F5344CB8AC3E}">
@@ -6946,7 +7427,89 @@
 </p:sld>
 </file>
 
-<file path=ppt/slides/slide25.xml><?xml version="1.0" encoding="utf-8"?>
+<file path=ppt/slides/slide26.xml><?xml version="1.0" encoding="utf-8"?>
+<p:sld xmlns:a="http://schemas.openxmlformats.org/drawingml/2006/main" xmlns:r="http://schemas.openxmlformats.org/officeDocument/2006/relationships" xmlns:p="http://schemas.openxmlformats.org/presentationml/2006/main">
+  <p:cSld>
+    <p:spTree>
+      <p:nvGrpSpPr>
+        <p:cNvPr id="1" name=""/>
+        <p:cNvGrpSpPr/>
+        <p:nvPr/>
+      </p:nvGrpSpPr>
+      <p:grpSpPr>
+        <a:xfrm>
+          <a:off x="0" y="0"/>
+          <a:ext cx="0" cy="0"/>
+          <a:chOff x="0" y="0"/>
+          <a:chExt cx="0" cy="0"/>
+        </a:xfrm>
+      </p:grpSpPr>
+      <p:sp>
+        <p:nvSpPr>
+          <p:cNvPr id="2" name="Title 1"/>
+          <p:cNvSpPr>
+            <a:spLocks noGrp="1"/>
+          </p:cNvSpPr>
+          <p:nvPr>
+            <p:ph type="title"/>
+          </p:nvPr>
+        </p:nvSpPr>
+        <p:spPr/>
+        <p:txBody>
+          <a:bodyPr/>
+          <a:lstStyle/>
+          <a:p>
+            <a:r>
+              <a:rPr lang="en-US" dirty="0" smtClean="0"/>
+              <a:t>Path Analysis and SEM</a:t>
+            </a:r>
+            <a:endParaRPr lang="en-US" dirty="0"/>
+          </a:p>
+        </p:txBody>
+      </p:sp>
+      <p:pic>
+        <p:nvPicPr>
+          <p:cNvPr id="4" name="Content Placeholder 3"/>
+          <p:cNvPicPr>
+            <a:picLocks noGrp="1" noChangeAspect="1"/>
+          </p:cNvPicPr>
+          <p:nvPr>
+            <p:ph idx="1"/>
+          </p:nvPr>
+        </p:nvPicPr>
+        <p:blipFill>
+          <a:blip r:embed="rId2">
+            <a:extLst>
+              <a:ext uri="{28A0092B-C50C-407E-A947-70E740481C1C}">
+                <a14:useLocalDpi xmlns:a14="http://schemas.microsoft.com/office/drawing/2010/main" val="0"/>
+              </a:ext>
+            </a:extLst>
+          </a:blip>
+          <a:stretch>
+            <a:fillRect/>
+          </a:stretch>
+        </p:blipFill>
+        <p:spPr>
+          <a:xfrm>
+            <a:off x="2500224" y="1512277"/>
+            <a:ext cx="7161072" cy="4689230"/>
+          </a:xfrm>
+        </p:spPr>
+      </p:pic>
+    </p:spTree>
+    <p:extLst>
+      <p:ext uri="{BB962C8B-B14F-4D97-AF65-F5344CB8AC3E}">
+        <p14:creationId xmlns:p14="http://schemas.microsoft.com/office/powerpoint/2010/main" val="1109457052"/>
+      </p:ext>
+    </p:extLst>
+  </p:cSld>
+  <p:clrMapOvr>
+    <a:masterClrMapping/>
+  </p:clrMapOvr>
+</p:sld>
+</file>
+
+<file path=ppt/slides/slide27.xml><?xml version="1.0" encoding="utf-8"?>
 <p:sld xmlns:a="http://schemas.openxmlformats.org/drawingml/2006/main" xmlns:r="http://schemas.openxmlformats.org/officeDocument/2006/relationships" xmlns:p="http://schemas.openxmlformats.org/presentationml/2006/main">
   <p:cSld>
     <p:spTree>
